--- a/2021/11/观澜富士康项目/样机方案/中框检测样机解决方案.pptx
+++ b/2021/11/观澜富士康项目/样机方案/中框检测样机解决方案.pptx
@@ -5,7 +5,7 @@
     <p:sldMasterId id="2147483709" r:id="rId1"/>
   </p:sldMasterIdLst>
   <p:notesMasterIdLst>
-    <p:notesMasterId r:id="rId18"/>
+    <p:notesMasterId r:id="rId19"/>
   </p:notesMasterIdLst>
   <p:sldIdLst>
     <p:sldId id="2007577816" r:id="rId2"/>
@@ -23,7 +23,8 @@
     <p:sldId id="11089254" r:id="rId14"/>
     <p:sldId id="2007577909" r:id="rId15"/>
     <p:sldId id="11089205" r:id="rId16"/>
-    <p:sldId id="260" r:id="rId17"/>
+    <p:sldId id="2007577910" r:id="rId17"/>
+    <p:sldId id="260" r:id="rId18"/>
   </p:sldIdLst>
   <p:sldSz cx="12192000" cy="6858000"/>
   <p:notesSz cx="6858000" cy="9144000"/>
@@ -234,7 +235,7 @@
             <a:fld id="{758FB066-95A8-4D43-911C-F7178203F559}" type="datetimeFigureOut">
               <a:rPr kumimoji="1" lang="zh-CN" altLang="en-US" smtClean="0"/>
               <a:pPr/>
-              <a:t>2021/12/14</a:t>
+              <a:t>2021/12/15</a:t>
             </a:fld>
             <a:endParaRPr kumimoji="1" lang="zh-CN" altLang="en-US" dirty="0"/>
           </a:p>
@@ -1005,6 +1006,90 @@
 </p:notes>
 </file>
 
+<file path=ppt/notesSlides/notesSlide7.xml><?xml version="1.0" encoding="utf-8"?>
+<p:notes xmlns:a="http://schemas.openxmlformats.org/drawingml/2006/main" xmlns:r="http://schemas.openxmlformats.org/officeDocument/2006/relationships" xmlns:p="http://schemas.openxmlformats.org/presentationml/2006/main">
+  <p:cSld>
+    <p:spTree>
+      <p:nvGrpSpPr>
+        <p:cNvPr id="1" name=""/>
+        <p:cNvGrpSpPr/>
+        <p:nvPr/>
+      </p:nvGrpSpPr>
+      <p:grpSpPr>
+        <a:xfrm>
+          <a:off x="0" y="0"/>
+          <a:ext cx="0" cy="0"/>
+          <a:chOff x="0" y="0"/>
+          <a:chExt cx="0" cy="0"/>
+        </a:xfrm>
+      </p:grpSpPr>
+      <p:sp>
+        <p:nvSpPr>
+          <p:cNvPr id="2" name="幻灯片图像占位符 1"/>
+          <p:cNvSpPr>
+            <a:spLocks noGrp="1" noRot="1" noChangeAspect="1"/>
+          </p:cNvSpPr>
+          <p:nvPr>
+            <p:ph type="sldImg"/>
+          </p:nvPr>
+        </p:nvSpPr>
+        <p:spPr/>
+      </p:sp>
+      <p:sp>
+        <p:nvSpPr>
+          <p:cNvPr id="3" name="备注占位符 2"/>
+          <p:cNvSpPr>
+            <a:spLocks noGrp="1"/>
+          </p:cNvSpPr>
+          <p:nvPr>
+            <p:ph type="body" idx="1"/>
+          </p:nvPr>
+        </p:nvSpPr>
+        <p:spPr/>
+        <p:txBody>
+          <a:bodyPr/>
+          <a:lstStyle/>
+          <a:p>
+            <a:endParaRPr lang="zh-CN" altLang="en-US" dirty="0"/>
+          </a:p>
+        </p:txBody>
+      </p:sp>
+      <p:sp>
+        <p:nvSpPr>
+          <p:cNvPr id="4" name="灯片编号占位符 3"/>
+          <p:cNvSpPr>
+            <a:spLocks noGrp="1"/>
+          </p:cNvSpPr>
+          <p:nvPr>
+            <p:ph type="sldNum" sz="quarter" idx="5"/>
+          </p:nvPr>
+        </p:nvSpPr>
+        <p:spPr/>
+        <p:txBody>
+          <a:bodyPr/>
+          <a:lstStyle/>
+          <a:p>
+            <a:fld id="{F251C6DD-82CF-6944-B544-EC1886F8E4C3}" type="slidenum">
+              <a:rPr kumimoji="1" lang="zh-CN" altLang="en-US" smtClean="0"/>
+              <a:t>16</a:t>
+            </a:fld>
+            <a:endParaRPr kumimoji="1" lang="zh-CN" altLang="en-US" dirty="0"/>
+          </a:p>
+        </p:txBody>
+      </p:sp>
+    </p:spTree>
+    <p:extLst>
+      <p:ext uri="{BB962C8B-B14F-4D97-AF65-F5344CB8AC3E}">
+        <p14:creationId xmlns:p14="http://schemas.microsoft.com/office/powerpoint/2010/main" val="2508606275"/>
+      </p:ext>
+    </p:extLst>
+  </p:cSld>
+  <p:clrMapOvr>
+    <a:masterClrMapping/>
+  </p:clrMapOvr>
+</p:notes>
+</file>
+
 <file path=ppt/slideLayouts/slideLayout1.xml><?xml version="1.0" encoding="utf-8"?>
 <p:sldLayout xmlns:a="http://schemas.openxmlformats.org/drawingml/2006/main" xmlns:r="http://schemas.openxmlformats.org/officeDocument/2006/relationships" xmlns:p="http://schemas.openxmlformats.org/presentationml/2006/main" preserve="1" userDrawn="1">
   <p:cSld name="标题幻灯片">
@@ -9246,47 +9331,600 @@
                 </a:solidFill>
                 <a:cs typeface="Arial" panose="020B0604020202020204" pitchFamily="34" charset="0"/>
               </a:rPr>
-              <a:t>光学初步设计方案</a:t>
+              <a:t>光学 </a:t>
+            </a:r>
+            <a:r>
+              <a:rPr lang="en-US" altLang="zh-CN" sz="2400" b="1" spc="100" dirty="0">
+                <a:solidFill>
+                  <a:srgbClr val="043E6F"/>
+                </a:solidFill>
+                <a:cs typeface="Arial" panose="020B0604020202020204" pitchFamily="34" charset="0"/>
+              </a:rPr>
+              <a:t>BG/CG 3D</a:t>
+            </a:r>
+            <a:r>
+              <a:rPr lang="zh-CN" altLang="en-US" sz="2400" b="1" spc="100" dirty="0">
+                <a:solidFill>
+                  <a:srgbClr val="043E6F"/>
+                </a:solidFill>
+                <a:cs typeface="Arial" panose="020B0604020202020204" pitchFamily="34" charset="0"/>
+              </a:rPr>
+              <a:t>面</a:t>
             </a:r>
           </a:p>
         </p:txBody>
       </p:sp>
       <p:pic>
         <p:nvPicPr>
-          <p:cNvPr id="101" name="图片 100"/>
-          <p:cNvPicPr/>
+          <p:cNvPr id="11" name="图片 10" descr="企业微信截图_16393874087768">
+            <a:extLst>
+              <a:ext uri="{FF2B5EF4-FFF2-40B4-BE49-F238E27FC236}">
+                <a16:creationId xmlns:a16="http://schemas.microsoft.com/office/drawing/2014/main" id="{361FFE87-BE71-48C8-9AB0-DA70E3EB02D9}"/>
+              </a:ext>
+            </a:extLst>
+          </p:cNvPr>
+          <p:cNvPicPr>
+            <a:picLocks noChangeAspect="1"/>
+          </p:cNvPicPr>
           <p:nvPr/>
         </p:nvPicPr>
         <p:blipFill>
-          <a:blip r:embed="rId3"/>
+          <a:blip r:embed="rId5"/>
           <a:stretch>
             <a:fillRect/>
           </a:stretch>
         </p:blipFill>
         <p:spPr>
           <a:xfrm>
-            <a:off x="779780" y="772160"/>
-            <a:ext cx="3223895" cy="4999990"/>
+            <a:off x="479505" y="799146"/>
+            <a:ext cx="2724150" cy="4981575"/>
           </a:xfrm>
           <a:prstGeom prst="rect">
             <a:avLst/>
           </a:prstGeom>
-          <a:noFill/>
-          <a:ln w="9525">
-            <a:noFill/>
-          </a:ln>
         </p:spPr>
       </p:pic>
+      <p:grpSp>
+        <p:nvGrpSpPr>
+          <p:cNvPr id="12" name="组合 11">
+            <a:extLst>
+              <a:ext uri="{FF2B5EF4-FFF2-40B4-BE49-F238E27FC236}">
+                <a16:creationId xmlns:a16="http://schemas.microsoft.com/office/drawing/2014/main" id="{2B3A2C74-8FC6-46D7-A171-4295698533FE}"/>
+              </a:ext>
+            </a:extLst>
+          </p:cNvPr>
+          <p:cNvGrpSpPr/>
+          <p:nvPr/>
+        </p:nvGrpSpPr>
+        <p:grpSpPr>
+          <a:xfrm>
+            <a:off x="4481830" y="799146"/>
+            <a:ext cx="2801620" cy="4881245"/>
+            <a:chOff x="6300470" y="695325"/>
+            <a:chExt cx="2801620" cy="4881245"/>
+          </a:xfrm>
+        </p:grpSpPr>
+        <p:sp>
+          <p:nvSpPr>
+            <p:cNvPr id="13" name="右箭头 13">
+              <a:extLst>
+                <a:ext uri="{FF2B5EF4-FFF2-40B4-BE49-F238E27FC236}">
+                  <a16:creationId xmlns:a16="http://schemas.microsoft.com/office/drawing/2014/main" id="{6285674F-4699-4F4D-B092-F1F99F3BA5E8}"/>
+                </a:ext>
+              </a:extLst>
+            </p:cNvPr>
+            <p:cNvSpPr/>
+            <p:nvPr/>
+          </p:nvSpPr>
+          <p:spPr>
+            <a:xfrm rot="16200000">
+              <a:off x="4709160" y="3059430"/>
+              <a:ext cx="3434080" cy="240030"/>
+            </a:xfrm>
+            <a:prstGeom prst="rightArrow">
+              <a:avLst/>
+            </a:prstGeom>
+            <a:gradFill>
+              <a:gsLst>
+                <a:gs pos="0">
+                  <a:srgbClr val="9EE256"/>
+                </a:gs>
+                <a:gs pos="100000">
+                  <a:srgbClr val="52762D"/>
+                </a:gs>
+              </a:gsLst>
+              <a:lin ang="5400000" scaled="0"/>
+            </a:gradFill>
+          </p:spPr>
+          <p:style>
+            <a:lnRef idx="2">
+              <a:schemeClr val="accent1">
+                <a:shade val="50000"/>
+              </a:schemeClr>
+            </a:lnRef>
+            <a:fillRef idx="1">
+              <a:schemeClr val="accent1"/>
+            </a:fillRef>
+            <a:effectRef idx="0">
+              <a:schemeClr val="accent1"/>
+            </a:effectRef>
+            <a:fontRef idx="minor">
+              <a:schemeClr val="lt1"/>
+            </a:fontRef>
+          </p:style>
+          <p:txBody>
+            <a:bodyPr rtlCol="0" anchor="ctr"/>
+            <a:lstStyle/>
+            <a:p>
+              <a:pPr algn="ctr"/>
+              <a:endParaRPr lang="zh-CN" altLang="en-US"/>
+            </a:p>
+          </p:txBody>
+        </p:sp>
+        <p:sp>
+          <p:nvSpPr>
+            <p:cNvPr id="14" name="下箭头 14">
+              <a:extLst>
+                <a:ext uri="{FF2B5EF4-FFF2-40B4-BE49-F238E27FC236}">
+                  <a16:creationId xmlns:a16="http://schemas.microsoft.com/office/drawing/2014/main" id="{52312D19-2753-466F-8148-6E4C6CF08937}"/>
+                </a:ext>
+              </a:extLst>
+            </p:cNvPr>
+            <p:cNvSpPr/>
+            <p:nvPr/>
+          </p:nvSpPr>
+          <p:spPr>
+            <a:xfrm>
+              <a:off x="8855075" y="1463040"/>
+              <a:ext cx="247015" cy="3433445"/>
+            </a:xfrm>
+            <a:prstGeom prst="downArrow">
+              <a:avLst/>
+            </a:prstGeom>
+            <a:gradFill>
+              <a:gsLst>
+                <a:gs pos="0">
+                  <a:srgbClr val="9EE256"/>
+                </a:gs>
+                <a:gs pos="100000">
+                  <a:srgbClr val="52762D"/>
+                </a:gs>
+              </a:gsLst>
+              <a:lin ang="5400000" scaled="0"/>
+            </a:gradFill>
+          </p:spPr>
+          <p:style>
+            <a:lnRef idx="2">
+              <a:schemeClr val="accent1">
+                <a:shade val="50000"/>
+              </a:schemeClr>
+            </a:lnRef>
+            <a:fillRef idx="1">
+              <a:schemeClr val="accent1"/>
+            </a:fillRef>
+            <a:effectRef idx="0">
+              <a:schemeClr val="accent1"/>
+            </a:effectRef>
+            <a:fontRef idx="minor">
+              <a:schemeClr val="lt1"/>
+            </a:fontRef>
+          </p:style>
+          <p:txBody>
+            <a:bodyPr rtlCol="0" anchor="ctr"/>
+            <a:lstStyle/>
+            <a:p>
+              <a:pPr algn="ctr"/>
+              <a:endParaRPr lang="zh-CN" altLang="en-US"/>
+            </a:p>
+          </p:txBody>
+        </p:sp>
+        <p:sp>
+          <p:nvSpPr>
+            <p:cNvPr id="15" name="右箭头 15">
+              <a:extLst>
+                <a:ext uri="{FF2B5EF4-FFF2-40B4-BE49-F238E27FC236}">
+                  <a16:creationId xmlns:a16="http://schemas.microsoft.com/office/drawing/2014/main" id="{9F077E42-94E0-42C3-A94C-13AC71242A65}"/>
+                </a:ext>
+              </a:extLst>
+            </p:cNvPr>
+            <p:cNvSpPr/>
+            <p:nvPr/>
+          </p:nvSpPr>
+          <p:spPr>
+            <a:xfrm>
+              <a:off x="6985635" y="695325"/>
+              <a:ext cx="1418590" cy="248920"/>
+            </a:xfrm>
+            <a:prstGeom prst="rightArrow">
+              <a:avLst/>
+            </a:prstGeom>
+            <a:gradFill>
+              <a:gsLst>
+                <a:gs pos="0">
+                  <a:srgbClr val="9EE256"/>
+                </a:gs>
+                <a:gs pos="100000">
+                  <a:srgbClr val="52762D"/>
+                </a:gs>
+              </a:gsLst>
+              <a:lin ang="5400000" scaled="0"/>
+            </a:gradFill>
+          </p:spPr>
+          <p:style>
+            <a:lnRef idx="2">
+              <a:schemeClr val="accent1">
+                <a:shade val="50000"/>
+              </a:schemeClr>
+            </a:lnRef>
+            <a:fillRef idx="1">
+              <a:schemeClr val="accent1"/>
+            </a:fillRef>
+            <a:effectRef idx="0">
+              <a:schemeClr val="accent1"/>
+            </a:effectRef>
+            <a:fontRef idx="minor">
+              <a:schemeClr val="lt1"/>
+            </a:fontRef>
+          </p:style>
+          <p:txBody>
+            <a:bodyPr rtlCol="0" anchor="ctr"/>
+            <a:lstStyle/>
+            <a:p>
+              <a:pPr algn="ctr"/>
+              <a:endParaRPr lang="zh-CN" altLang="en-US"/>
+            </a:p>
+          </p:txBody>
+        </p:sp>
+        <p:sp>
+          <p:nvSpPr>
+            <p:cNvPr id="16" name="左箭头 16">
+              <a:extLst>
+                <a:ext uri="{FF2B5EF4-FFF2-40B4-BE49-F238E27FC236}">
+                  <a16:creationId xmlns:a16="http://schemas.microsoft.com/office/drawing/2014/main" id="{C281F774-C5F6-4F9E-9717-89E7AE40CC05}"/>
+                </a:ext>
+              </a:extLst>
+            </p:cNvPr>
+            <p:cNvSpPr/>
+            <p:nvPr/>
+          </p:nvSpPr>
+          <p:spPr>
+            <a:xfrm>
+              <a:off x="6985000" y="5347970"/>
+              <a:ext cx="1419225" cy="228600"/>
+            </a:xfrm>
+            <a:prstGeom prst="leftArrow">
+              <a:avLst/>
+            </a:prstGeom>
+            <a:gradFill>
+              <a:gsLst>
+                <a:gs pos="0">
+                  <a:srgbClr val="9EE256"/>
+                </a:gs>
+                <a:gs pos="100000">
+                  <a:srgbClr val="52762D"/>
+                </a:gs>
+              </a:gsLst>
+              <a:lin ang="5400000" scaled="0"/>
+            </a:gradFill>
+          </p:spPr>
+          <p:style>
+            <a:lnRef idx="2">
+              <a:schemeClr val="accent1">
+                <a:shade val="50000"/>
+              </a:schemeClr>
+            </a:lnRef>
+            <a:fillRef idx="1">
+              <a:schemeClr val="accent1"/>
+            </a:fillRef>
+            <a:effectRef idx="0">
+              <a:schemeClr val="accent1"/>
+            </a:effectRef>
+            <a:fontRef idx="minor">
+              <a:schemeClr val="lt1"/>
+            </a:fontRef>
+          </p:style>
+          <p:txBody>
+            <a:bodyPr rtlCol="0" anchor="ctr"/>
+            <a:lstStyle/>
+            <a:p>
+              <a:pPr algn="ctr"/>
+              <a:endParaRPr lang="zh-CN" altLang="en-US"/>
+            </a:p>
+          </p:txBody>
+        </p:sp>
+        <p:sp>
+          <p:nvSpPr>
+            <p:cNvPr id="17" name="圆角右箭头 17">
+              <a:extLst>
+                <a:ext uri="{FF2B5EF4-FFF2-40B4-BE49-F238E27FC236}">
+                  <a16:creationId xmlns:a16="http://schemas.microsoft.com/office/drawing/2014/main" id="{CE08EFBA-31F5-45E0-90AB-AC70F1E8BE0D}"/>
+                </a:ext>
+              </a:extLst>
+            </p:cNvPr>
+            <p:cNvSpPr/>
+            <p:nvPr/>
+          </p:nvSpPr>
+          <p:spPr>
+            <a:xfrm>
+              <a:off x="6306185" y="695325"/>
+              <a:ext cx="521335" cy="544195"/>
+            </a:xfrm>
+            <a:prstGeom prst="bentArrow">
+              <a:avLst/>
+            </a:prstGeom>
+            <a:gradFill>
+              <a:gsLst>
+                <a:gs pos="0">
+                  <a:srgbClr val="9EE256"/>
+                </a:gs>
+                <a:gs pos="100000">
+                  <a:srgbClr val="52762D"/>
+                </a:gs>
+              </a:gsLst>
+              <a:lin ang="5400000" scaled="0"/>
+            </a:gradFill>
+          </p:spPr>
+          <p:style>
+            <a:lnRef idx="2">
+              <a:schemeClr val="accent1">
+                <a:shade val="50000"/>
+              </a:schemeClr>
+            </a:lnRef>
+            <a:fillRef idx="1">
+              <a:schemeClr val="accent1"/>
+            </a:fillRef>
+            <a:effectRef idx="0">
+              <a:schemeClr val="accent1"/>
+            </a:effectRef>
+            <a:fontRef idx="minor">
+              <a:schemeClr val="lt1"/>
+            </a:fontRef>
+          </p:style>
+          <p:txBody>
+            <a:bodyPr rtlCol="0" anchor="ctr"/>
+            <a:lstStyle/>
+            <a:p>
+              <a:pPr algn="ctr"/>
+              <a:endParaRPr lang="zh-CN" altLang="en-US">
+                <a:solidFill>
+                  <a:schemeClr val="tx1"/>
+                </a:solidFill>
+              </a:endParaRPr>
+            </a:p>
+          </p:txBody>
+        </p:sp>
+        <p:sp>
+          <p:nvSpPr>
+            <p:cNvPr id="18" name="圆角右箭头 18">
+              <a:extLst>
+                <a:ext uri="{FF2B5EF4-FFF2-40B4-BE49-F238E27FC236}">
+                  <a16:creationId xmlns:a16="http://schemas.microsoft.com/office/drawing/2014/main" id="{E46229C5-1BEE-416A-8265-5C4B7D4B7D39}"/>
+                </a:ext>
+              </a:extLst>
+            </p:cNvPr>
+            <p:cNvSpPr/>
+            <p:nvPr/>
+          </p:nvSpPr>
+          <p:spPr>
+            <a:xfrm rot="5400000">
+              <a:off x="8568690" y="710565"/>
+              <a:ext cx="527050" cy="539750"/>
+            </a:xfrm>
+            <a:prstGeom prst="bentArrow">
+              <a:avLst/>
+            </a:prstGeom>
+            <a:gradFill>
+              <a:gsLst>
+                <a:gs pos="0">
+                  <a:srgbClr val="9EE256"/>
+                </a:gs>
+                <a:gs pos="100000">
+                  <a:srgbClr val="52762D"/>
+                </a:gs>
+              </a:gsLst>
+              <a:lin ang="5400000" scaled="0"/>
+            </a:gradFill>
+          </p:spPr>
+          <p:style>
+            <a:lnRef idx="2">
+              <a:schemeClr val="accent1">
+                <a:shade val="50000"/>
+              </a:schemeClr>
+            </a:lnRef>
+            <a:fillRef idx="1">
+              <a:schemeClr val="accent1"/>
+            </a:fillRef>
+            <a:effectRef idx="0">
+              <a:schemeClr val="accent1"/>
+            </a:effectRef>
+            <a:fontRef idx="minor">
+              <a:schemeClr val="lt1"/>
+            </a:fontRef>
+          </p:style>
+          <p:txBody>
+            <a:bodyPr rtlCol="0" anchor="ctr"/>
+            <a:lstStyle/>
+            <a:p>
+              <a:pPr algn="ctr"/>
+              <a:endParaRPr lang="zh-CN" altLang="en-US">
+                <a:solidFill>
+                  <a:schemeClr val="tx1"/>
+                </a:solidFill>
+              </a:endParaRPr>
+            </a:p>
+          </p:txBody>
+        </p:sp>
+        <p:sp>
+          <p:nvSpPr>
+            <p:cNvPr id="19" name="圆角右箭头 19">
+              <a:extLst>
+                <a:ext uri="{FF2B5EF4-FFF2-40B4-BE49-F238E27FC236}">
+                  <a16:creationId xmlns:a16="http://schemas.microsoft.com/office/drawing/2014/main" id="{4CFE5124-4FB1-44BF-912A-AA86F7A968C3}"/>
+                </a:ext>
+              </a:extLst>
+            </p:cNvPr>
+            <p:cNvSpPr/>
+            <p:nvPr/>
+          </p:nvSpPr>
+          <p:spPr>
+            <a:xfrm rot="10800000">
+              <a:off x="8562340" y="5049520"/>
+              <a:ext cx="492125" cy="527050"/>
+            </a:xfrm>
+            <a:prstGeom prst="bentArrow">
+              <a:avLst/>
+            </a:prstGeom>
+            <a:gradFill>
+              <a:gsLst>
+                <a:gs pos="0">
+                  <a:srgbClr val="9EE256"/>
+                </a:gs>
+                <a:gs pos="100000">
+                  <a:srgbClr val="52762D"/>
+                </a:gs>
+              </a:gsLst>
+              <a:lin ang="5400000" scaled="0"/>
+            </a:gradFill>
+          </p:spPr>
+          <p:style>
+            <a:lnRef idx="2">
+              <a:schemeClr val="accent1">
+                <a:shade val="50000"/>
+              </a:schemeClr>
+            </a:lnRef>
+            <a:fillRef idx="1">
+              <a:schemeClr val="accent1"/>
+            </a:fillRef>
+            <a:effectRef idx="0">
+              <a:schemeClr val="accent1"/>
+            </a:effectRef>
+            <a:fontRef idx="minor">
+              <a:schemeClr val="lt1"/>
+            </a:fontRef>
+          </p:style>
+          <p:txBody>
+            <a:bodyPr rtlCol="0" anchor="ctr"/>
+            <a:lstStyle/>
+            <a:p>
+              <a:pPr algn="ctr"/>
+              <a:endParaRPr lang="zh-CN" altLang="en-US">
+                <a:solidFill>
+                  <a:schemeClr val="tx1"/>
+                </a:solidFill>
+              </a:endParaRPr>
+            </a:p>
+          </p:txBody>
+        </p:sp>
+        <p:sp>
+          <p:nvSpPr>
+            <p:cNvPr id="20" name="圆角右箭头 20">
+              <a:extLst>
+                <a:ext uri="{FF2B5EF4-FFF2-40B4-BE49-F238E27FC236}">
+                  <a16:creationId xmlns:a16="http://schemas.microsoft.com/office/drawing/2014/main" id="{4EC74BD4-F1BE-43EC-91D8-46570945B6E6}"/>
+                </a:ext>
+              </a:extLst>
+            </p:cNvPr>
+            <p:cNvSpPr/>
+            <p:nvPr/>
+          </p:nvSpPr>
+          <p:spPr>
+            <a:xfrm rot="16200000">
+              <a:off x="6321425" y="5028565"/>
+              <a:ext cx="527050" cy="568960"/>
+            </a:xfrm>
+            <a:prstGeom prst="bentArrow">
+              <a:avLst/>
+            </a:prstGeom>
+            <a:gradFill>
+              <a:gsLst>
+                <a:gs pos="0">
+                  <a:srgbClr val="9EE256"/>
+                </a:gs>
+                <a:gs pos="100000">
+                  <a:srgbClr val="52762D"/>
+                </a:gs>
+              </a:gsLst>
+              <a:lin ang="5400000" scaled="0"/>
+            </a:gradFill>
+          </p:spPr>
+          <p:style>
+            <a:lnRef idx="2">
+              <a:schemeClr val="accent1">
+                <a:shade val="50000"/>
+              </a:schemeClr>
+            </a:lnRef>
+            <a:fillRef idx="1">
+              <a:schemeClr val="accent1"/>
+            </a:fillRef>
+            <a:effectRef idx="0">
+              <a:schemeClr val="accent1"/>
+            </a:effectRef>
+            <a:fontRef idx="minor">
+              <a:schemeClr val="lt1"/>
+            </a:fontRef>
+          </p:style>
+          <p:txBody>
+            <a:bodyPr rtlCol="0" anchor="ctr"/>
+            <a:lstStyle/>
+            <a:p>
+              <a:pPr algn="ctr"/>
+              <a:endParaRPr lang="zh-CN" altLang="en-US">
+                <a:solidFill>
+                  <a:schemeClr val="tx1"/>
+                </a:solidFill>
+              </a:endParaRPr>
+            </a:p>
+          </p:txBody>
+        </p:sp>
+        <p:pic>
+          <p:nvPicPr>
+            <p:cNvPr id="21" name="图片 20">
+              <a:extLst>
+                <a:ext uri="{FF2B5EF4-FFF2-40B4-BE49-F238E27FC236}">
+                  <a16:creationId xmlns:a16="http://schemas.microsoft.com/office/drawing/2014/main" id="{7FE26E30-AE01-44EC-9893-4A3142B1831F}"/>
+                </a:ext>
+              </a:extLst>
+            </p:cNvPr>
+            <p:cNvPicPr/>
+            <p:nvPr/>
+          </p:nvPicPr>
+          <p:blipFill>
+            <a:blip r:embed="rId6"/>
+            <a:stretch>
+              <a:fillRect/>
+            </a:stretch>
+          </p:blipFill>
+          <p:spPr>
+            <a:xfrm>
+              <a:off x="6576060" y="984885"/>
+              <a:ext cx="2248535" cy="4323080"/>
+            </a:xfrm>
+            <a:prstGeom prst="rect">
+              <a:avLst/>
+            </a:prstGeom>
+            <a:noFill/>
+            <a:ln w="9525">
+              <a:noFill/>
+            </a:ln>
+          </p:spPr>
+        </p:pic>
+      </p:grpSp>
       <p:sp>
         <p:nvSpPr>
-          <p:cNvPr id="4" name="文本框 3"/>
+          <p:cNvPr id="22" name="文本框 21">
+            <a:extLst>
+              <a:ext uri="{FF2B5EF4-FFF2-40B4-BE49-F238E27FC236}">
+                <a16:creationId xmlns:a16="http://schemas.microsoft.com/office/drawing/2014/main" id="{F183264B-B7EF-434B-B7C4-1940321F6054}"/>
+              </a:ext>
+            </a:extLst>
+          </p:cNvPr>
           <p:cNvSpPr txBox="1"/>
           <p:nvPr/>
         </p:nvSpPr>
         <p:spPr>
           <a:xfrm>
-            <a:off x="4213696" y="4991170"/>
-            <a:ext cx="7636838" cy="1322070"/>
+            <a:off x="7753825" y="816965"/>
+            <a:ext cx="4044950" cy="1477328"/>
           </a:xfrm>
           <a:prstGeom prst="rect">
             <a:avLst/>
@@ -9299,223 +9937,192 @@
           </a:bodyPr>
           <a:lstStyle/>
           <a:p>
-            <a:pPr fontAlgn="auto">
-              <a:lnSpc>
-                <a:spcPct val="100000"/>
-              </a:lnSpc>
-              <a:buClrTx/>
-              <a:buSzTx/>
-              <a:buFont typeface="Wingdings" panose="05000000000000000000" charset="0"/>
-              <a:buNone/>
-            </a:pPr>
-            <a:r>
-              <a:rPr lang="zh-CN" altLang="en-US" sz="1600" dirty="0">
-                <a:solidFill>
-                  <a:srgbClr val="002060"/>
-                </a:solidFill>
-                <a:latin typeface="+mn-ea"/>
-                <a:cs typeface="+mn-ea"/>
-                <a:sym typeface="+mn-ea"/>
-              </a:rPr>
-              <a:t>面阵相机拍侧面分三路旋转一圈拍摄，</a:t>
-            </a:r>
-            <a:r>
-              <a:rPr lang="en-US" altLang="zh-CN" sz="1600" dirty="0">
-                <a:solidFill>
-                  <a:srgbClr val="002060"/>
-                </a:solidFill>
-                <a:latin typeface="+mn-ea"/>
-                <a:cs typeface="+mn-ea"/>
-                <a:sym typeface="+mn-ea"/>
-              </a:rPr>
-              <a:t>CG</a:t>
-            </a:r>
-            <a:r>
-              <a:rPr lang="zh-CN" altLang="en-US" sz="1600" dirty="0">
-                <a:solidFill>
-                  <a:srgbClr val="002060"/>
-                </a:solidFill>
-                <a:latin typeface="+mn-ea"/>
-                <a:cs typeface="+mn-ea"/>
-                <a:sym typeface="+mn-ea"/>
-              </a:rPr>
-              <a:t>面和</a:t>
-            </a:r>
-            <a:r>
-              <a:rPr lang="en-US" altLang="zh-CN" sz="1600" dirty="0">
-                <a:solidFill>
-                  <a:srgbClr val="002060"/>
-                </a:solidFill>
-                <a:latin typeface="+mn-ea"/>
-                <a:cs typeface="+mn-ea"/>
-                <a:sym typeface="+mn-ea"/>
-              </a:rPr>
-              <a:t>BG</a:t>
-            </a:r>
-            <a:r>
-              <a:rPr lang="zh-CN" altLang="en-US" sz="1600" dirty="0">
-                <a:solidFill>
-                  <a:srgbClr val="002060"/>
-                </a:solidFill>
-                <a:latin typeface="+mn-ea"/>
-                <a:cs typeface="+mn-ea"/>
-                <a:sym typeface="+mn-ea"/>
-              </a:rPr>
-              <a:t>面拍若干次</a:t>
-            </a:r>
-            <a:endParaRPr lang="zh-CN" altLang="en-US" sz="1600" dirty="0">
-              <a:solidFill>
-                <a:srgbClr val="002060"/>
-              </a:solidFill>
-              <a:latin typeface="+mn-ea"/>
-              <a:cs typeface="+mn-ea"/>
-            </a:endParaRPr>
+            <a:endParaRPr lang="en-US" altLang="zh-CN" dirty="0"/>
           </a:p>
           <a:p>
-            <a:pPr fontAlgn="auto">
-              <a:lnSpc>
-                <a:spcPct val="100000"/>
-              </a:lnSpc>
-              <a:buClrTx/>
-              <a:buSzTx/>
-              <a:buFont typeface="Wingdings" panose="05000000000000000000" charset="0"/>
-              <a:buNone/>
+            <a:pPr marL="285750" indent="-285750">
+              <a:buFont typeface="Wingdings" panose="05000000000000000000" pitchFamily="2" charset="2"/>
+              <a:buChar char="Ø"/>
             </a:pPr>
             <a:r>
-              <a:rPr lang="zh-CN" altLang="en-US" sz="1600" dirty="0">
-                <a:solidFill>
-                  <a:srgbClr val="002060"/>
-                </a:solidFill>
-                <a:latin typeface="+mn-ea"/>
-                <a:cs typeface="+mn-ea"/>
-              </a:rPr>
-              <a:t>光源采用同轴与四面可调条光组合模式，同轴打明场主要针对弧面和正反面缺陷为主，条光打暗场负责直面细小划痕及毛刺</a:t>
+              <a:rPr lang="en-US" altLang="zh-CN" dirty="0"/>
+              <a:t>1.BG/CG 3D</a:t>
+            </a:r>
+            <a:r>
+              <a:rPr lang="zh-CN" altLang="en-US" dirty="0"/>
+              <a:t>面采用弧度较大的</a:t>
+            </a:r>
+            <a:r>
+              <a:rPr lang="en-US" altLang="zh-CN" dirty="0"/>
+              <a:t>C</a:t>
+            </a:r>
+            <a:r>
+              <a:rPr lang="zh-CN" altLang="en-US" dirty="0"/>
+              <a:t>型光源，使光斑能覆盖完整个</a:t>
+            </a:r>
+            <a:r>
+              <a:rPr lang="en-US" altLang="zh-CN" dirty="0"/>
+              <a:t>3D</a:t>
+            </a:r>
+            <a:r>
+              <a:rPr lang="zh-CN" altLang="en-US" dirty="0"/>
+              <a:t>面；</a:t>
             </a:r>
           </a:p>
           <a:p>
-            <a:pPr indent="0" fontAlgn="auto">
-              <a:lnSpc>
-                <a:spcPct val="100000"/>
-              </a:lnSpc>
-              <a:buFont typeface="Wingdings" panose="05000000000000000000" charset="0"/>
-              <a:buNone/>
+            <a:pPr marL="285750" indent="-285750">
+              <a:buFont typeface="Wingdings" panose="05000000000000000000" pitchFamily="2" charset="2"/>
+              <a:buChar char="Ø"/>
             </a:pPr>
-            <a:endParaRPr lang="zh-CN" altLang="en-US" sz="1600" dirty="0">
-              <a:solidFill>
-                <a:srgbClr val="002060"/>
-              </a:solidFill>
-              <a:latin typeface="+mn-ea"/>
-              <a:cs typeface="+mn-ea"/>
-              <a:sym typeface="+mn-ea"/>
-            </a:endParaRPr>
-          </a:p>
-          <a:p>
-            <a:pPr indent="0" fontAlgn="auto">
-              <a:lnSpc>
-                <a:spcPct val="100000"/>
-              </a:lnSpc>
-              <a:buFont typeface="Wingdings" panose="05000000000000000000" charset="0"/>
-              <a:buNone/>
-            </a:pPr>
-            <a:endParaRPr lang="zh-CN" altLang="en-US" sz="1600" dirty="0">
-              <a:solidFill>
-                <a:srgbClr val="002060"/>
-              </a:solidFill>
-              <a:latin typeface="+mn-ea"/>
-              <a:cs typeface="+mn-ea"/>
-              <a:sym typeface="+mn-ea"/>
-            </a:endParaRPr>
+            <a:r>
+              <a:rPr lang="en-US" altLang="zh-CN" dirty="0"/>
+              <a:t>2.BG/CG</a:t>
+            </a:r>
+            <a:r>
+              <a:rPr lang="zh-CN" altLang="en-US" dirty="0"/>
+              <a:t>的</a:t>
+            </a:r>
+            <a:r>
+              <a:rPr lang="en-US" altLang="zh-CN" dirty="0"/>
+              <a:t>3D</a:t>
+            </a:r>
+            <a:r>
+              <a:rPr lang="zh-CN" altLang="en-US" dirty="0"/>
+              <a:t>面各线扫完一圈，一圈预计约</a:t>
+            </a:r>
+            <a:r>
+              <a:rPr lang="en-US" altLang="zh-CN" dirty="0"/>
+              <a:t>5s</a:t>
+            </a:r>
+            <a:r>
+              <a:rPr lang="zh-CN" altLang="en-US" dirty="0"/>
+              <a:t>；</a:t>
+            </a:r>
           </a:p>
         </p:txBody>
       </p:sp>
-      <p:pic>
-        <p:nvPicPr>
-          <p:cNvPr id="106" name="图片 105"/>
-          <p:cNvPicPr/>
+      <p:sp>
+        <p:nvSpPr>
+          <p:cNvPr id="6" name="对话气泡: 圆角矩形 5">
+            <a:extLst>
+              <a:ext uri="{FF2B5EF4-FFF2-40B4-BE49-F238E27FC236}">
+                <a16:creationId xmlns:a16="http://schemas.microsoft.com/office/drawing/2014/main" id="{49AEE26B-8E56-43E4-8102-5762AEECBB16}"/>
+              </a:ext>
+            </a:extLst>
+          </p:cNvPr>
+          <p:cNvSpPr/>
           <p:nvPr/>
-        </p:nvPicPr>
-        <p:blipFill>
-          <a:blip r:embed="rId4"/>
-          <a:stretch>
-            <a:fillRect/>
-          </a:stretch>
-        </p:blipFill>
+        </p:nvSpPr>
         <p:spPr>
           <a:xfrm>
-            <a:off x="7743825" y="1104900"/>
-            <a:ext cx="1223645" cy="2875915"/>
+            <a:off x="1635760" y="820736"/>
+            <a:ext cx="1402080" cy="522605"/>
           </a:xfrm>
-          <a:prstGeom prst="rect">
-            <a:avLst/>
+          <a:prstGeom prst="wedgeRoundRectCallout">
+            <a:avLst>
+              <a:gd name="adj1" fmla="val -44746"/>
+              <a:gd name="adj2" fmla="val 124711"/>
+              <a:gd name="adj3" fmla="val 16667"/>
+            </a:avLst>
           </a:prstGeom>
-          <a:noFill/>
-          <a:ln w="9525">
-            <a:noFill/>
-          </a:ln>
         </p:spPr>
-      </p:pic>
-      <p:pic>
-        <p:nvPicPr>
-          <p:cNvPr id="107" name="图片 106"/>
-          <p:cNvPicPr/>
+        <p:style>
+          <a:lnRef idx="2">
+            <a:schemeClr val="accent1">
+              <a:shade val="50000"/>
+            </a:schemeClr>
+          </a:lnRef>
+          <a:fillRef idx="1">
+            <a:schemeClr val="accent1"/>
+          </a:fillRef>
+          <a:effectRef idx="0">
+            <a:schemeClr val="accent1"/>
+          </a:effectRef>
+          <a:fontRef idx="minor">
+            <a:schemeClr val="lt1"/>
+          </a:fontRef>
+        </p:style>
+        <p:txBody>
+          <a:bodyPr rtlCol="0" anchor="ctr"/>
+          <a:lstStyle/>
+          <a:p>
+            <a:pPr algn="ctr"/>
+            <a:r>
+              <a:rPr lang="zh-CN" altLang="en-US" dirty="0"/>
+              <a:t>线扫相机</a:t>
+            </a:r>
+          </a:p>
+        </p:txBody>
+      </p:sp>
+      <p:sp>
+        <p:nvSpPr>
+          <p:cNvPr id="26" name="对话气泡: 圆角矩形 25">
+            <a:extLst>
+              <a:ext uri="{FF2B5EF4-FFF2-40B4-BE49-F238E27FC236}">
+                <a16:creationId xmlns:a16="http://schemas.microsoft.com/office/drawing/2014/main" id="{3CB082AD-BE58-43DC-B4F2-8B8506A0CBF0}"/>
+              </a:ext>
+            </a:extLst>
+          </p:cNvPr>
+          <p:cNvSpPr/>
           <p:nvPr/>
-        </p:nvPicPr>
-        <p:blipFill>
-          <a:blip r:embed="rId5"/>
-          <a:stretch>
-            <a:fillRect/>
-          </a:stretch>
-        </p:blipFill>
+        </p:nvSpPr>
         <p:spPr>
           <a:xfrm>
-            <a:off x="5894070" y="1071245"/>
-            <a:ext cx="1635125" cy="2772410"/>
+            <a:off x="652225" y="3300728"/>
+            <a:ext cx="1402080" cy="522605"/>
           </a:xfrm>
-          <a:prstGeom prst="rect">
-            <a:avLst/>
+          <a:prstGeom prst="wedgeRoundRectCallout">
+            <a:avLst>
+              <a:gd name="adj1" fmla="val 59602"/>
+              <a:gd name="adj2" fmla="val 116934"/>
+              <a:gd name="adj3" fmla="val 16667"/>
+            </a:avLst>
           </a:prstGeom>
-          <a:noFill/>
-          <a:ln w="9525">
-            <a:noFill/>
-          </a:ln>
         </p:spPr>
-      </p:pic>
-      <p:pic>
-        <p:nvPicPr>
-          <p:cNvPr id="108" name="图片 107"/>
-          <p:cNvPicPr/>
-          <p:nvPr/>
-        </p:nvPicPr>
-        <p:blipFill>
-          <a:blip r:embed="rId6"/>
-          <a:stretch>
-            <a:fillRect/>
-          </a:stretch>
-        </p:blipFill>
-        <p:spPr>
-          <a:xfrm>
-            <a:off x="9034780" y="1148715"/>
-            <a:ext cx="1431925" cy="2787650"/>
-          </a:xfrm>
-          <a:prstGeom prst="rect">
-            <a:avLst/>
-          </a:prstGeom>
-          <a:noFill/>
-          <a:ln w="9525">
-            <a:noFill/>
-          </a:ln>
-        </p:spPr>
-      </p:pic>
+        <p:style>
+          <a:lnRef idx="2">
+            <a:schemeClr val="accent1">
+              <a:shade val="50000"/>
+            </a:schemeClr>
+          </a:lnRef>
+          <a:fillRef idx="1">
+            <a:schemeClr val="accent1"/>
+          </a:fillRef>
+          <a:effectRef idx="0">
+            <a:schemeClr val="accent1"/>
+          </a:effectRef>
+          <a:fontRef idx="minor">
+            <a:schemeClr val="lt1"/>
+          </a:fontRef>
+        </p:style>
+        <p:txBody>
+          <a:bodyPr rtlCol="0" anchor="ctr"/>
+          <a:lstStyle/>
+          <a:p>
+            <a:pPr algn="ctr"/>
+            <a:r>
+              <a:rPr lang="zh-CN" altLang="en-US" dirty="0"/>
+              <a:t>线扫光源</a:t>
+            </a:r>
+          </a:p>
+        </p:txBody>
+      </p:sp>
       <p:sp>
         <p:nvSpPr>
-          <p:cNvPr id="2" name="文本框 1"/>
+          <p:cNvPr id="8" name="文本框 7">
+            <a:extLst>
+              <a:ext uri="{FF2B5EF4-FFF2-40B4-BE49-F238E27FC236}">
+                <a16:creationId xmlns:a16="http://schemas.microsoft.com/office/drawing/2014/main" id="{2A83BE0D-7251-4AB3-9ED2-35BF598B2309}"/>
+              </a:ext>
+            </a:extLst>
+          </p:cNvPr>
           <p:cNvSpPr txBox="1"/>
           <p:nvPr/>
         </p:nvSpPr>
         <p:spPr>
           <a:xfrm>
-            <a:off x="4590415" y="4035425"/>
-            <a:ext cx="7453630" cy="368300"/>
+            <a:off x="2659138" y="3132924"/>
+            <a:ext cx="2203224" cy="338554"/>
           </a:xfrm>
           <a:prstGeom prst="rect">
             <a:avLst/>
@@ -9529,132 +10136,243 @@
           <a:lstStyle/>
           <a:p>
             <a:r>
-              <a:rPr lang="en-US" altLang="zh-CN"/>
-              <a:t>1</a:t>
-            </a:r>
-            <a:r>
-              <a:rPr lang="zh-CN" altLang="en-US"/>
-              <a:t>、</a:t>
-            </a:r>
-            <a:r>
-              <a:rPr lang="en-US" altLang="zh-CN"/>
-              <a:t>CG</a:t>
-            </a:r>
-            <a:r>
-              <a:rPr lang="zh-CN" altLang="en-US"/>
-              <a:t>面</a:t>
-            </a:r>
-            <a:r>
-              <a:rPr lang="en-US" altLang="zh-CN"/>
-              <a:t>  →  2</a:t>
-            </a:r>
-            <a:r>
-              <a:rPr lang="zh-CN" altLang="en-US"/>
-              <a:t>、</a:t>
-            </a:r>
-            <a:r>
-              <a:rPr lang="en-US" altLang="zh-CN"/>
-              <a:t>CG</a:t>
-            </a:r>
-            <a:r>
-              <a:rPr lang="zh-CN" altLang="en-US"/>
-              <a:t>端弧面</a:t>
-            </a:r>
-            <a:r>
-              <a:rPr lang="en-US" altLang="zh-CN"/>
-              <a:t> →   3</a:t>
-            </a:r>
-            <a:r>
-              <a:rPr lang="zh-CN" altLang="en-US"/>
-              <a:t>、直面</a:t>
-            </a:r>
-            <a:r>
-              <a:rPr lang="en-US" altLang="zh-CN"/>
-              <a:t>  → 4</a:t>
-            </a:r>
-            <a:r>
-              <a:rPr lang="zh-CN" altLang="en-US"/>
-              <a:t>、</a:t>
-            </a:r>
-            <a:r>
-              <a:rPr lang="en-US" altLang="zh-CN"/>
-              <a:t>BG</a:t>
-            </a:r>
-            <a:r>
-              <a:rPr lang="zh-CN" altLang="en-US"/>
-              <a:t>端弧面</a:t>
-            </a:r>
-            <a:r>
-              <a:rPr lang="en-US" altLang="zh-CN"/>
-              <a:t> → 5</a:t>
-            </a:r>
-            <a:r>
-              <a:rPr lang="zh-CN" altLang="en-US"/>
-              <a:t>、</a:t>
-            </a:r>
-            <a:r>
-              <a:rPr lang="en-US" altLang="zh-CN"/>
-              <a:t>BG</a:t>
-            </a:r>
-            <a:r>
-              <a:rPr lang="zh-CN" altLang="en-US"/>
-              <a:t>面</a:t>
+              <a:rPr lang="en-US" altLang="zh-CN" sz="1600" dirty="0">
+                <a:solidFill>
+                  <a:srgbClr val="FF0000"/>
+                </a:solidFill>
+              </a:rPr>
+              <a:t>BG/CG 3D</a:t>
+            </a:r>
+            <a:r>
+              <a:rPr lang="zh-CN" altLang="en-US" sz="1600" dirty="0">
+                <a:solidFill>
+                  <a:srgbClr val="FF0000"/>
+                </a:solidFill>
+              </a:rPr>
+              <a:t>扫描路径</a:t>
             </a:r>
           </a:p>
         </p:txBody>
       </p:sp>
       <p:pic>
         <p:nvPicPr>
-          <p:cNvPr id="100" name="图片 99"/>
-          <p:cNvPicPr/>
-          <p:nvPr/>
+          <p:cNvPr id="30" name="图片 29">
+            <a:extLst>
+              <a:ext uri="{FF2B5EF4-FFF2-40B4-BE49-F238E27FC236}">
+                <a16:creationId xmlns:a16="http://schemas.microsoft.com/office/drawing/2014/main" id="{EFB5D1E1-E030-4F8B-91F8-421D255FD6B9}"/>
+              </a:ext>
+            </a:extLst>
+          </p:cNvPr>
+          <p:cNvPicPr>
+            <a:picLocks noChangeAspect="1"/>
+          </p:cNvPicPr>
+          <p:nvPr>
+            <p:custDataLst>
+              <p:tags r:id="rId1"/>
+            </p:custDataLst>
+          </p:nvPr>
         </p:nvPicPr>
         <p:blipFill>
-          <a:blip r:embed="rId7"/>
+          <a:blip r:embed="rId7">
+            <a:extLst>
+              <a:ext uri="{28A0092B-C50C-407E-A947-70E740481C1C}">
+                <a14:useLocalDpi xmlns:a14="http://schemas.microsoft.com/office/drawing/2010/main" val="0"/>
+              </a:ext>
+            </a:extLst>
+          </a:blip>
           <a:stretch>
             <a:fillRect/>
           </a:stretch>
         </p:blipFill>
         <p:spPr>
           <a:xfrm>
-            <a:off x="4402455" y="1071245"/>
-            <a:ext cx="1577340" cy="2438400"/>
+            <a:off x="7944775" y="4307520"/>
+            <a:ext cx="3187346" cy="1691640"/>
           </a:xfrm>
           <a:prstGeom prst="rect">
             <a:avLst/>
           </a:prstGeom>
-          <a:noFill/>
-          <a:ln w="9525">
-            <a:noFill/>
-          </a:ln>
         </p:spPr>
       </p:pic>
       <p:pic>
         <p:nvPicPr>
-          <p:cNvPr id="5" name="图片 4"/>
-          <p:cNvPicPr/>
-          <p:nvPr/>
+          <p:cNvPr id="31" name="图片 30">
+            <a:extLst>
+              <a:ext uri="{FF2B5EF4-FFF2-40B4-BE49-F238E27FC236}">
+                <a16:creationId xmlns:a16="http://schemas.microsoft.com/office/drawing/2014/main" id="{82897A02-BC67-4F13-969C-169A6B0B8775}"/>
+              </a:ext>
+            </a:extLst>
+          </p:cNvPr>
+          <p:cNvPicPr>
+            <a:picLocks noChangeAspect="1"/>
+          </p:cNvPicPr>
+          <p:nvPr>
+            <p:custDataLst>
+              <p:tags r:id="rId2"/>
+            </p:custDataLst>
+          </p:nvPr>
         </p:nvPicPr>
         <p:blipFill>
-          <a:blip r:embed="rId7"/>
+          <a:blip r:embed="rId8">
+            <a:extLst>
+              <a:ext uri="{28A0092B-C50C-407E-A947-70E740481C1C}">
+                <a14:useLocalDpi xmlns:a14="http://schemas.microsoft.com/office/drawing/2010/main" val="0"/>
+              </a:ext>
+            </a:extLst>
+          </a:blip>
           <a:stretch>
             <a:fillRect/>
           </a:stretch>
         </p:blipFill>
         <p:spPr>
           <a:xfrm>
-            <a:off x="10466705" y="1104900"/>
-            <a:ext cx="1577340" cy="2438400"/>
+            <a:off x="8411002" y="2552692"/>
+            <a:ext cx="1542387" cy="1568109"/>
           </a:xfrm>
           <a:prstGeom prst="rect">
             <a:avLst/>
           </a:prstGeom>
-          <a:noFill/>
-          <a:ln w="9525">
-            <a:noFill/>
+        </p:spPr>
+      </p:pic>
+      <p:cxnSp>
+        <p:nvCxnSpPr>
+          <p:cNvPr id="10" name="直接箭头连接符 9">
+            <a:extLst>
+              <a:ext uri="{FF2B5EF4-FFF2-40B4-BE49-F238E27FC236}">
+                <a16:creationId xmlns:a16="http://schemas.microsoft.com/office/drawing/2014/main" id="{209800EB-9E63-4AFE-BBBC-224ABC776F1E}"/>
+              </a:ext>
+            </a:extLst>
+          </p:cNvPr>
+          <p:cNvCxnSpPr/>
+          <p:nvPr/>
+        </p:nvCxnSpPr>
+        <p:spPr>
+          <a:xfrm>
+            <a:off x="6908800" y="5153340"/>
+            <a:ext cx="1682034" cy="0"/>
+          </a:xfrm>
+          <a:prstGeom prst="straightConnector1">
+            <a:avLst/>
+          </a:prstGeom>
+          <a:ln>
+            <a:solidFill>
+              <a:srgbClr val="FF0000"/>
+            </a:solidFill>
+            <a:tailEnd type="triangle"/>
           </a:ln>
         </p:spPr>
-      </p:pic>
+        <p:style>
+          <a:lnRef idx="1">
+            <a:schemeClr val="accent1"/>
+          </a:lnRef>
+          <a:fillRef idx="0">
+            <a:schemeClr val="accent1"/>
+          </a:fillRef>
+          <a:effectRef idx="0">
+            <a:schemeClr val="accent1"/>
+          </a:effectRef>
+          <a:fontRef idx="minor">
+            <a:schemeClr val="tx1"/>
+          </a:fontRef>
+        </p:style>
+      </p:cxnSp>
+      <p:cxnSp>
+        <p:nvCxnSpPr>
+          <p:cNvPr id="25" name="直接箭头连接符 24">
+            <a:extLst>
+              <a:ext uri="{FF2B5EF4-FFF2-40B4-BE49-F238E27FC236}">
+                <a16:creationId xmlns:a16="http://schemas.microsoft.com/office/drawing/2014/main" id="{53A71E1B-72AC-43BB-B079-675FC2D139F3}"/>
+              </a:ext>
+            </a:extLst>
+          </p:cNvPr>
+          <p:cNvCxnSpPr>
+            <a:cxnSpLocks/>
+            <a:stCxn id="21" idx="3"/>
+          </p:cNvCxnSpPr>
+          <p:nvPr/>
+        </p:nvCxnSpPr>
+        <p:spPr>
+          <a:xfrm>
+            <a:off x="7005955" y="3250246"/>
+            <a:ext cx="1833245" cy="178754"/>
+          </a:xfrm>
+          <a:prstGeom prst="straightConnector1">
+            <a:avLst/>
+          </a:prstGeom>
+          <a:ln>
+            <a:solidFill>
+              <a:srgbClr val="FF0000"/>
+            </a:solidFill>
+            <a:tailEnd type="triangle"/>
+          </a:ln>
+        </p:spPr>
+        <p:style>
+          <a:lnRef idx="1">
+            <a:schemeClr val="accent1"/>
+          </a:lnRef>
+          <a:fillRef idx="0">
+            <a:schemeClr val="accent1"/>
+          </a:fillRef>
+          <a:effectRef idx="0">
+            <a:schemeClr val="accent1"/>
+          </a:effectRef>
+          <a:fontRef idx="minor">
+            <a:schemeClr val="tx1"/>
+          </a:fontRef>
+        </p:style>
+      </p:cxnSp>
+      <p:sp>
+        <p:nvSpPr>
+          <p:cNvPr id="32" name="箭头: 右 31">
+            <a:extLst>
+              <a:ext uri="{FF2B5EF4-FFF2-40B4-BE49-F238E27FC236}">
+                <a16:creationId xmlns:a16="http://schemas.microsoft.com/office/drawing/2014/main" id="{5DABA6CF-1101-4C1A-A3E0-602C0F45D74D}"/>
+              </a:ext>
+            </a:extLst>
+          </p:cNvPr>
+          <p:cNvSpPr/>
+          <p:nvPr/>
+        </p:nvSpPr>
+        <p:spPr>
+          <a:xfrm>
+            <a:off x="2929128" y="3429000"/>
+            <a:ext cx="1402079" cy="332399"/>
+          </a:xfrm>
+          <a:prstGeom prst="rightArrow">
+            <a:avLst/>
+          </a:prstGeom>
+          <a:solidFill>
+            <a:schemeClr val="accent5">
+              <a:lumMod val="60000"/>
+              <a:lumOff val="40000"/>
+            </a:schemeClr>
+          </a:solidFill>
+        </p:spPr>
+        <p:style>
+          <a:lnRef idx="2">
+            <a:schemeClr val="accent1">
+              <a:shade val="50000"/>
+            </a:schemeClr>
+          </a:lnRef>
+          <a:fillRef idx="1">
+            <a:schemeClr val="accent1"/>
+          </a:fillRef>
+          <a:effectRef idx="0">
+            <a:schemeClr val="accent1"/>
+          </a:effectRef>
+          <a:fontRef idx="minor">
+            <a:schemeClr val="lt1"/>
+          </a:fontRef>
+        </p:style>
+        <p:txBody>
+          <a:bodyPr rtlCol="0" anchor="ctr"/>
+          <a:lstStyle/>
+          <a:p>
+            <a:pPr algn="ctr"/>
+            <a:endParaRPr lang="zh-CN" altLang="en-US"/>
+          </a:p>
+        </p:txBody>
+      </p:sp>
     </p:spTree>
   </p:cSld>
   <p:clrMapOvr>
@@ -9692,6 +10410,1147 @@
           <a:chExt cx="0" cy="0"/>
         </a:xfrm>
       </p:grpSpPr>
+      <p:grpSp>
+        <p:nvGrpSpPr>
+          <p:cNvPr id="34" name="组合 33">
+            <a:extLst>
+              <a:ext uri="{FF2B5EF4-FFF2-40B4-BE49-F238E27FC236}">
+                <a16:creationId xmlns:a16="http://schemas.microsoft.com/office/drawing/2014/main" id="{5DC79027-D30E-4BE4-91B1-551AF476F1CC}"/>
+              </a:ext>
+            </a:extLst>
+          </p:cNvPr>
+          <p:cNvGrpSpPr/>
+          <p:nvPr/>
+        </p:nvGrpSpPr>
+        <p:grpSpPr>
+          <a:xfrm>
+            <a:off x="3717541" y="3316353"/>
+            <a:ext cx="6024880" cy="3511167"/>
+            <a:chOff x="2438400" y="781050"/>
+            <a:chExt cx="6990715" cy="4503420"/>
+          </a:xfrm>
+        </p:grpSpPr>
+        <p:pic>
+          <p:nvPicPr>
+            <p:cNvPr id="35" name="图片 34" descr="企业微信截图_16393914246088">
+              <a:extLst>
+                <a:ext uri="{FF2B5EF4-FFF2-40B4-BE49-F238E27FC236}">
+                  <a16:creationId xmlns:a16="http://schemas.microsoft.com/office/drawing/2014/main" id="{8C017508-5491-4136-95D2-BC3C9FD4880B}"/>
+                </a:ext>
+              </a:extLst>
+            </p:cNvPr>
+            <p:cNvPicPr>
+              <a:picLocks noChangeAspect="1"/>
+            </p:cNvPicPr>
+            <p:nvPr/>
+          </p:nvPicPr>
+          <p:blipFill>
+            <a:blip r:embed="rId3"/>
+            <a:stretch>
+              <a:fillRect/>
+            </a:stretch>
+          </p:blipFill>
+          <p:spPr>
+            <a:xfrm>
+              <a:off x="2438400" y="781050"/>
+              <a:ext cx="6990715" cy="4503420"/>
+            </a:xfrm>
+            <a:prstGeom prst="rect">
+              <a:avLst/>
+            </a:prstGeom>
+          </p:spPr>
+        </p:pic>
+        <p:grpSp>
+          <p:nvGrpSpPr>
+            <p:cNvPr id="36" name="组合 35">
+              <a:extLst>
+                <a:ext uri="{FF2B5EF4-FFF2-40B4-BE49-F238E27FC236}">
+                  <a16:creationId xmlns:a16="http://schemas.microsoft.com/office/drawing/2014/main" id="{8122695A-48CD-4455-A8FE-2CD0AB507603}"/>
+                </a:ext>
+              </a:extLst>
+            </p:cNvPr>
+            <p:cNvGrpSpPr/>
+            <p:nvPr/>
+          </p:nvGrpSpPr>
+          <p:grpSpPr>
+            <a:xfrm>
+              <a:off x="3188335" y="1187450"/>
+              <a:ext cx="5021580" cy="4051300"/>
+              <a:chOff x="3188335" y="1187450"/>
+              <a:chExt cx="5021580" cy="4051300"/>
+            </a:xfrm>
+          </p:grpSpPr>
+          <p:sp>
+            <p:nvSpPr>
+              <p:cNvPr id="37" name="上箭头 7">
+                <a:extLst>
+                  <a:ext uri="{FF2B5EF4-FFF2-40B4-BE49-F238E27FC236}">
+                    <a16:creationId xmlns:a16="http://schemas.microsoft.com/office/drawing/2014/main" id="{A1A4A458-886D-4E8F-8E5D-C9AD0912ED51}"/>
+                  </a:ext>
+                </a:extLst>
+              </p:cNvPr>
+              <p:cNvSpPr/>
+              <p:nvPr/>
+            </p:nvSpPr>
+            <p:spPr>
+              <a:xfrm rot="21360000">
+                <a:off x="3426460" y="2072640"/>
+                <a:ext cx="214630" cy="1356360"/>
+              </a:xfrm>
+              <a:prstGeom prst="upArrow">
+                <a:avLst/>
+              </a:prstGeom>
+              <a:gradFill>
+                <a:gsLst>
+                  <a:gs pos="0">
+                    <a:srgbClr val="9EE256"/>
+                  </a:gs>
+                  <a:gs pos="100000">
+                    <a:srgbClr val="52762D"/>
+                  </a:gs>
+                </a:gsLst>
+                <a:lin ang="5400000" scaled="0"/>
+              </a:gradFill>
+            </p:spPr>
+            <p:style>
+              <a:lnRef idx="2">
+                <a:schemeClr val="accent1">
+                  <a:shade val="50000"/>
+                </a:schemeClr>
+              </a:lnRef>
+              <a:fillRef idx="1">
+                <a:schemeClr val="accent1"/>
+              </a:fillRef>
+              <a:effectRef idx="0">
+                <a:schemeClr val="accent1"/>
+              </a:effectRef>
+              <a:fontRef idx="minor">
+                <a:schemeClr val="lt1"/>
+              </a:fontRef>
+            </p:style>
+            <p:txBody>
+              <a:bodyPr rtlCol="0" anchor="ctr"/>
+              <a:lstStyle/>
+              <a:p>
+                <a:pPr algn="ctr"/>
+                <a:endParaRPr lang="zh-CN" altLang="en-US"/>
+              </a:p>
+            </p:txBody>
+          </p:sp>
+          <p:sp>
+            <p:nvSpPr>
+              <p:cNvPr id="38" name="下箭头 8">
+                <a:extLst>
+                  <a:ext uri="{FF2B5EF4-FFF2-40B4-BE49-F238E27FC236}">
+                    <a16:creationId xmlns:a16="http://schemas.microsoft.com/office/drawing/2014/main" id="{D27F54F1-3FDA-47B2-B371-4373FA344594}"/>
+                  </a:ext>
+                </a:extLst>
+              </p:cNvPr>
+              <p:cNvSpPr/>
+              <p:nvPr/>
+            </p:nvSpPr>
+            <p:spPr>
+              <a:xfrm rot="21360000">
+                <a:off x="7696835" y="2989580"/>
+                <a:ext cx="251460" cy="1318895"/>
+              </a:xfrm>
+              <a:prstGeom prst="downArrow">
+                <a:avLst/>
+              </a:prstGeom>
+              <a:gradFill>
+                <a:gsLst>
+                  <a:gs pos="0">
+                    <a:srgbClr val="9EE256"/>
+                  </a:gs>
+                  <a:gs pos="100000">
+                    <a:srgbClr val="52762D"/>
+                  </a:gs>
+                </a:gsLst>
+                <a:lin ang="5400000" scaled="0"/>
+              </a:gradFill>
+            </p:spPr>
+            <p:style>
+              <a:lnRef idx="2">
+                <a:schemeClr val="accent1">
+                  <a:shade val="50000"/>
+                </a:schemeClr>
+              </a:lnRef>
+              <a:fillRef idx="1">
+                <a:schemeClr val="accent1"/>
+              </a:fillRef>
+              <a:effectRef idx="0">
+                <a:schemeClr val="accent1"/>
+              </a:effectRef>
+              <a:fontRef idx="minor">
+                <a:schemeClr val="lt1"/>
+              </a:fontRef>
+            </p:style>
+            <p:txBody>
+              <a:bodyPr rtlCol="0" anchor="ctr"/>
+              <a:lstStyle/>
+              <a:p>
+                <a:pPr algn="ctr"/>
+                <a:endParaRPr lang="zh-CN" altLang="en-US"/>
+              </a:p>
+            </p:txBody>
+          </p:sp>
+          <p:sp>
+            <p:nvSpPr>
+              <p:cNvPr id="39" name="左箭头 9">
+                <a:extLst>
+                  <a:ext uri="{FF2B5EF4-FFF2-40B4-BE49-F238E27FC236}">
+                    <a16:creationId xmlns:a16="http://schemas.microsoft.com/office/drawing/2014/main" id="{F7BF3C47-BA8E-4187-9702-5068100B7404}"/>
+                  </a:ext>
+                </a:extLst>
+              </p:cNvPr>
+              <p:cNvSpPr/>
+              <p:nvPr/>
+            </p:nvSpPr>
+            <p:spPr>
+              <a:xfrm rot="840000">
+                <a:off x="4048125" y="4251960"/>
+                <a:ext cx="2990850" cy="260350"/>
+              </a:xfrm>
+              <a:prstGeom prst="leftArrow">
+                <a:avLst/>
+              </a:prstGeom>
+              <a:gradFill>
+                <a:gsLst>
+                  <a:gs pos="0">
+                    <a:srgbClr val="9EE256"/>
+                  </a:gs>
+                  <a:gs pos="100000">
+                    <a:srgbClr val="52762D"/>
+                  </a:gs>
+                </a:gsLst>
+                <a:lin ang="5400000" scaled="0"/>
+              </a:gradFill>
+            </p:spPr>
+            <p:style>
+              <a:lnRef idx="2">
+                <a:schemeClr val="accent1">
+                  <a:shade val="50000"/>
+                </a:schemeClr>
+              </a:lnRef>
+              <a:fillRef idx="1">
+                <a:schemeClr val="accent1"/>
+              </a:fillRef>
+              <a:effectRef idx="0">
+                <a:schemeClr val="accent1"/>
+              </a:effectRef>
+              <a:fontRef idx="minor">
+                <a:schemeClr val="lt1"/>
+              </a:fontRef>
+            </p:style>
+            <p:txBody>
+              <a:bodyPr rtlCol="0" anchor="ctr"/>
+              <a:lstStyle/>
+              <a:p>
+                <a:pPr algn="ctr"/>
+                <a:endParaRPr lang="zh-CN" altLang="en-US"/>
+              </a:p>
+            </p:txBody>
+          </p:sp>
+          <p:sp>
+            <p:nvSpPr>
+              <p:cNvPr id="40" name="右箭头 10">
+                <a:extLst>
+                  <a:ext uri="{FF2B5EF4-FFF2-40B4-BE49-F238E27FC236}">
+                    <a16:creationId xmlns:a16="http://schemas.microsoft.com/office/drawing/2014/main" id="{25F764E9-8F63-4F7F-80F4-E970D6EF71AE}"/>
+                  </a:ext>
+                </a:extLst>
+              </p:cNvPr>
+              <p:cNvSpPr/>
+              <p:nvPr/>
+            </p:nvSpPr>
+            <p:spPr>
+              <a:xfrm rot="900000">
+                <a:off x="4337050" y="1722120"/>
+                <a:ext cx="2780030" cy="266700"/>
+              </a:xfrm>
+              <a:prstGeom prst="rightArrow">
+                <a:avLst/>
+              </a:prstGeom>
+              <a:gradFill>
+                <a:gsLst>
+                  <a:gs pos="0">
+                    <a:srgbClr val="9EE256"/>
+                  </a:gs>
+                  <a:gs pos="100000">
+                    <a:srgbClr val="52762D"/>
+                  </a:gs>
+                </a:gsLst>
+                <a:lin ang="5400000" scaled="0"/>
+              </a:gradFill>
+            </p:spPr>
+            <p:style>
+              <a:lnRef idx="2">
+                <a:schemeClr val="accent1">
+                  <a:shade val="50000"/>
+                </a:schemeClr>
+              </a:lnRef>
+              <a:fillRef idx="1">
+                <a:schemeClr val="accent1"/>
+              </a:fillRef>
+              <a:effectRef idx="0">
+                <a:schemeClr val="accent1"/>
+              </a:effectRef>
+              <a:fontRef idx="minor">
+                <a:schemeClr val="lt1"/>
+              </a:fontRef>
+            </p:style>
+            <p:txBody>
+              <a:bodyPr rtlCol="0" anchor="ctr"/>
+              <a:lstStyle/>
+              <a:p>
+                <a:pPr algn="ctr"/>
+                <a:endParaRPr lang="zh-CN" altLang="en-US"/>
+              </a:p>
+            </p:txBody>
+          </p:sp>
+          <p:sp>
+            <p:nvSpPr>
+              <p:cNvPr id="41" name="圆角右箭头 13">
+                <a:extLst>
+                  <a:ext uri="{FF2B5EF4-FFF2-40B4-BE49-F238E27FC236}">
+                    <a16:creationId xmlns:a16="http://schemas.microsoft.com/office/drawing/2014/main" id="{05E0696B-9F28-4E19-BC87-71496ED60B95}"/>
+                  </a:ext>
+                </a:extLst>
+              </p:cNvPr>
+              <p:cNvSpPr/>
+              <p:nvPr/>
+            </p:nvSpPr>
+            <p:spPr>
+              <a:xfrm rot="240000">
+                <a:off x="3504565" y="1311910"/>
+                <a:ext cx="538480" cy="531495"/>
+              </a:xfrm>
+              <a:prstGeom prst="bentArrow">
+                <a:avLst/>
+              </a:prstGeom>
+              <a:gradFill>
+                <a:gsLst>
+                  <a:gs pos="0">
+                    <a:srgbClr val="9EE256"/>
+                  </a:gs>
+                  <a:gs pos="100000">
+                    <a:srgbClr val="52762D"/>
+                  </a:gs>
+                </a:gsLst>
+                <a:lin ang="5400000" scaled="0"/>
+              </a:gradFill>
+            </p:spPr>
+            <p:style>
+              <a:lnRef idx="2">
+                <a:schemeClr val="accent1">
+                  <a:shade val="50000"/>
+                </a:schemeClr>
+              </a:lnRef>
+              <a:fillRef idx="1">
+                <a:schemeClr val="accent1"/>
+              </a:fillRef>
+              <a:effectRef idx="0">
+                <a:schemeClr val="accent1"/>
+              </a:effectRef>
+              <a:fontRef idx="minor">
+                <a:schemeClr val="lt1"/>
+              </a:fontRef>
+            </p:style>
+            <p:txBody>
+              <a:bodyPr rtlCol="0" anchor="ctr"/>
+              <a:lstStyle/>
+              <a:p>
+                <a:pPr algn="ctr"/>
+                <a:endParaRPr lang="zh-CN" altLang="en-US">
+                  <a:solidFill>
+                    <a:schemeClr val="tx1"/>
+                  </a:solidFill>
+                </a:endParaRPr>
+              </a:p>
+            </p:txBody>
+          </p:sp>
+          <p:sp>
+            <p:nvSpPr>
+              <p:cNvPr id="42" name="圆角右箭头 14">
+                <a:extLst>
+                  <a:ext uri="{FF2B5EF4-FFF2-40B4-BE49-F238E27FC236}">
+                    <a16:creationId xmlns:a16="http://schemas.microsoft.com/office/drawing/2014/main" id="{785EF08D-38BD-46AD-96E5-121434B01CF2}"/>
+                  </a:ext>
+                </a:extLst>
+              </p:cNvPr>
+              <p:cNvSpPr/>
+              <p:nvPr/>
+            </p:nvSpPr>
+            <p:spPr>
+              <a:xfrm rot="11460000">
+                <a:off x="7312025" y="4361180"/>
+                <a:ext cx="543560" cy="636905"/>
+              </a:xfrm>
+              <a:prstGeom prst="bentArrow">
+                <a:avLst/>
+              </a:prstGeom>
+              <a:gradFill>
+                <a:gsLst>
+                  <a:gs pos="0">
+                    <a:srgbClr val="9EE256"/>
+                  </a:gs>
+                  <a:gs pos="100000">
+                    <a:srgbClr val="52762D"/>
+                  </a:gs>
+                </a:gsLst>
+                <a:lin ang="5400000" scaled="0"/>
+              </a:gradFill>
+            </p:spPr>
+            <p:style>
+              <a:lnRef idx="2">
+                <a:schemeClr val="accent1">
+                  <a:shade val="50000"/>
+                </a:schemeClr>
+              </a:lnRef>
+              <a:fillRef idx="1">
+                <a:schemeClr val="accent1"/>
+              </a:fillRef>
+              <a:effectRef idx="0">
+                <a:schemeClr val="accent1"/>
+              </a:effectRef>
+              <a:fontRef idx="minor">
+                <a:schemeClr val="lt1"/>
+              </a:fontRef>
+            </p:style>
+            <p:txBody>
+              <a:bodyPr rtlCol="0" anchor="ctr"/>
+              <a:lstStyle/>
+              <a:p>
+                <a:pPr algn="ctr"/>
+                <a:endParaRPr lang="zh-CN" altLang="en-US">
+                  <a:solidFill>
+                    <a:schemeClr val="tx1"/>
+                  </a:solidFill>
+                </a:endParaRPr>
+              </a:p>
+            </p:txBody>
+          </p:sp>
+          <p:sp>
+            <p:nvSpPr>
+              <p:cNvPr id="43" name="圆角右箭头 15">
+                <a:extLst>
+                  <a:ext uri="{FF2B5EF4-FFF2-40B4-BE49-F238E27FC236}">
+                    <a16:creationId xmlns:a16="http://schemas.microsoft.com/office/drawing/2014/main" id="{FBF65D98-97E1-4354-9F7F-68657F8C9948}"/>
+                  </a:ext>
+                </a:extLst>
+              </p:cNvPr>
+              <p:cNvSpPr/>
+              <p:nvPr/>
+            </p:nvSpPr>
+            <p:spPr>
+              <a:xfrm rot="5700000">
+                <a:off x="7314565" y="2200910"/>
+                <a:ext cx="537845" cy="559435"/>
+              </a:xfrm>
+              <a:prstGeom prst="bentArrow">
+                <a:avLst/>
+              </a:prstGeom>
+              <a:gradFill>
+                <a:gsLst>
+                  <a:gs pos="0">
+                    <a:srgbClr val="9EE256"/>
+                  </a:gs>
+                  <a:gs pos="100000">
+                    <a:srgbClr val="52762D"/>
+                  </a:gs>
+                </a:gsLst>
+                <a:lin ang="5400000" scaled="0"/>
+              </a:gradFill>
+            </p:spPr>
+            <p:style>
+              <a:lnRef idx="2">
+                <a:schemeClr val="accent1">
+                  <a:shade val="50000"/>
+                </a:schemeClr>
+              </a:lnRef>
+              <a:fillRef idx="1">
+                <a:schemeClr val="accent1"/>
+              </a:fillRef>
+              <a:effectRef idx="0">
+                <a:schemeClr val="accent1"/>
+              </a:effectRef>
+              <a:fontRef idx="minor">
+                <a:schemeClr val="lt1"/>
+              </a:fontRef>
+            </p:style>
+            <p:txBody>
+              <a:bodyPr rtlCol="0" anchor="ctr"/>
+              <a:lstStyle/>
+              <a:p>
+                <a:pPr algn="ctr"/>
+                <a:endParaRPr lang="zh-CN" altLang="en-US">
+                  <a:solidFill>
+                    <a:schemeClr val="tx1"/>
+                  </a:solidFill>
+                </a:endParaRPr>
+              </a:p>
+            </p:txBody>
+          </p:sp>
+          <p:sp>
+            <p:nvSpPr>
+              <p:cNvPr id="44" name="圆角右箭头 16">
+                <a:extLst>
+                  <a:ext uri="{FF2B5EF4-FFF2-40B4-BE49-F238E27FC236}">
+                    <a16:creationId xmlns:a16="http://schemas.microsoft.com/office/drawing/2014/main" id="{D5B5A927-2FDE-4E64-970D-EBEDAC114ED1}"/>
+                  </a:ext>
+                </a:extLst>
+              </p:cNvPr>
+              <p:cNvSpPr/>
+              <p:nvPr/>
+            </p:nvSpPr>
+            <p:spPr>
+              <a:xfrm rot="16680000">
+                <a:off x="3470275" y="3488055"/>
+                <a:ext cx="499110" cy="617220"/>
+              </a:xfrm>
+              <a:prstGeom prst="bentArrow">
+                <a:avLst/>
+              </a:prstGeom>
+              <a:gradFill>
+                <a:gsLst>
+                  <a:gs pos="0">
+                    <a:srgbClr val="9EE256"/>
+                  </a:gs>
+                  <a:gs pos="100000">
+                    <a:srgbClr val="52762D"/>
+                  </a:gs>
+                </a:gsLst>
+                <a:lin ang="5400000" scaled="0"/>
+              </a:gradFill>
+            </p:spPr>
+            <p:style>
+              <a:lnRef idx="2">
+                <a:schemeClr val="accent1">
+                  <a:shade val="50000"/>
+                </a:schemeClr>
+              </a:lnRef>
+              <a:fillRef idx="1">
+                <a:schemeClr val="accent1"/>
+              </a:fillRef>
+              <a:effectRef idx="0">
+                <a:schemeClr val="accent1"/>
+              </a:effectRef>
+              <a:fontRef idx="minor">
+                <a:schemeClr val="lt1"/>
+              </a:fontRef>
+            </p:style>
+            <p:txBody>
+              <a:bodyPr rtlCol="0" anchor="ctr"/>
+              <a:lstStyle/>
+              <a:p>
+                <a:pPr algn="ctr"/>
+                <a:endParaRPr lang="zh-CN" altLang="en-US">
+                  <a:solidFill>
+                    <a:schemeClr val="tx1"/>
+                  </a:solidFill>
+                </a:endParaRPr>
+              </a:p>
+            </p:txBody>
+          </p:sp>
+          <p:cxnSp>
+            <p:nvCxnSpPr>
+              <p:cNvPr id="45" name="直接箭头连接符 44">
+                <a:extLst>
+                  <a:ext uri="{FF2B5EF4-FFF2-40B4-BE49-F238E27FC236}">
+                    <a16:creationId xmlns:a16="http://schemas.microsoft.com/office/drawing/2014/main" id="{22A9BBA9-C210-442E-9552-3CD0410EAF79}"/>
+                  </a:ext>
+                </a:extLst>
+              </p:cNvPr>
+              <p:cNvCxnSpPr/>
+              <p:nvPr/>
+            </p:nvCxnSpPr>
+            <p:spPr>
+              <a:xfrm>
+                <a:off x="4119245" y="1732915"/>
+                <a:ext cx="1351280" cy="1264920"/>
+              </a:xfrm>
+              <a:prstGeom prst="straightConnector1">
+                <a:avLst/>
+              </a:prstGeom>
+              <a:ln>
+                <a:tailEnd type="arrow"/>
+              </a:ln>
+            </p:spPr>
+            <p:style>
+              <a:lnRef idx="1">
+                <a:schemeClr val="accent1"/>
+              </a:lnRef>
+              <a:fillRef idx="0">
+                <a:schemeClr val="accent1"/>
+              </a:fillRef>
+              <a:effectRef idx="0">
+                <a:schemeClr val="accent1"/>
+              </a:effectRef>
+              <a:fontRef idx="minor">
+                <a:schemeClr val="tx1"/>
+              </a:fontRef>
+            </p:style>
+          </p:cxnSp>
+          <p:cxnSp>
+            <p:nvCxnSpPr>
+              <p:cNvPr id="46" name="直接箭头连接符 45">
+                <a:extLst>
+                  <a:ext uri="{FF2B5EF4-FFF2-40B4-BE49-F238E27FC236}">
+                    <a16:creationId xmlns:a16="http://schemas.microsoft.com/office/drawing/2014/main" id="{F8244212-61F2-43C2-AE04-FED2835D82BB}"/>
+                  </a:ext>
+                </a:extLst>
+              </p:cNvPr>
+              <p:cNvCxnSpPr/>
+              <p:nvPr/>
+            </p:nvCxnSpPr>
+            <p:spPr>
+              <a:xfrm flipH="1">
+                <a:off x="5902325" y="2528570"/>
+                <a:ext cx="1207770" cy="440690"/>
+              </a:xfrm>
+              <a:prstGeom prst="straightConnector1">
+                <a:avLst/>
+              </a:prstGeom>
+              <a:ln>
+                <a:tailEnd type="arrow"/>
+              </a:ln>
+            </p:spPr>
+            <p:style>
+              <a:lnRef idx="1">
+                <a:schemeClr val="accent1"/>
+              </a:lnRef>
+              <a:fillRef idx="0">
+                <a:schemeClr val="accent1"/>
+              </a:fillRef>
+              <a:effectRef idx="0">
+                <a:schemeClr val="accent1"/>
+              </a:effectRef>
+              <a:fontRef idx="minor">
+                <a:schemeClr val="tx1"/>
+              </a:fontRef>
+            </p:style>
+          </p:cxnSp>
+          <p:cxnSp>
+            <p:nvCxnSpPr>
+              <p:cNvPr id="47" name="直接箭头连接符 46">
+                <a:extLst>
+                  <a:ext uri="{FF2B5EF4-FFF2-40B4-BE49-F238E27FC236}">
+                    <a16:creationId xmlns:a16="http://schemas.microsoft.com/office/drawing/2014/main" id="{DADD4F55-426D-4028-9939-DBF4517E5C36}"/>
+                  </a:ext>
+                </a:extLst>
+              </p:cNvPr>
+              <p:cNvCxnSpPr/>
+              <p:nvPr/>
+            </p:nvCxnSpPr>
+            <p:spPr>
+              <a:xfrm flipH="1">
+                <a:off x="6189980" y="3065145"/>
+                <a:ext cx="1283970" cy="172720"/>
+              </a:xfrm>
+              <a:prstGeom prst="straightConnector1">
+                <a:avLst/>
+              </a:prstGeom>
+              <a:ln>
+                <a:tailEnd type="arrow"/>
+              </a:ln>
+            </p:spPr>
+            <p:style>
+              <a:lnRef idx="1">
+                <a:schemeClr val="accent1"/>
+              </a:lnRef>
+              <a:fillRef idx="0">
+                <a:schemeClr val="accent1"/>
+              </a:fillRef>
+              <a:effectRef idx="0">
+                <a:schemeClr val="accent1"/>
+              </a:effectRef>
+              <a:fontRef idx="minor">
+                <a:schemeClr val="tx1"/>
+              </a:fontRef>
+            </p:style>
+          </p:cxnSp>
+          <p:cxnSp>
+            <p:nvCxnSpPr>
+              <p:cNvPr id="48" name="直接箭头连接符 47">
+                <a:extLst>
+                  <a:ext uri="{FF2B5EF4-FFF2-40B4-BE49-F238E27FC236}">
+                    <a16:creationId xmlns:a16="http://schemas.microsoft.com/office/drawing/2014/main" id="{F3B36EDB-3E5D-48D6-A71F-72C62F3D85E7}"/>
+                  </a:ext>
+                </a:extLst>
+              </p:cNvPr>
+              <p:cNvCxnSpPr>
+                <a:endCxn id="51" idx="1"/>
+              </p:cNvCxnSpPr>
+              <p:nvPr/>
+            </p:nvCxnSpPr>
+            <p:spPr>
+              <a:xfrm flipV="1">
+                <a:off x="3822065" y="3221990"/>
+                <a:ext cx="1343025" cy="111760"/>
+              </a:xfrm>
+              <a:prstGeom prst="straightConnector1">
+                <a:avLst/>
+              </a:prstGeom>
+              <a:ln>
+                <a:tailEnd type="arrow"/>
+              </a:ln>
+            </p:spPr>
+            <p:style>
+              <a:lnRef idx="1">
+                <a:schemeClr val="accent1"/>
+              </a:lnRef>
+              <a:fillRef idx="0">
+                <a:schemeClr val="accent1"/>
+              </a:fillRef>
+              <a:effectRef idx="0">
+                <a:schemeClr val="accent1"/>
+              </a:effectRef>
+              <a:fontRef idx="minor">
+                <a:schemeClr val="tx1"/>
+              </a:fontRef>
+            </p:style>
+          </p:cxnSp>
+          <p:cxnSp>
+            <p:nvCxnSpPr>
+              <p:cNvPr id="49" name="直接箭头连接符 48">
+                <a:extLst>
+                  <a:ext uri="{FF2B5EF4-FFF2-40B4-BE49-F238E27FC236}">
+                    <a16:creationId xmlns:a16="http://schemas.microsoft.com/office/drawing/2014/main" id="{7D9BAF43-5F67-4773-AE2D-0C8CF3BDAA48}"/>
+                  </a:ext>
+                </a:extLst>
+              </p:cNvPr>
+              <p:cNvCxnSpPr/>
+              <p:nvPr/>
+            </p:nvCxnSpPr>
+            <p:spPr>
+              <a:xfrm flipV="1">
+                <a:off x="4205605" y="3381375"/>
+                <a:ext cx="1332230" cy="421640"/>
+              </a:xfrm>
+              <a:prstGeom prst="straightConnector1">
+                <a:avLst/>
+              </a:prstGeom>
+              <a:ln>
+                <a:tailEnd type="arrow"/>
+              </a:ln>
+            </p:spPr>
+            <p:style>
+              <a:lnRef idx="1">
+                <a:schemeClr val="accent1"/>
+              </a:lnRef>
+              <a:fillRef idx="0">
+                <a:schemeClr val="accent1"/>
+              </a:fillRef>
+              <a:effectRef idx="0">
+                <a:schemeClr val="accent1"/>
+              </a:effectRef>
+              <a:fontRef idx="minor">
+                <a:schemeClr val="tx1"/>
+              </a:fontRef>
+            </p:style>
+          </p:cxnSp>
+          <p:cxnSp>
+            <p:nvCxnSpPr>
+              <p:cNvPr id="50" name="直接箭头连接符 49">
+                <a:extLst>
+                  <a:ext uri="{FF2B5EF4-FFF2-40B4-BE49-F238E27FC236}">
+                    <a16:creationId xmlns:a16="http://schemas.microsoft.com/office/drawing/2014/main" id="{2965F1C2-1459-47E5-AF26-0441AE2E7864}"/>
+                  </a:ext>
+                </a:extLst>
+              </p:cNvPr>
+              <p:cNvCxnSpPr>
+                <a:endCxn id="51" idx="2"/>
+              </p:cNvCxnSpPr>
+              <p:nvPr/>
+            </p:nvCxnSpPr>
+            <p:spPr>
+              <a:xfrm flipH="1" flipV="1">
+                <a:off x="5848985" y="3375025"/>
+                <a:ext cx="1327785" cy="1214120"/>
+              </a:xfrm>
+              <a:prstGeom prst="straightConnector1">
+                <a:avLst/>
+              </a:prstGeom>
+              <a:ln>
+                <a:tailEnd type="arrow"/>
+              </a:ln>
+            </p:spPr>
+            <p:style>
+              <a:lnRef idx="1">
+                <a:schemeClr val="accent1"/>
+              </a:lnRef>
+              <a:fillRef idx="0">
+                <a:schemeClr val="accent1"/>
+              </a:fillRef>
+              <a:effectRef idx="0">
+                <a:schemeClr val="accent1"/>
+              </a:effectRef>
+              <a:fontRef idx="minor">
+                <a:schemeClr val="tx1"/>
+              </a:fontRef>
+            </p:style>
+          </p:cxnSp>
+          <p:sp>
+            <p:nvSpPr>
+              <p:cNvPr id="51" name="文本框 50">
+                <a:extLst>
+                  <a:ext uri="{FF2B5EF4-FFF2-40B4-BE49-F238E27FC236}">
+                    <a16:creationId xmlns:a16="http://schemas.microsoft.com/office/drawing/2014/main" id="{65A8096B-05C1-4068-9642-2EF1FFC0989A}"/>
+                  </a:ext>
+                </a:extLst>
+              </p:cNvPr>
+              <p:cNvSpPr txBox="1"/>
+              <p:nvPr/>
+            </p:nvSpPr>
+            <p:spPr>
+              <a:xfrm>
+                <a:off x="5165090" y="3068320"/>
+                <a:ext cx="1367790" cy="306705"/>
+              </a:xfrm>
+              <a:prstGeom prst="rect">
+                <a:avLst/>
+              </a:prstGeom>
+              <a:noFill/>
+            </p:spPr>
+            <p:txBody>
+              <a:bodyPr wrap="square" rtlCol="0">
+                <a:spAutoFit/>
+              </a:bodyPr>
+              <a:lstStyle/>
+              <a:p>
+                <a:r>
+                  <a:rPr lang="en-US" altLang="zh-CN" sz="1400">
+                    <a:solidFill>
+                      <a:schemeClr val="accent1"/>
+                    </a:solidFill>
+                  </a:rPr>
+                  <a:t>SP</a:t>
+                </a:r>
+                <a:r>
+                  <a:rPr lang="zh-CN" altLang="en-US" sz="1400">
+                    <a:solidFill>
+                      <a:schemeClr val="accent1"/>
+                    </a:solidFill>
+                  </a:rPr>
+                  <a:t>各拍一次</a:t>
+                </a:r>
+              </a:p>
+            </p:txBody>
+          </p:sp>
+          <p:sp>
+            <p:nvSpPr>
+              <p:cNvPr id="52" name="文本框 51">
+                <a:extLst>
+                  <a:ext uri="{FF2B5EF4-FFF2-40B4-BE49-F238E27FC236}">
+                    <a16:creationId xmlns:a16="http://schemas.microsoft.com/office/drawing/2014/main" id="{67C0AEC0-2D0F-4A1C-A896-5374D054983C}"/>
+                  </a:ext>
+                </a:extLst>
+              </p:cNvPr>
+              <p:cNvSpPr txBox="1"/>
+              <p:nvPr/>
+            </p:nvSpPr>
+            <p:spPr>
+              <a:xfrm>
+                <a:off x="3292475" y="1187450"/>
+                <a:ext cx="298450" cy="368300"/>
+              </a:xfrm>
+              <a:prstGeom prst="rect">
+                <a:avLst/>
+              </a:prstGeom>
+              <a:noFill/>
+            </p:spPr>
+            <p:txBody>
+              <a:bodyPr wrap="none" rtlCol="0">
+                <a:spAutoFit/>
+              </a:bodyPr>
+              <a:lstStyle/>
+              <a:p>
+                <a:r>
+                  <a:rPr lang="en-US" altLang="zh-CN">
+                    <a:solidFill>
+                      <a:schemeClr val="accent1"/>
+                    </a:solidFill>
+                  </a:rPr>
+                  <a:t>4</a:t>
+                </a:r>
+              </a:p>
+            </p:txBody>
+          </p:sp>
+          <p:sp>
+            <p:nvSpPr>
+              <p:cNvPr id="53" name="文本框 52">
+                <a:extLst>
+                  <a:ext uri="{FF2B5EF4-FFF2-40B4-BE49-F238E27FC236}">
+                    <a16:creationId xmlns:a16="http://schemas.microsoft.com/office/drawing/2014/main" id="{3ACEE1AB-311B-4831-B76A-84469108F1ED}"/>
+                  </a:ext>
+                </a:extLst>
+              </p:cNvPr>
+              <p:cNvSpPr txBox="1"/>
+              <p:nvPr/>
+            </p:nvSpPr>
+            <p:spPr>
+              <a:xfrm>
+                <a:off x="7766050" y="4870450"/>
+                <a:ext cx="298450" cy="368300"/>
+              </a:xfrm>
+              <a:prstGeom prst="rect">
+                <a:avLst/>
+              </a:prstGeom>
+              <a:noFill/>
+            </p:spPr>
+            <p:txBody>
+              <a:bodyPr wrap="none" rtlCol="0">
+                <a:spAutoFit/>
+              </a:bodyPr>
+              <a:lstStyle/>
+              <a:p>
+                <a:r>
+                  <a:rPr lang="en-US" altLang="zh-CN">
+                    <a:solidFill>
+                      <a:schemeClr val="accent1"/>
+                    </a:solidFill>
+                  </a:rPr>
+                  <a:t>4</a:t>
+                </a:r>
+              </a:p>
+            </p:txBody>
+          </p:sp>
+          <p:sp>
+            <p:nvSpPr>
+              <p:cNvPr id="54" name="文本框 53">
+                <a:extLst>
+                  <a:ext uri="{FF2B5EF4-FFF2-40B4-BE49-F238E27FC236}">
+                    <a16:creationId xmlns:a16="http://schemas.microsoft.com/office/drawing/2014/main" id="{EB3EAF07-F37D-47F4-99C1-F8D3B4D504F4}"/>
+                  </a:ext>
+                </a:extLst>
+              </p:cNvPr>
+              <p:cNvSpPr txBox="1"/>
+              <p:nvPr/>
+            </p:nvSpPr>
+            <p:spPr>
+              <a:xfrm>
+                <a:off x="7766050" y="1975485"/>
+                <a:ext cx="298450" cy="368300"/>
+              </a:xfrm>
+              <a:prstGeom prst="rect">
+                <a:avLst/>
+              </a:prstGeom>
+              <a:noFill/>
+            </p:spPr>
+            <p:txBody>
+              <a:bodyPr wrap="none" rtlCol="0">
+                <a:spAutoFit/>
+              </a:bodyPr>
+              <a:lstStyle/>
+              <a:p>
+                <a:r>
+                  <a:rPr lang="en-US" altLang="zh-CN">
+                    <a:solidFill>
+                      <a:schemeClr val="accent1"/>
+                    </a:solidFill>
+                  </a:rPr>
+                  <a:t>4</a:t>
+                </a:r>
+              </a:p>
+            </p:txBody>
+          </p:sp>
+          <p:sp>
+            <p:nvSpPr>
+              <p:cNvPr id="55" name="文本框 54">
+                <a:extLst>
+                  <a:ext uri="{FF2B5EF4-FFF2-40B4-BE49-F238E27FC236}">
+                    <a16:creationId xmlns:a16="http://schemas.microsoft.com/office/drawing/2014/main" id="{7D357B43-3F26-4CFA-8959-790B9D93DEDF}"/>
+                  </a:ext>
+                </a:extLst>
+              </p:cNvPr>
+              <p:cNvSpPr txBox="1"/>
+              <p:nvPr/>
+            </p:nvSpPr>
+            <p:spPr>
+              <a:xfrm>
+                <a:off x="7911465" y="3333750"/>
+                <a:ext cx="298450" cy="368300"/>
+              </a:xfrm>
+              <a:prstGeom prst="rect">
+                <a:avLst/>
+              </a:prstGeom>
+              <a:noFill/>
+            </p:spPr>
+            <p:txBody>
+              <a:bodyPr wrap="none" rtlCol="0">
+                <a:spAutoFit/>
+              </a:bodyPr>
+              <a:lstStyle/>
+              <a:p>
+                <a:r>
+                  <a:rPr lang="en-US" altLang="zh-CN">
+                    <a:solidFill>
+                      <a:schemeClr val="accent1"/>
+                    </a:solidFill>
+                  </a:rPr>
+                  <a:t>3</a:t>
+                </a:r>
+              </a:p>
+            </p:txBody>
+          </p:sp>
+          <p:sp>
+            <p:nvSpPr>
+              <p:cNvPr id="56" name="文本框 55">
+                <a:extLst>
+                  <a:ext uri="{FF2B5EF4-FFF2-40B4-BE49-F238E27FC236}">
+                    <a16:creationId xmlns:a16="http://schemas.microsoft.com/office/drawing/2014/main" id="{8A525429-EA12-4707-ABE3-625F434433C0}"/>
+                  </a:ext>
+                </a:extLst>
+              </p:cNvPr>
+              <p:cNvSpPr txBox="1"/>
+              <p:nvPr/>
+            </p:nvSpPr>
+            <p:spPr>
+              <a:xfrm>
+                <a:off x="3188335" y="3803015"/>
+                <a:ext cx="298450" cy="368300"/>
+              </a:xfrm>
+              <a:prstGeom prst="rect">
+                <a:avLst/>
+              </a:prstGeom>
+              <a:noFill/>
+            </p:spPr>
+            <p:txBody>
+              <a:bodyPr wrap="none" rtlCol="0">
+                <a:spAutoFit/>
+              </a:bodyPr>
+              <a:lstStyle/>
+              <a:p>
+                <a:r>
+                  <a:rPr lang="en-US" altLang="zh-CN">
+                    <a:solidFill>
+                      <a:schemeClr val="accent1"/>
+                    </a:solidFill>
+                  </a:rPr>
+                  <a:t>4</a:t>
+                </a:r>
+              </a:p>
+            </p:txBody>
+          </p:sp>
+          <p:sp>
+            <p:nvSpPr>
+              <p:cNvPr id="57" name="文本框 56">
+                <a:extLst>
+                  <a:ext uri="{FF2B5EF4-FFF2-40B4-BE49-F238E27FC236}">
+                    <a16:creationId xmlns:a16="http://schemas.microsoft.com/office/drawing/2014/main" id="{C48C5846-032B-42EF-809C-5BCD0C70E702}"/>
+                  </a:ext>
+                </a:extLst>
+              </p:cNvPr>
+              <p:cNvSpPr txBox="1"/>
+              <p:nvPr/>
+            </p:nvSpPr>
+            <p:spPr>
+              <a:xfrm>
+                <a:off x="5699760" y="1417955"/>
+                <a:ext cx="298450" cy="368300"/>
+              </a:xfrm>
+              <a:prstGeom prst="rect">
+                <a:avLst/>
+              </a:prstGeom>
+              <a:noFill/>
+            </p:spPr>
+            <p:txBody>
+              <a:bodyPr wrap="none" rtlCol="0">
+                <a:spAutoFit/>
+              </a:bodyPr>
+              <a:lstStyle/>
+              <a:p>
+                <a:r>
+                  <a:rPr lang="en-US" altLang="zh-CN">
+                    <a:solidFill>
+                      <a:schemeClr val="accent1"/>
+                    </a:solidFill>
+                  </a:rPr>
+                  <a:t>6</a:t>
+                </a:r>
+              </a:p>
+            </p:txBody>
+          </p:sp>
+          <p:sp>
+            <p:nvSpPr>
+              <p:cNvPr id="58" name="文本框 57">
+                <a:extLst>
+                  <a:ext uri="{FF2B5EF4-FFF2-40B4-BE49-F238E27FC236}">
+                    <a16:creationId xmlns:a16="http://schemas.microsoft.com/office/drawing/2014/main" id="{147313B5-4658-4A6D-9769-1A6516D77428}"/>
+                  </a:ext>
+                </a:extLst>
+              </p:cNvPr>
+              <p:cNvSpPr txBox="1"/>
+              <p:nvPr/>
+            </p:nvSpPr>
+            <p:spPr>
+              <a:xfrm>
+                <a:off x="3188335" y="2600960"/>
+                <a:ext cx="298450" cy="368300"/>
+              </a:xfrm>
+              <a:prstGeom prst="rect">
+                <a:avLst/>
+              </a:prstGeom>
+              <a:noFill/>
+            </p:spPr>
+            <p:txBody>
+              <a:bodyPr wrap="none" rtlCol="0">
+                <a:spAutoFit/>
+              </a:bodyPr>
+              <a:lstStyle/>
+              <a:p>
+                <a:r>
+                  <a:rPr lang="en-US" altLang="zh-CN">
+                    <a:solidFill>
+                      <a:schemeClr val="accent1"/>
+                    </a:solidFill>
+                  </a:rPr>
+                  <a:t>3</a:t>
+                </a:r>
+              </a:p>
+            </p:txBody>
+          </p:sp>
+          <p:sp>
+            <p:nvSpPr>
+              <p:cNvPr id="59" name="文本框 58">
+                <a:extLst>
+                  <a:ext uri="{FF2B5EF4-FFF2-40B4-BE49-F238E27FC236}">
+                    <a16:creationId xmlns:a16="http://schemas.microsoft.com/office/drawing/2014/main" id="{93EFB99C-6B13-4229-8F6D-6B38C74681A1}"/>
+                  </a:ext>
+                </a:extLst>
+              </p:cNvPr>
+              <p:cNvSpPr txBox="1"/>
+              <p:nvPr/>
+            </p:nvSpPr>
+            <p:spPr>
+              <a:xfrm>
+                <a:off x="5394325" y="4495165"/>
+                <a:ext cx="298450" cy="368300"/>
+              </a:xfrm>
+              <a:prstGeom prst="rect">
+                <a:avLst/>
+              </a:prstGeom>
+              <a:noFill/>
+            </p:spPr>
+            <p:txBody>
+              <a:bodyPr wrap="none" rtlCol="0">
+                <a:spAutoFit/>
+              </a:bodyPr>
+              <a:lstStyle/>
+              <a:p>
+                <a:r>
+                  <a:rPr lang="en-US" altLang="zh-CN">
+                    <a:solidFill>
+                      <a:schemeClr val="accent1"/>
+                    </a:solidFill>
+                  </a:rPr>
+                  <a:t>6</a:t>
+                </a:r>
+              </a:p>
+            </p:txBody>
+          </p:sp>
+        </p:grpSp>
+      </p:grpSp>
       <p:sp>
         <p:nvSpPr>
           <p:cNvPr id="7" name="标题 6"/>
@@ -9737,29 +11596,35 @@
                 </a:solidFill>
                 <a:cs typeface="Arial" panose="020B0604020202020204" pitchFamily="34" charset="0"/>
               </a:rPr>
-              <a:t>光学初步设计方案</a:t>
+              <a:t>光学 侧面</a:t>
             </a:r>
           </a:p>
         </p:txBody>
       </p:sp>
       <p:pic>
         <p:nvPicPr>
-          <p:cNvPr id="2" name="图片 1" descr="企业微信截图_16367094347870"/>
+          <p:cNvPr id="8" name="图片 7" descr="企业微信截图_16391315322404">
+            <a:extLst>
+              <a:ext uri="{FF2B5EF4-FFF2-40B4-BE49-F238E27FC236}">
+                <a16:creationId xmlns:a16="http://schemas.microsoft.com/office/drawing/2014/main" id="{80F34170-C75D-42AD-A9D6-E3B3BCFA0A44}"/>
+              </a:ext>
+            </a:extLst>
+          </p:cNvPr>
           <p:cNvPicPr>
             <a:picLocks noChangeAspect="1"/>
           </p:cNvPicPr>
           <p:nvPr/>
         </p:nvPicPr>
         <p:blipFill>
-          <a:blip r:embed="rId3"/>
+          <a:blip r:embed="rId4"/>
           <a:stretch>
             <a:fillRect/>
           </a:stretch>
         </p:blipFill>
         <p:spPr>
           <a:xfrm>
-            <a:off x="2435225" y="626745"/>
-            <a:ext cx="6997700" cy="4867910"/>
+            <a:off x="175895" y="610235"/>
+            <a:ext cx="3714750" cy="5576570"/>
           </a:xfrm>
           <a:prstGeom prst="rect">
             <a:avLst/>
@@ -9768,14 +11633,20 @@
       </p:pic>
       <p:sp>
         <p:nvSpPr>
-          <p:cNvPr id="4" name="文本框 3"/>
+          <p:cNvPr id="86" name="文本框 85">
+            <a:extLst>
+              <a:ext uri="{FF2B5EF4-FFF2-40B4-BE49-F238E27FC236}">
+                <a16:creationId xmlns:a16="http://schemas.microsoft.com/office/drawing/2014/main" id="{96B0B17A-E226-490A-8844-E6F570A2D86F}"/>
+              </a:ext>
+            </a:extLst>
+          </p:cNvPr>
           <p:cNvSpPr txBox="1"/>
           <p:nvPr/>
         </p:nvSpPr>
         <p:spPr>
           <a:xfrm>
-            <a:off x="2612861" y="5642680"/>
-            <a:ext cx="7636838" cy="829945"/>
+            <a:off x="2953787" y="4722026"/>
+            <a:ext cx="1734818" cy="338554"/>
           </a:xfrm>
           <a:prstGeom prst="rect">
             <a:avLst/>
@@ -9788,142 +11659,431 @@
           </a:bodyPr>
           <a:lstStyle/>
           <a:p>
-            <a:pPr fontAlgn="auto">
-              <a:lnSpc>
-                <a:spcPct val="100000"/>
-              </a:lnSpc>
-              <a:buClrTx/>
-              <a:buSzTx/>
-              <a:buFont typeface="Wingdings" panose="05000000000000000000" charset="0"/>
-              <a:buNone/>
-            </a:pPr>
             <a:r>
               <a:rPr lang="zh-CN" altLang="en-US" sz="1600" dirty="0">
                 <a:solidFill>
-                  <a:srgbClr val="002060"/>
-                </a:solidFill>
-                <a:latin typeface="+mn-ea"/>
-                <a:cs typeface="+mn-ea"/>
-              </a:rPr>
-              <a:t>外侧直面和弧面分</a:t>
-            </a:r>
-            <a:r>
-              <a:rPr lang="en-US" altLang="zh-CN" sz="1600" dirty="0">
-                <a:solidFill>
-                  <a:srgbClr val="002060"/>
-                </a:solidFill>
-                <a:latin typeface="+mn-ea"/>
-                <a:cs typeface="+mn-ea"/>
-              </a:rPr>
-              <a:t>16</a:t>
-            </a:r>
-            <a:r>
-              <a:rPr lang="zh-CN" altLang="en-US" sz="1600" dirty="0">
-                <a:solidFill>
-                  <a:srgbClr val="002060"/>
-                </a:solidFill>
-                <a:latin typeface="+mn-ea"/>
-                <a:cs typeface="+mn-ea"/>
-              </a:rPr>
-              <a:t>次拍摄</a:t>
-            </a:r>
-            <a:r>
-              <a:rPr lang="en-US" altLang="zh-CN" sz="1600" dirty="0">
-                <a:solidFill>
-                  <a:srgbClr val="002060"/>
-                </a:solidFill>
-                <a:latin typeface="+mn-ea"/>
-                <a:cs typeface="+mn-ea"/>
-              </a:rPr>
-              <a:t>                  CG</a:t>
-            </a:r>
-            <a:r>
-              <a:rPr lang="zh-CN" altLang="en-US" sz="1600" dirty="0">
-                <a:solidFill>
-                  <a:srgbClr val="002060"/>
-                </a:solidFill>
-                <a:latin typeface="+mn-ea"/>
-                <a:cs typeface="+mn-ea"/>
-              </a:rPr>
-              <a:t>面和</a:t>
-            </a:r>
-            <a:r>
-              <a:rPr lang="en-US" altLang="zh-CN" sz="1600" dirty="0">
-                <a:solidFill>
-                  <a:srgbClr val="002060"/>
-                </a:solidFill>
-                <a:latin typeface="+mn-ea"/>
-                <a:cs typeface="+mn-ea"/>
-              </a:rPr>
-              <a:t>BG</a:t>
-            </a:r>
-            <a:r>
-              <a:rPr lang="zh-CN" altLang="en-US" sz="1600" dirty="0">
-                <a:solidFill>
-                  <a:srgbClr val="002060"/>
-                </a:solidFill>
-                <a:latin typeface="+mn-ea"/>
-                <a:cs typeface="+mn-ea"/>
-              </a:rPr>
-              <a:t>面分</a:t>
-            </a:r>
-            <a:r>
-              <a:rPr lang="en-US" altLang="zh-CN" sz="1600" dirty="0">
-                <a:solidFill>
-                  <a:srgbClr val="002060"/>
-                </a:solidFill>
-                <a:latin typeface="+mn-ea"/>
-                <a:cs typeface="+mn-ea"/>
-              </a:rPr>
-              <a:t>10</a:t>
-            </a:r>
-            <a:r>
-              <a:rPr lang="zh-CN" altLang="en-US" sz="1600" dirty="0">
-                <a:solidFill>
-                  <a:srgbClr val="002060"/>
-                </a:solidFill>
-                <a:latin typeface="+mn-ea"/>
-                <a:cs typeface="+mn-ea"/>
-              </a:rPr>
-              <a:t>次拍摄</a:t>
-            </a:r>
-          </a:p>
-          <a:p>
-            <a:pPr indent="0" fontAlgn="auto">
-              <a:lnSpc>
-                <a:spcPct val="100000"/>
-              </a:lnSpc>
-              <a:buFont typeface="Wingdings" panose="05000000000000000000" charset="0"/>
-              <a:buNone/>
-            </a:pPr>
-            <a:endParaRPr lang="zh-CN" altLang="en-US" sz="1600" dirty="0">
-              <a:solidFill>
-                <a:srgbClr val="002060"/>
-              </a:solidFill>
-              <a:latin typeface="+mn-ea"/>
-              <a:cs typeface="+mn-ea"/>
-              <a:sym typeface="+mn-ea"/>
-            </a:endParaRPr>
-          </a:p>
-          <a:p>
-            <a:pPr indent="0" fontAlgn="auto">
-              <a:lnSpc>
-                <a:spcPct val="100000"/>
-              </a:lnSpc>
-              <a:buFont typeface="Wingdings" panose="05000000000000000000" charset="0"/>
-              <a:buNone/>
-            </a:pPr>
-            <a:endParaRPr lang="zh-CN" altLang="en-US" sz="1600" dirty="0">
-              <a:solidFill>
-                <a:srgbClr val="002060"/>
-              </a:solidFill>
-              <a:latin typeface="+mn-ea"/>
-              <a:cs typeface="+mn-ea"/>
-              <a:sym typeface="+mn-ea"/>
-            </a:endParaRPr>
+                  <a:srgbClr val="FF0000"/>
+                </a:solidFill>
+              </a:rPr>
+              <a:t>侧面扫描路径</a:t>
+            </a:r>
           </a:p>
         </p:txBody>
       </p:sp>
+      <p:sp>
+        <p:nvSpPr>
+          <p:cNvPr id="87" name="箭头: 右 86">
+            <a:extLst>
+              <a:ext uri="{FF2B5EF4-FFF2-40B4-BE49-F238E27FC236}">
+                <a16:creationId xmlns:a16="http://schemas.microsoft.com/office/drawing/2014/main" id="{E53C177F-F3ED-4FE9-8C7F-A3A7BF84ECA7}"/>
+              </a:ext>
+            </a:extLst>
+          </p:cNvPr>
+          <p:cNvSpPr/>
+          <p:nvPr/>
+        </p:nvSpPr>
+        <p:spPr>
+          <a:xfrm>
+            <a:off x="3015231" y="5009132"/>
+            <a:ext cx="1402079" cy="332399"/>
+          </a:xfrm>
+          <a:prstGeom prst="rightArrow">
+            <a:avLst/>
+          </a:prstGeom>
+          <a:solidFill>
+            <a:schemeClr val="accent5">
+              <a:lumMod val="60000"/>
+              <a:lumOff val="40000"/>
+            </a:schemeClr>
+          </a:solidFill>
+        </p:spPr>
+        <p:style>
+          <a:lnRef idx="2">
+            <a:schemeClr val="accent1">
+              <a:shade val="50000"/>
+            </a:schemeClr>
+          </a:lnRef>
+          <a:fillRef idx="1">
+            <a:schemeClr val="accent1"/>
+          </a:fillRef>
+          <a:effectRef idx="0">
+            <a:schemeClr val="accent1"/>
+          </a:effectRef>
+          <a:fontRef idx="minor">
+            <a:schemeClr val="lt1"/>
+          </a:fontRef>
+        </p:style>
+        <p:txBody>
+          <a:bodyPr rtlCol="0" anchor="ctr"/>
+          <a:lstStyle/>
+          <a:p>
+            <a:pPr algn="ctr"/>
+            <a:endParaRPr lang="zh-CN" altLang="en-US"/>
+          </a:p>
+        </p:txBody>
+      </p:sp>
+      <p:sp>
+        <p:nvSpPr>
+          <p:cNvPr id="88" name="文本框 87">
+            <a:extLst>
+              <a:ext uri="{FF2B5EF4-FFF2-40B4-BE49-F238E27FC236}">
+                <a16:creationId xmlns:a16="http://schemas.microsoft.com/office/drawing/2014/main" id="{B22EC9B7-CB58-429C-863E-42B1E730B7EC}"/>
+              </a:ext>
+            </a:extLst>
+          </p:cNvPr>
+          <p:cNvSpPr txBox="1"/>
+          <p:nvPr/>
+        </p:nvSpPr>
+        <p:spPr>
+          <a:xfrm>
+            <a:off x="5924677" y="798351"/>
+            <a:ext cx="6096000" cy="1477328"/>
+          </a:xfrm>
+          <a:prstGeom prst="rect">
+            <a:avLst/>
+          </a:prstGeom>
+          <a:noFill/>
+        </p:spPr>
+        <p:txBody>
+          <a:bodyPr wrap="square">
+            <a:spAutoFit/>
+          </a:bodyPr>
+          <a:lstStyle/>
+          <a:p>
+            <a:pPr marL="285750" indent="-285750">
+              <a:buFont typeface="Wingdings" panose="05000000000000000000" pitchFamily="2" charset="2"/>
+              <a:buChar char="Ø"/>
+            </a:pPr>
+            <a:r>
+              <a:rPr lang="zh-CN" altLang="en-US" dirty="0"/>
+              <a:t>组合光源含有</a:t>
+            </a:r>
+            <a:r>
+              <a:rPr lang="en-US" altLang="zh-CN" dirty="0"/>
+              <a:t>5</a:t>
+            </a:r>
+            <a:r>
+              <a:rPr lang="zh-CN" altLang="en-US" dirty="0"/>
+              <a:t>个通道的点亮方式，按不同区域划分制定光源点亮方式和拍摄次数方案；</a:t>
+            </a:r>
+          </a:p>
+          <a:p>
+            <a:pPr marL="285750" indent="-285750">
+              <a:buFont typeface="Wingdings" panose="05000000000000000000" pitchFamily="2" charset="2"/>
+              <a:buChar char="Ø"/>
+            </a:pPr>
+            <a:r>
+              <a:rPr lang="zh-CN" altLang="en-US" dirty="0"/>
+              <a:t>面阵拍完侧面需要分</a:t>
+            </a:r>
+            <a:r>
+              <a:rPr lang="en-US" altLang="zh-CN" dirty="0"/>
+              <a:t>40</a:t>
+            </a:r>
+            <a:r>
+              <a:rPr lang="zh-CN" altLang="en-US" dirty="0"/>
+              <a:t>个区域拍摄，划分规则按长直边</a:t>
+            </a:r>
+            <a:r>
+              <a:rPr lang="en-US" altLang="zh-CN" dirty="0"/>
+              <a:t>2*6</a:t>
+            </a:r>
+            <a:r>
+              <a:rPr lang="zh-CN" altLang="en-US" dirty="0"/>
+              <a:t>次、短直边</a:t>
+            </a:r>
+            <a:r>
+              <a:rPr lang="en-US" altLang="zh-CN" dirty="0"/>
+              <a:t>2*3</a:t>
+            </a:r>
+            <a:r>
+              <a:rPr lang="zh-CN" altLang="en-US" dirty="0"/>
+              <a:t>次、</a:t>
+            </a:r>
+            <a:r>
+              <a:rPr lang="en-US" altLang="zh-CN" dirty="0"/>
+              <a:t>R</a:t>
+            </a:r>
+            <a:r>
+              <a:rPr lang="zh-CN" altLang="en-US" dirty="0"/>
+              <a:t>角</a:t>
+            </a:r>
+            <a:r>
+              <a:rPr lang="en-US" altLang="zh-CN" dirty="0"/>
+              <a:t>4*4</a:t>
+            </a:r>
+            <a:r>
+              <a:rPr lang="zh-CN" altLang="en-US" dirty="0"/>
+              <a:t>次及</a:t>
+            </a:r>
+            <a:r>
+              <a:rPr lang="en-US" altLang="zh-CN" dirty="0"/>
+              <a:t>SP</a:t>
+            </a:r>
+            <a:r>
+              <a:rPr lang="zh-CN" altLang="en-US" dirty="0"/>
+              <a:t>区域单独</a:t>
+            </a:r>
+            <a:r>
+              <a:rPr lang="en-US" altLang="zh-CN" dirty="0"/>
+              <a:t>6</a:t>
+            </a:r>
+            <a:r>
+              <a:rPr lang="zh-CN" altLang="en-US" dirty="0"/>
+              <a:t>次；每静止一次拍照时间</a:t>
+            </a:r>
+            <a:r>
+              <a:rPr lang="en-US" altLang="zh-CN" dirty="0"/>
+              <a:t>100ms</a:t>
+            </a:r>
+          </a:p>
+        </p:txBody>
+      </p:sp>
+      <p:grpSp>
+        <p:nvGrpSpPr>
+          <p:cNvPr id="94" name="组合 93">
+            <a:extLst>
+              <a:ext uri="{FF2B5EF4-FFF2-40B4-BE49-F238E27FC236}">
+                <a16:creationId xmlns:a16="http://schemas.microsoft.com/office/drawing/2014/main" id="{D704C04B-707C-4AE5-985A-D68CE4A90601}"/>
+              </a:ext>
+            </a:extLst>
+          </p:cNvPr>
+          <p:cNvGrpSpPr/>
+          <p:nvPr/>
+        </p:nvGrpSpPr>
+        <p:grpSpPr>
+          <a:xfrm>
+            <a:off x="8820303" y="2458831"/>
+            <a:ext cx="3343093" cy="4186021"/>
+            <a:chOff x="8848907" y="2710093"/>
+            <a:chExt cx="3343093" cy="4186021"/>
+          </a:xfrm>
+        </p:grpSpPr>
+        <p:pic>
+          <p:nvPicPr>
+            <p:cNvPr id="89" name="图片 88">
+              <a:extLst>
+                <a:ext uri="{FF2B5EF4-FFF2-40B4-BE49-F238E27FC236}">
+                  <a16:creationId xmlns:a16="http://schemas.microsoft.com/office/drawing/2014/main" id="{EC1A0A97-71DD-4B4D-98B4-5BE269B09FC3}"/>
+                </a:ext>
+              </a:extLst>
+            </p:cNvPr>
+            <p:cNvPicPr>
+              <a:picLocks noChangeAspect="1"/>
+            </p:cNvPicPr>
+            <p:nvPr/>
+          </p:nvPicPr>
+          <p:blipFill>
+            <a:blip r:embed="rId5">
+              <a:extLst>
+                <a:ext uri="{28A0092B-C50C-407E-A947-70E740481C1C}">
+                  <a14:useLocalDpi xmlns:a14="http://schemas.microsoft.com/office/drawing/2010/main" val="0"/>
+                </a:ext>
+              </a:extLst>
+            </a:blip>
+            <a:stretch>
+              <a:fillRect/>
+            </a:stretch>
+          </p:blipFill>
+          <p:spPr>
+            <a:xfrm>
+              <a:off x="8860852" y="2710093"/>
+              <a:ext cx="1419111" cy="1378878"/>
+            </a:xfrm>
+            <a:prstGeom prst="rect">
+              <a:avLst/>
+            </a:prstGeom>
+          </p:spPr>
+        </p:pic>
+        <p:pic>
+          <p:nvPicPr>
+            <p:cNvPr id="90" name="图片 89">
+              <a:extLst>
+                <a:ext uri="{FF2B5EF4-FFF2-40B4-BE49-F238E27FC236}">
+                  <a16:creationId xmlns:a16="http://schemas.microsoft.com/office/drawing/2014/main" id="{0929829E-5FBD-485F-851C-14ECAA4F5D41}"/>
+                </a:ext>
+              </a:extLst>
+            </p:cNvPr>
+            <p:cNvPicPr>
+              <a:picLocks noChangeAspect="1"/>
+            </p:cNvPicPr>
+            <p:nvPr/>
+          </p:nvPicPr>
+          <p:blipFill>
+            <a:blip r:embed="rId6">
+              <a:extLst>
+                <a:ext uri="{28A0092B-C50C-407E-A947-70E740481C1C}">
+                  <a14:useLocalDpi xmlns:a14="http://schemas.microsoft.com/office/drawing/2010/main" val="0"/>
+                </a:ext>
+              </a:extLst>
+            </a:blip>
+            <a:stretch>
+              <a:fillRect/>
+            </a:stretch>
+          </p:blipFill>
+          <p:spPr>
+            <a:xfrm>
+              <a:off x="10299258" y="2714104"/>
+              <a:ext cx="1872421" cy="1374705"/>
+            </a:xfrm>
+            <a:prstGeom prst="rect">
+              <a:avLst/>
+            </a:prstGeom>
+          </p:spPr>
+        </p:pic>
+        <p:pic>
+          <p:nvPicPr>
+            <p:cNvPr id="91" name="图片 90">
+              <a:extLst>
+                <a:ext uri="{FF2B5EF4-FFF2-40B4-BE49-F238E27FC236}">
+                  <a16:creationId xmlns:a16="http://schemas.microsoft.com/office/drawing/2014/main" id="{BFE1CBD1-D878-44AD-9262-DD140C4551CF}"/>
+                </a:ext>
+              </a:extLst>
+            </p:cNvPr>
+            <p:cNvPicPr>
+              <a:picLocks noChangeAspect="1"/>
+            </p:cNvPicPr>
+            <p:nvPr/>
+          </p:nvPicPr>
+          <p:blipFill>
+            <a:blip r:embed="rId7">
+              <a:extLst>
+                <a:ext uri="{28A0092B-C50C-407E-A947-70E740481C1C}">
+                  <a14:useLocalDpi xmlns:a14="http://schemas.microsoft.com/office/drawing/2010/main" val="0"/>
+                </a:ext>
+              </a:extLst>
+            </a:blip>
+            <a:stretch>
+              <a:fillRect/>
+            </a:stretch>
+          </p:blipFill>
+          <p:spPr>
+            <a:xfrm>
+              <a:off x="8848907" y="4112409"/>
+              <a:ext cx="2527895" cy="1593845"/>
+            </a:xfrm>
+            <a:prstGeom prst="rect">
+              <a:avLst/>
+            </a:prstGeom>
+          </p:spPr>
+        </p:pic>
+        <p:pic>
+          <p:nvPicPr>
+            <p:cNvPr id="92" name="图片 91">
+              <a:extLst>
+                <a:ext uri="{FF2B5EF4-FFF2-40B4-BE49-F238E27FC236}">
+                  <a16:creationId xmlns:a16="http://schemas.microsoft.com/office/drawing/2014/main" id="{FA1BD1D0-CBD1-4EA2-B69A-A7D47B55C0C3}"/>
+                </a:ext>
+              </a:extLst>
+            </p:cNvPr>
+            <p:cNvPicPr>
+              <a:picLocks noChangeAspect="1"/>
+            </p:cNvPicPr>
+            <p:nvPr/>
+          </p:nvPicPr>
+          <p:blipFill>
+            <a:blip r:embed="rId8">
+              <a:extLst>
+                <a:ext uri="{28A0092B-C50C-407E-A947-70E740481C1C}">
+                  <a14:useLocalDpi xmlns:a14="http://schemas.microsoft.com/office/drawing/2010/main" val="0"/>
+                </a:ext>
+              </a:extLst>
+            </a:blip>
+            <a:stretch>
+              <a:fillRect/>
+            </a:stretch>
+          </p:blipFill>
+          <p:spPr>
+            <a:xfrm>
+              <a:off x="8861024" y="5721749"/>
+              <a:ext cx="1736107" cy="1120756"/>
+            </a:xfrm>
+            <a:prstGeom prst="rect">
+              <a:avLst/>
+            </a:prstGeom>
+          </p:spPr>
+        </p:pic>
+        <p:pic>
+          <p:nvPicPr>
+            <p:cNvPr id="93" name="图片 92">
+              <a:extLst>
+                <a:ext uri="{FF2B5EF4-FFF2-40B4-BE49-F238E27FC236}">
+                  <a16:creationId xmlns:a16="http://schemas.microsoft.com/office/drawing/2014/main" id="{026C4280-89AE-4FA1-9F8B-003CD5C708F0}"/>
+                </a:ext>
+              </a:extLst>
+            </p:cNvPr>
+            <p:cNvPicPr>
+              <a:picLocks noChangeAspect="1"/>
+            </p:cNvPicPr>
+            <p:nvPr/>
+          </p:nvPicPr>
+          <p:blipFill>
+            <a:blip r:embed="rId9">
+              <a:extLst>
+                <a:ext uri="{28A0092B-C50C-407E-A947-70E740481C1C}">
+                  <a14:useLocalDpi xmlns:a14="http://schemas.microsoft.com/office/drawing/2010/main" val="0"/>
+                </a:ext>
+              </a:extLst>
+            </a:blip>
+            <a:stretch>
+              <a:fillRect/>
+            </a:stretch>
+          </p:blipFill>
+          <p:spPr>
+            <a:xfrm>
+              <a:off x="11404440" y="4104206"/>
+              <a:ext cx="787560" cy="2791908"/>
+            </a:xfrm>
+            <a:prstGeom prst="rect">
+              <a:avLst/>
+            </a:prstGeom>
+          </p:spPr>
+        </p:pic>
+      </p:grpSp>
+      <p:cxnSp>
+        <p:nvCxnSpPr>
+          <p:cNvPr id="95" name="直接箭头连接符 94">
+            <a:extLst>
+              <a:ext uri="{FF2B5EF4-FFF2-40B4-BE49-F238E27FC236}">
+                <a16:creationId xmlns:a16="http://schemas.microsoft.com/office/drawing/2014/main" id="{54A542B8-014C-4045-AC63-392F428F923F}"/>
+              </a:ext>
+            </a:extLst>
+          </p:cNvPr>
+          <p:cNvCxnSpPr>
+            <a:cxnSpLocks/>
+          </p:cNvCxnSpPr>
+          <p:nvPr/>
+        </p:nvCxnSpPr>
+        <p:spPr>
+          <a:xfrm flipV="1">
+            <a:off x="7264400" y="3745045"/>
+            <a:ext cx="1454340" cy="697011"/>
+          </a:xfrm>
+          <a:prstGeom prst="straightConnector1">
+            <a:avLst/>
+          </a:prstGeom>
+          <a:ln>
+            <a:solidFill>
+              <a:srgbClr val="FF0000"/>
+            </a:solidFill>
+            <a:tailEnd type="triangle"/>
+          </a:ln>
+        </p:spPr>
+        <p:style>
+          <a:lnRef idx="1">
+            <a:schemeClr val="accent1"/>
+          </a:lnRef>
+          <a:fillRef idx="0">
+            <a:schemeClr val="accent1"/>
+          </a:fillRef>
+          <a:effectRef idx="0">
+            <a:schemeClr val="accent1"/>
+          </a:effectRef>
+          <a:fontRef idx="minor">
+            <a:schemeClr val="tx1"/>
+          </a:fontRef>
+        </p:style>
+      </p:cxnSp>
     </p:spTree>
   </p:cSld>
   <p:clrMapOvr>
@@ -9945,6 +12105,401 @@
 </file>
 
 <file path=ppt/slides/slide16.xml><?xml version="1.0" encoding="utf-8"?>
+<p:sld xmlns:a="http://schemas.openxmlformats.org/drawingml/2006/main" xmlns:r="http://schemas.openxmlformats.org/officeDocument/2006/relationships" xmlns:p="http://schemas.openxmlformats.org/presentationml/2006/main">
+  <p:cSld>
+    <p:spTree>
+      <p:nvGrpSpPr>
+        <p:cNvPr id="1" name=""/>
+        <p:cNvGrpSpPr/>
+        <p:nvPr/>
+      </p:nvGrpSpPr>
+      <p:grpSpPr>
+        <a:xfrm>
+          <a:off x="0" y="0"/>
+          <a:ext cx="0" cy="0"/>
+          <a:chOff x="0" y="0"/>
+          <a:chExt cx="0" cy="0"/>
+        </a:xfrm>
+      </p:grpSpPr>
+      <p:sp>
+        <p:nvSpPr>
+          <p:cNvPr id="7" name="标题 6"/>
+          <p:cNvSpPr>
+            <a:spLocks noGrp="1"/>
+          </p:cNvSpPr>
+          <p:nvPr>
+            <p:ph type="title"/>
+          </p:nvPr>
+        </p:nvSpPr>
+        <p:spPr>
+          <a:xfrm>
+            <a:off x="479505" y="213148"/>
+            <a:ext cx="9058943" cy="332399"/>
+          </a:xfrm>
+        </p:spPr>
+        <p:txBody>
+          <a:bodyPr/>
+          <a:lstStyle/>
+          <a:p>
+            <a:r>
+              <a:rPr lang="zh-CN" altLang="en-US" sz="2400" b="1" spc="100" dirty="0">
+                <a:solidFill>
+                  <a:srgbClr val="043E6F"/>
+                </a:solidFill>
+                <a:cs typeface="Arial" panose="020B0604020202020204" pitchFamily="34" charset="0"/>
+              </a:rPr>
+              <a:t>设计方案</a:t>
+            </a:r>
+            <a:r>
+              <a:rPr lang="en-US" altLang="zh-CN" sz="2400" b="1" spc="100" dirty="0">
+                <a:solidFill>
+                  <a:srgbClr val="043E6F"/>
+                </a:solidFill>
+                <a:cs typeface="Arial" panose="020B0604020202020204" pitchFamily="34" charset="0"/>
+              </a:rPr>
+              <a:t>|</a:t>
+            </a:r>
+            <a:r>
+              <a:rPr lang="zh-CN" altLang="en-US" sz="2400" b="1" spc="100" dirty="0">
+                <a:solidFill>
+                  <a:srgbClr val="043E6F"/>
+                </a:solidFill>
+                <a:cs typeface="Arial" panose="020B0604020202020204" pitchFamily="34" charset="0"/>
+              </a:rPr>
+              <a:t>总结</a:t>
+            </a:r>
+          </a:p>
+        </p:txBody>
+      </p:sp>
+      <p:sp>
+        <p:nvSpPr>
+          <p:cNvPr id="60" name="文本框 59">
+            <a:extLst>
+              <a:ext uri="{FF2B5EF4-FFF2-40B4-BE49-F238E27FC236}">
+                <a16:creationId xmlns:a16="http://schemas.microsoft.com/office/drawing/2014/main" id="{C91DAB88-0457-4B75-A057-5CA10865E3AB}"/>
+              </a:ext>
+            </a:extLst>
+          </p:cNvPr>
+          <p:cNvSpPr txBox="1"/>
+          <p:nvPr/>
+        </p:nvSpPr>
+        <p:spPr>
+          <a:xfrm>
+            <a:off x="479505" y="545547"/>
+            <a:ext cx="10351770" cy="3693319"/>
+          </a:xfrm>
+          <a:prstGeom prst="rect">
+            <a:avLst/>
+          </a:prstGeom>
+          <a:noFill/>
+        </p:spPr>
+        <p:txBody>
+          <a:bodyPr wrap="square" rtlCol="0">
+            <a:spAutoFit/>
+          </a:bodyPr>
+          <a:lstStyle/>
+          <a:p>
+            <a:r>
+              <a:rPr lang="zh-CN" altLang="en-US" sz="2000" dirty="0"/>
+              <a:t>光学</a:t>
+            </a:r>
+            <a:endParaRPr lang="en-US" altLang="zh-CN" sz="2000" dirty="0"/>
+          </a:p>
+          <a:p>
+            <a:endParaRPr lang="en-US" altLang="zh-CN" sz="1600" dirty="0"/>
+          </a:p>
+          <a:p>
+            <a:pPr marL="285750" indent="-285750">
+              <a:buFont typeface="Wingdings" panose="05000000000000000000" pitchFamily="2" charset="2"/>
+              <a:buChar char="Ø"/>
+            </a:pPr>
+            <a:r>
+              <a:rPr lang="en-US" altLang="zh-CN" sz="1600" dirty="0"/>
+              <a:t>1.</a:t>
+            </a:r>
+            <a:r>
+              <a:rPr lang="zh-CN" altLang="en-US" sz="1600" dirty="0"/>
+              <a:t> </a:t>
+            </a:r>
+            <a:r>
+              <a:rPr lang="en-US" altLang="zh-CN" sz="1600" dirty="0"/>
+              <a:t>3D</a:t>
+            </a:r>
+            <a:r>
+              <a:rPr lang="zh-CN" altLang="en-US" sz="1600" dirty="0"/>
+              <a:t>面可能需样品倾斜再扫一圈，待进现场验证</a:t>
+            </a:r>
+            <a:r>
+              <a:rPr lang="en-US" altLang="zh-CN" sz="1600" dirty="0"/>
+              <a:t>;</a:t>
+            </a:r>
+            <a:endParaRPr lang="zh-CN" altLang="en-US" sz="1600" dirty="0"/>
+          </a:p>
+          <a:p>
+            <a:pPr marL="285750" indent="-285750">
+              <a:buFont typeface="Wingdings" panose="05000000000000000000" pitchFamily="2" charset="2"/>
+              <a:buChar char="Ø"/>
+            </a:pPr>
+            <a:endParaRPr lang="en-US" altLang="zh-CN" sz="1600" dirty="0"/>
+          </a:p>
+          <a:p>
+            <a:pPr marL="285750" indent="-285750">
+              <a:buFont typeface="Wingdings" panose="05000000000000000000" pitchFamily="2" charset="2"/>
+              <a:buChar char="Ø"/>
+            </a:pPr>
+            <a:r>
+              <a:rPr lang="en-US" altLang="zh-CN" sz="1600" dirty="0"/>
+              <a:t>2.</a:t>
+            </a:r>
+            <a:r>
+              <a:rPr lang="zh-CN" altLang="en-US" sz="1600" dirty="0"/>
+              <a:t> </a:t>
+            </a:r>
+            <a:r>
+              <a:rPr lang="en-US" altLang="zh-CN" sz="1600" dirty="0"/>
+              <a:t>3D</a:t>
+            </a:r>
+            <a:r>
+              <a:rPr lang="zh-CN" altLang="en-US" sz="1600" dirty="0"/>
+              <a:t>面刀纹缺陷可能无法与其它缺陷种类兼容，意味着需要移动相机或者光源再扫一遍</a:t>
+            </a:r>
+            <a:r>
+              <a:rPr lang="en-US" altLang="zh-CN" sz="1600" dirty="0"/>
+              <a:t>;</a:t>
+            </a:r>
+            <a:endParaRPr lang="zh-CN" altLang="en-US" sz="1600" dirty="0"/>
+          </a:p>
+          <a:p>
+            <a:pPr marL="285750" indent="-285750">
+              <a:buFont typeface="Wingdings" panose="05000000000000000000" pitchFamily="2" charset="2"/>
+              <a:buChar char="Ø"/>
+            </a:pPr>
+            <a:endParaRPr lang="zh-CN" altLang="en-US" sz="1600" dirty="0"/>
+          </a:p>
+          <a:p>
+            <a:pPr marL="285750" indent="-285750">
+              <a:buFont typeface="Wingdings" panose="05000000000000000000" pitchFamily="2" charset="2"/>
+              <a:buChar char="Ø"/>
+            </a:pPr>
+            <a:r>
+              <a:rPr lang="en-US" altLang="zh-CN" sz="1600" dirty="0"/>
+              <a:t>3.</a:t>
+            </a:r>
+            <a:r>
+              <a:rPr lang="zh-CN" altLang="en-US" sz="1600" dirty="0"/>
+              <a:t>拍侧面金属部位需静止点亮不同光源拍</a:t>
+            </a:r>
+            <a:r>
+              <a:rPr lang="en-US" altLang="zh-CN" sz="1600" dirty="0"/>
+              <a:t>5</a:t>
+            </a:r>
+            <a:r>
+              <a:rPr lang="zh-CN" altLang="en-US" sz="1600" dirty="0"/>
+              <a:t>次（四面可调光一次、同轴光四通道各亮一次</a:t>
+            </a:r>
+            <a:r>
+              <a:rPr lang="en-US" altLang="zh-CN" sz="1600" dirty="0"/>
+              <a:t>);</a:t>
+            </a:r>
+            <a:endParaRPr lang="zh-CN" altLang="en-US" sz="1600" dirty="0"/>
+          </a:p>
+          <a:p>
+            <a:pPr marL="285750" indent="-285750">
+              <a:buFont typeface="Wingdings" panose="05000000000000000000" pitchFamily="2" charset="2"/>
+              <a:buChar char="Ø"/>
+            </a:pPr>
+            <a:endParaRPr lang="zh-CN" altLang="en-US" sz="1600" dirty="0"/>
+          </a:p>
+          <a:p>
+            <a:pPr marL="285750" indent="-285750">
+              <a:buFont typeface="Wingdings" panose="05000000000000000000" pitchFamily="2" charset="2"/>
+              <a:buChar char="Ø"/>
+            </a:pPr>
+            <a:r>
+              <a:rPr lang="en-US" altLang="zh-CN" sz="1600" dirty="0"/>
+              <a:t>4.</a:t>
+            </a:r>
+            <a:r>
+              <a:rPr lang="zh-CN" altLang="en-US" sz="1600" dirty="0"/>
+              <a:t>侧面拍</a:t>
+            </a:r>
+            <a:r>
+              <a:rPr lang="en-US" altLang="zh-CN" sz="1600" dirty="0"/>
+              <a:t>SP</a:t>
+            </a:r>
+            <a:r>
+              <a:rPr lang="zh-CN" altLang="en-US" sz="1600" dirty="0"/>
+              <a:t>区域加大曝光单独拍一次</a:t>
+            </a:r>
+            <a:r>
+              <a:rPr lang="en-US" altLang="zh-CN" sz="1600" dirty="0"/>
+              <a:t>;</a:t>
+            </a:r>
+            <a:endParaRPr lang="zh-CN" altLang="en-US" sz="1600" dirty="0"/>
+          </a:p>
+          <a:p>
+            <a:pPr marL="285750" indent="-285750">
+              <a:buFont typeface="Wingdings" panose="05000000000000000000" pitchFamily="2" charset="2"/>
+              <a:buChar char="Ø"/>
+            </a:pPr>
+            <a:endParaRPr lang="zh-CN" altLang="en-US" sz="1600" dirty="0"/>
+          </a:p>
+          <a:p>
+            <a:pPr marL="285750" indent="-285750">
+              <a:buFont typeface="Wingdings" panose="05000000000000000000" pitchFamily="2" charset="2"/>
+              <a:buChar char="Ø"/>
+            </a:pPr>
+            <a:r>
+              <a:rPr lang="en-US" altLang="zh-CN" sz="1600" dirty="0"/>
+              <a:t>5.</a:t>
+            </a:r>
+            <a:r>
+              <a:rPr lang="zh-CN" altLang="en-US" sz="1600" dirty="0"/>
+              <a:t>侧面拍</a:t>
+            </a:r>
+            <a:r>
+              <a:rPr lang="en-US" altLang="zh-CN" sz="1600" dirty="0"/>
+              <a:t>R</a:t>
+            </a:r>
+            <a:r>
+              <a:rPr lang="zh-CN" altLang="en-US" sz="1600" dirty="0"/>
+              <a:t>角区域目前方案按照四等分拍完，可能需要更多次数</a:t>
+            </a:r>
+            <a:r>
+              <a:rPr lang="en-US" altLang="zh-CN" sz="1600" dirty="0"/>
+              <a:t>;</a:t>
+            </a:r>
+            <a:endParaRPr lang="zh-CN" altLang="en-US" sz="1600" dirty="0"/>
+          </a:p>
+          <a:p>
+            <a:endParaRPr lang="zh-CN" altLang="en-US" dirty="0"/>
+          </a:p>
+          <a:p>
+            <a:r>
+              <a:rPr lang="zh-CN" altLang="en-US" u="sng" dirty="0">
+                <a:solidFill>
+                  <a:srgbClr val="FF0000"/>
+                </a:solidFill>
+              </a:rPr>
+              <a:t>以上方案是结合前期所提供样品的打光方式及效果所做的理想化推力和整合，预计进现场后方案会改动较大</a:t>
+            </a:r>
+            <a:r>
+              <a:rPr lang="zh-CN" altLang="en-US" dirty="0"/>
+              <a:t>。</a:t>
+            </a:r>
+          </a:p>
+        </p:txBody>
+      </p:sp>
+      <p:sp>
+        <p:nvSpPr>
+          <p:cNvPr id="61" name="文本框 60">
+            <a:extLst>
+              <a:ext uri="{FF2B5EF4-FFF2-40B4-BE49-F238E27FC236}">
+                <a16:creationId xmlns:a16="http://schemas.microsoft.com/office/drawing/2014/main" id="{EFCDD25F-DB2B-4F13-8F1E-B2E5B64C72CF}"/>
+              </a:ext>
+            </a:extLst>
+          </p:cNvPr>
+          <p:cNvSpPr txBox="1"/>
+          <p:nvPr/>
+        </p:nvSpPr>
+        <p:spPr>
+          <a:xfrm>
+            <a:off x="479505" y="4452226"/>
+            <a:ext cx="10351770" cy="1446550"/>
+          </a:xfrm>
+          <a:prstGeom prst="rect">
+            <a:avLst/>
+          </a:prstGeom>
+          <a:noFill/>
+        </p:spPr>
+        <p:txBody>
+          <a:bodyPr wrap="square" rtlCol="0">
+            <a:spAutoFit/>
+          </a:bodyPr>
+          <a:lstStyle/>
+          <a:p>
+            <a:r>
+              <a:rPr lang="zh-CN" altLang="en-US" sz="2000" dirty="0"/>
+              <a:t>机械</a:t>
+            </a:r>
+            <a:endParaRPr lang="en-US" altLang="zh-CN" sz="1600" dirty="0"/>
+          </a:p>
+          <a:p>
+            <a:r>
+              <a:rPr lang="en-US" altLang="zh-CN" sz="1800" dirty="0"/>
+              <a:t>   </a:t>
+            </a:r>
+          </a:p>
+          <a:p>
+            <a:pPr marL="285750" indent="-285750">
+              <a:buFont typeface="Wingdings" panose="05000000000000000000" pitchFamily="2" charset="2"/>
+              <a:buChar char="Ø"/>
+            </a:pPr>
+            <a:r>
+              <a:rPr lang="en-US" altLang="zh-CN" sz="1600" dirty="0"/>
+              <a:t>1.</a:t>
+            </a:r>
+            <a:r>
+              <a:rPr lang="zh-CN" altLang="en-US" sz="1600" dirty="0"/>
+              <a:t> 由于前期拿到样品数量及缺陷类型有限，根据光学提供设想方案如需满足</a:t>
+            </a:r>
+            <a:r>
+              <a:rPr lang="en-US" altLang="zh-CN" sz="1600" dirty="0"/>
+              <a:t>5s/pcs</a:t>
+            </a:r>
+            <a:r>
+              <a:rPr lang="zh-CN" altLang="en-US" sz="1600" dirty="0"/>
+              <a:t>，</a:t>
+            </a:r>
+            <a:r>
+              <a:rPr lang="zh-CN" altLang="en-US" sz="1600" u="sng" dirty="0">
+                <a:solidFill>
+                  <a:srgbClr val="FF0000"/>
+                </a:solidFill>
+              </a:rPr>
+              <a:t>机台空间限制</a:t>
+            </a:r>
+            <a:r>
+              <a:rPr lang="zh-CN" altLang="en-US" sz="1600" dirty="0"/>
+              <a:t>需要与客户再次检讨。</a:t>
+            </a:r>
+            <a:endParaRPr lang="en-US" altLang="zh-CN" sz="1600" dirty="0"/>
+          </a:p>
+          <a:p>
+            <a:pPr marL="285750" indent="-285750">
+              <a:buFont typeface="Wingdings" panose="05000000000000000000" pitchFamily="2" charset="2"/>
+              <a:buChar char="Ø"/>
+            </a:pPr>
+            <a:endParaRPr lang="zh-CN" altLang="en-US" dirty="0"/>
+          </a:p>
+        </p:txBody>
+      </p:sp>
+    </p:spTree>
+    <p:extLst>
+      <p:ext uri="{BB962C8B-B14F-4D97-AF65-F5344CB8AC3E}">
+        <p14:creationId xmlns:p14="http://schemas.microsoft.com/office/powerpoint/2010/main" val="2359811357"/>
+      </p:ext>
+    </p:extLst>
+  </p:cSld>
+  <p:clrMapOvr>
+    <a:masterClrMapping/>
+  </p:clrMapOvr>
+  <mc:AlternateContent xmlns:mc="http://schemas.openxmlformats.org/markup-compatibility/2006" xmlns:p14="http://schemas.microsoft.com/office/powerpoint/2010/main">
+    <mc:Choice Requires="p14">
+      <p:transition spd="med" p14:dur="700">
+        <p:fade/>
+      </p:transition>
+    </mc:Choice>
+    <mc:Fallback xmlns="">
+      <p:transition spd="med">
+        <p:fade/>
+      </p:transition>
+    </mc:Fallback>
+  </mc:AlternateContent>
+</p:sld>
+</file>
+
+<file path=ppt/slides/slide17.xml><?xml version="1.0" encoding="utf-8"?>
 <p:sld xmlns:a="http://schemas.openxmlformats.org/drawingml/2006/main" xmlns:r="http://schemas.openxmlformats.org/officeDocument/2006/relationships" xmlns:p="http://schemas.openxmlformats.org/presentationml/2006/main">
   <p:cSld>
     <p:spTree>
@@ -23283,10 +25838,10 @@
       </p:grpSpPr>
       <p:pic>
         <p:nvPicPr>
-          <p:cNvPr id="3" name="图片 2">
+          <p:cNvPr id="10" name="图片 9">
             <a:extLst>
               <a:ext uri="{FF2B5EF4-FFF2-40B4-BE49-F238E27FC236}">
-                <a16:creationId xmlns:a16="http://schemas.microsoft.com/office/drawing/2014/main" id="{50E12E80-815A-40BD-B929-70274F03B5AB}"/>
+                <a16:creationId xmlns:a16="http://schemas.microsoft.com/office/drawing/2014/main" id="{B5157D62-8305-496F-B53D-547F3B1E9B2B}"/>
               </a:ext>
             </a:extLst>
           </p:cNvPr>
@@ -23309,8 +25864,44 @@
         </p:blipFill>
         <p:spPr>
           <a:xfrm>
-            <a:off x="2896142" y="3429000"/>
-            <a:ext cx="5409100" cy="3164774"/>
+            <a:off x="2214971" y="2324456"/>
+            <a:ext cx="5970894" cy="4533544"/>
+          </a:xfrm>
+          <a:prstGeom prst="rect">
+            <a:avLst/>
+          </a:prstGeom>
+        </p:spPr>
+      </p:pic>
+      <p:pic>
+        <p:nvPicPr>
+          <p:cNvPr id="11" name="图片 10">
+            <a:extLst>
+              <a:ext uri="{FF2B5EF4-FFF2-40B4-BE49-F238E27FC236}">
+                <a16:creationId xmlns:a16="http://schemas.microsoft.com/office/drawing/2014/main" id="{BB43B830-B2B7-465B-A8B8-754AC71944D3}"/>
+              </a:ext>
+            </a:extLst>
+          </p:cNvPr>
+          <p:cNvPicPr>
+            <a:picLocks noChangeAspect="1"/>
+          </p:cNvPicPr>
+          <p:nvPr/>
+        </p:nvPicPr>
+        <p:blipFill>
+          <a:blip r:embed="rId4" cstate="print">
+            <a:extLst>
+              <a:ext uri="{28A0092B-C50C-407E-A947-70E740481C1C}">
+                <a14:useLocalDpi xmlns:a14="http://schemas.microsoft.com/office/drawing/2010/main" val="0"/>
+              </a:ext>
+            </a:extLst>
+          </a:blip>
+          <a:stretch>
+            <a:fillRect/>
+          </a:stretch>
+        </p:blipFill>
+        <p:spPr>
+          <a:xfrm>
+            <a:off x="8298986" y="3223047"/>
+            <a:ext cx="3893014" cy="3551106"/>
           </a:xfrm>
           <a:prstGeom prst="rect">
             <a:avLst/>
@@ -23388,7 +25979,7 @@
         <p:spPr>
           <a:xfrm>
             <a:off x="268951" y="811420"/>
-            <a:ext cx="7343018" cy="3407792"/>
+            <a:ext cx="7343018" cy="3050772"/>
           </a:xfrm>
           <a:prstGeom prst="rect">
             <a:avLst/>
@@ -23814,61 +26405,7 @@
                 </a:solidFill>
                 <a:ea typeface="微软雅黑" panose="020B0503020204020204" pitchFamily="34" charset="-122"/>
               </a:rPr>
-              <a:t>5s/pcs(</a:t>
-            </a:r>
-            <a:r>
-              <a:rPr lang="zh-CN" altLang="en-US" sz="1400" b="1" dirty="0">
-                <a:solidFill>
-                  <a:srgbClr val="FF0000"/>
-                </a:solidFill>
-                <a:ea typeface="微软雅黑" panose="020B0503020204020204" pitchFamily="34" charset="-122"/>
-              </a:rPr>
-              <a:t>抛光</a:t>
-            </a:r>
-            <a:r>
-              <a:rPr lang="en-US" altLang="zh-CN" sz="1400" b="1" dirty="0">
-                <a:solidFill>
-                  <a:srgbClr val="FF0000"/>
-                </a:solidFill>
-                <a:ea typeface="微软雅黑" panose="020B0503020204020204" pitchFamily="34" charset="-122"/>
-              </a:rPr>
-              <a:t>AOI)</a:t>
-            </a:r>
-            <a:r>
-              <a:rPr lang="zh-CN" altLang="en-US" sz="1400" b="1" dirty="0">
-                <a:solidFill>
-                  <a:srgbClr val="FF0000"/>
-                </a:solidFill>
-                <a:ea typeface="微软雅黑" panose="020B0503020204020204" pitchFamily="34" charset="-122"/>
-              </a:rPr>
-              <a:t>，未知</a:t>
-            </a:r>
-            <a:r>
-              <a:rPr lang="en-US" altLang="zh-CN" sz="1400" b="1" dirty="0">
-                <a:solidFill>
-                  <a:srgbClr val="FF0000"/>
-                </a:solidFill>
-                <a:ea typeface="微软雅黑" panose="020B0503020204020204" pitchFamily="34" charset="-122"/>
-              </a:rPr>
-              <a:t>(</a:t>
-            </a:r>
-            <a:r>
-              <a:rPr lang="zh-CN" altLang="en-US" sz="1400" b="1" dirty="0">
-                <a:solidFill>
-                  <a:srgbClr val="FF0000"/>
-                </a:solidFill>
-                <a:ea typeface="微软雅黑" panose="020B0503020204020204" pitchFamily="34" charset="-122"/>
-              </a:rPr>
-              <a:t>毛刺</a:t>
-            </a:r>
-            <a:r>
-              <a:rPr lang="en-US" altLang="zh-CN" sz="1400" b="1" dirty="0">
-                <a:solidFill>
-                  <a:srgbClr val="FF0000"/>
-                </a:solidFill>
-                <a:ea typeface="微软雅黑" panose="020B0503020204020204" pitchFamily="34" charset="-122"/>
-              </a:rPr>
-              <a:t>)</a:t>
+              <a:t>5s/pcs</a:t>
             </a:r>
             <a:r>
               <a:rPr lang="zh-CN" altLang="en-US" sz="1400" dirty="0">
@@ -23936,60 +26473,6 @@
             <a:endParaRPr lang="en-US" altLang="zh-CN" sz="1400" dirty="0">
               <a:solidFill>
                 <a:srgbClr val="000000"/>
-              </a:solidFill>
-              <a:ea typeface="微软雅黑" panose="020B0503020204020204" pitchFamily="34" charset="-122"/>
-            </a:endParaRPr>
-          </a:p>
-          <a:p>
-            <a:pPr marL="171450" indent="-171450">
-              <a:lnSpc>
-                <a:spcPct val="130000"/>
-              </a:lnSpc>
-              <a:spcBef>
-                <a:spcPts val="600"/>
-              </a:spcBef>
-              <a:buFont typeface="Wingdings" panose="05000000000000000000" pitchFamily="2" charset="2"/>
-              <a:buChar char="Ø"/>
-            </a:pPr>
-            <a:r>
-              <a:rPr lang="zh-CN" altLang="en-US" sz="1400" dirty="0">
-                <a:solidFill>
-                  <a:srgbClr val="000000"/>
-                </a:solidFill>
-                <a:ea typeface="微软雅黑" panose="020B0503020204020204" pitchFamily="34" charset="-122"/>
-              </a:rPr>
-              <a:t>样机交机时间</a:t>
-            </a:r>
-            <a:r>
-              <a:rPr lang="en-US" altLang="zh-CN" sz="1400" dirty="0">
-                <a:solidFill>
-                  <a:srgbClr val="000000"/>
-                </a:solidFill>
-                <a:ea typeface="微软雅黑" panose="020B0503020204020204" pitchFamily="34" charset="-122"/>
-              </a:rPr>
-              <a:t>:</a:t>
-            </a:r>
-            <a:r>
-              <a:rPr lang="en-US" altLang="zh-CN" sz="1400" b="1" dirty="0">
-                <a:solidFill>
-                  <a:srgbClr val="FF0000"/>
-                </a:solidFill>
-                <a:ea typeface="微软雅黑" panose="020B0503020204020204" pitchFamily="34" charset="-122"/>
-              </a:rPr>
-              <a:t>12</a:t>
-            </a:r>
-            <a:r>
-              <a:rPr lang="zh-CN" altLang="en-US" sz="1400" b="1" dirty="0">
-                <a:solidFill>
-                  <a:srgbClr val="FF0000"/>
-                </a:solidFill>
-                <a:ea typeface="微软雅黑" panose="020B0503020204020204" pitchFamily="34" charset="-122"/>
-              </a:rPr>
-              <a:t>月底</a:t>
-            </a:r>
-            <a:endParaRPr lang="en-US" altLang="zh-CN" sz="1400" b="1" dirty="0">
-              <a:solidFill>
-                <a:srgbClr val="FF0000"/>
               </a:solidFill>
               <a:ea typeface="微软雅黑" panose="020B0503020204020204" pitchFamily="34" charset="-122"/>
             </a:endParaRPr>
@@ -24012,84 +26495,6 @@
           </a:p>
         </p:txBody>
       </p:sp>
-      <p:pic>
-        <p:nvPicPr>
-          <p:cNvPr id="5" name="图片 4">
-            <a:extLst>
-              <a:ext uri="{FF2B5EF4-FFF2-40B4-BE49-F238E27FC236}">
-                <a16:creationId xmlns:a16="http://schemas.microsoft.com/office/drawing/2014/main" id="{A62B113E-0931-497F-B9C0-EB8D0539BBDD}"/>
-              </a:ext>
-            </a:extLst>
-          </p:cNvPr>
-          <p:cNvPicPr>
-            <a:picLocks noChangeAspect="1"/>
-          </p:cNvPicPr>
-          <p:nvPr/>
-        </p:nvPicPr>
-        <p:blipFill>
-          <a:blip r:embed="rId4">
-            <a:extLst>
-              <a:ext uri="{28A0092B-C50C-407E-A947-70E740481C1C}">
-                <a14:useLocalDpi xmlns:a14="http://schemas.microsoft.com/office/drawing/2010/main" val="0"/>
-              </a:ext>
-            </a:extLst>
-          </a:blip>
-          <a:stretch>
-            <a:fillRect/>
-          </a:stretch>
-        </p:blipFill>
-        <p:spPr>
-          <a:xfrm>
-            <a:off x="8998515" y="3870642"/>
-            <a:ext cx="3041317" cy="2774210"/>
-          </a:xfrm>
-          <a:prstGeom prst="rect">
-            <a:avLst/>
-          </a:prstGeom>
-        </p:spPr>
-      </p:pic>
-      <p:cxnSp>
-        <p:nvCxnSpPr>
-          <p:cNvPr id="8" name="直接箭头连接符 7">
-            <a:extLst>
-              <a:ext uri="{FF2B5EF4-FFF2-40B4-BE49-F238E27FC236}">
-                <a16:creationId xmlns:a16="http://schemas.microsoft.com/office/drawing/2014/main" id="{F06AC824-1829-4ADB-B368-12DB4486DAC9}"/>
-              </a:ext>
-            </a:extLst>
-          </p:cNvPr>
-          <p:cNvCxnSpPr/>
-          <p:nvPr/>
-        </p:nvCxnSpPr>
-        <p:spPr>
-          <a:xfrm>
-            <a:off x="7778338" y="5628904"/>
-            <a:ext cx="1220177" cy="0"/>
-          </a:xfrm>
-          <a:prstGeom prst="straightConnector1">
-            <a:avLst/>
-          </a:prstGeom>
-          <a:ln w="76200">
-            <a:solidFill>
-              <a:srgbClr val="FF0000"/>
-            </a:solidFill>
-            <a:tailEnd type="triangle"/>
-          </a:ln>
-        </p:spPr>
-        <p:style>
-          <a:lnRef idx="1">
-            <a:schemeClr val="accent2"/>
-          </a:lnRef>
-          <a:fillRef idx="0">
-            <a:schemeClr val="accent2"/>
-          </a:fillRef>
-          <a:effectRef idx="0">
-            <a:schemeClr val="accent2"/>
-          </a:effectRef>
-          <a:fontRef idx="minor">
-            <a:schemeClr val="tx1"/>
-          </a:fontRef>
-        </p:style>
-      </p:cxnSp>
       <p:sp>
         <p:nvSpPr>
           <p:cNvPr id="9" name="文本框 8">
@@ -24104,7 +26509,7 @@
         </p:nvSpPr>
         <p:spPr>
           <a:xfrm>
-            <a:off x="9538448" y="5257747"/>
+            <a:off x="9099866" y="4998600"/>
             <a:ext cx="877163" cy="369332"/>
           </a:xfrm>
           <a:prstGeom prst="rect">
@@ -24126,6 +26531,132 @@
               </a:rPr>
               <a:t>刨面图</a:t>
             </a:r>
+          </a:p>
+        </p:txBody>
+      </p:sp>
+      <p:cxnSp>
+        <p:nvCxnSpPr>
+          <p:cNvPr id="4" name="直接箭头连接符 3">
+            <a:extLst>
+              <a:ext uri="{FF2B5EF4-FFF2-40B4-BE49-F238E27FC236}">
+                <a16:creationId xmlns:a16="http://schemas.microsoft.com/office/drawing/2014/main" id="{96315BBC-D361-4FC2-86ED-F5E7361BC8D5}"/>
+              </a:ext>
+            </a:extLst>
+          </p:cNvPr>
+          <p:cNvCxnSpPr>
+            <a:cxnSpLocks/>
+          </p:cNvCxnSpPr>
+          <p:nvPr/>
+        </p:nvCxnSpPr>
+        <p:spPr>
+          <a:xfrm>
+            <a:off x="6395085" y="5231130"/>
+            <a:ext cx="1903901" cy="53564"/>
+          </a:xfrm>
+          <a:prstGeom prst="straightConnector1">
+            <a:avLst/>
+          </a:prstGeom>
+          <a:ln w="38100">
+            <a:solidFill>
+              <a:srgbClr val="00B050"/>
+            </a:solidFill>
+            <a:tailEnd type="triangle"/>
+          </a:ln>
+        </p:spPr>
+        <p:style>
+          <a:lnRef idx="1">
+            <a:schemeClr val="accent1"/>
+          </a:lnRef>
+          <a:fillRef idx="0">
+            <a:schemeClr val="accent1"/>
+          </a:fillRef>
+          <a:effectRef idx="0">
+            <a:schemeClr val="accent1"/>
+          </a:effectRef>
+          <a:fontRef idx="minor">
+            <a:schemeClr val="tx1"/>
+          </a:fontRef>
+        </p:style>
+      </p:cxnSp>
+      <p:sp>
+        <p:nvSpPr>
+          <p:cNvPr id="15" name="任意多边形: 形状 14">
+            <a:extLst>
+              <a:ext uri="{FF2B5EF4-FFF2-40B4-BE49-F238E27FC236}">
+                <a16:creationId xmlns:a16="http://schemas.microsoft.com/office/drawing/2014/main" id="{20FD310D-3E6D-43D7-8955-B054BEC63D1D}"/>
+              </a:ext>
+            </a:extLst>
+          </p:cNvPr>
+          <p:cNvSpPr/>
+          <p:nvPr/>
+        </p:nvSpPr>
+        <p:spPr>
+          <a:xfrm>
+            <a:off x="6286500" y="5173505"/>
+            <a:ext cx="146685" cy="139540"/>
+          </a:xfrm>
+          <a:custGeom>
+            <a:avLst/>
+            <a:gdLst>
+              <a:gd name="connsiteX0" fmla="*/ 0 w 146685"/>
+              <a:gd name="connsiteY0" fmla="*/ 475 h 139540"/>
+              <a:gd name="connsiteX1" fmla="*/ 45720 w 146685"/>
+              <a:gd name="connsiteY1" fmla="*/ 21430 h 139540"/>
+              <a:gd name="connsiteX2" fmla="*/ 146685 w 146685"/>
+              <a:gd name="connsiteY2" fmla="*/ 139540 h 139540"/>
+            </a:gdLst>
+            <a:ahLst/>
+            <a:cxnLst>
+              <a:cxn ang="0">
+                <a:pos x="connsiteX0" y="connsiteY0"/>
+              </a:cxn>
+              <a:cxn ang="0">
+                <a:pos x="connsiteX1" y="connsiteY1"/>
+              </a:cxn>
+              <a:cxn ang="0">
+                <a:pos x="connsiteX2" y="connsiteY2"/>
+              </a:cxn>
+            </a:cxnLst>
+            <a:rect l="l" t="t" r="r" b="b"/>
+            <a:pathLst>
+              <a:path w="146685" h="139540">
+                <a:moveTo>
+                  <a:pt x="0" y="475"/>
+                </a:moveTo>
+                <a:cubicBezTo>
+                  <a:pt x="10636" y="-636"/>
+                  <a:pt x="21273" y="-1747"/>
+                  <a:pt x="45720" y="21430"/>
+                </a:cubicBezTo>
+                <a:cubicBezTo>
+                  <a:pt x="70167" y="44607"/>
+                  <a:pt x="108426" y="92073"/>
+                  <a:pt x="146685" y="139540"/>
+                </a:cubicBezTo>
+              </a:path>
+            </a:pathLst>
+          </a:custGeom>
+        </p:spPr>
+        <p:style>
+          <a:lnRef idx="3">
+            <a:schemeClr val="accent2"/>
+          </a:lnRef>
+          <a:fillRef idx="0">
+            <a:schemeClr val="accent2"/>
+          </a:fillRef>
+          <a:effectRef idx="2">
+            <a:schemeClr val="accent2"/>
+          </a:effectRef>
+          <a:fontRef idx="minor">
+            <a:schemeClr val="tx1"/>
+          </a:fontRef>
+        </p:style>
+        <p:txBody>
+          <a:bodyPr rtlCol="0" anchor="ctr"/>
+          <a:lstStyle/>
+          <a:p>
+            <a:pPr algn="ctr"/>
+            <a:endParaRPr lang="zh-CN" altLang="en-US"/>
           </a:p>
         </p:txBody>
       </p:sp>
@@ -25605,6 +28136,18 @@
   </p:clrMapOvr>
   <p:transition spd="med"/>
 </p:sld>
+</file>
+
+<file path=ppt/tags/tag1.xml><?xml version="1.0" encoding="utf-8"?>
+<p:tagLst xmlns:a="http://schemas.openxmlformats.org/drawingml/2006/main" xmlns:r="http://schemas.openxmlformats.org/officeDocument/2006/relationships" xmlns:p="http://schemas.openxmlformats.org/presentationml/2006/main">
+  <p:tag name="KSO_WM_UNIT_PLACING_PICTURE_USER_VIEWPORT" val="{&quot;height&quot;:5327,&quot;width&quot;:10037}"/>
+</p:tagLst>
+</file>
+
+<file path=ppt/tags/tag2.xml><?xml version="1.0" encoding="utf-8"?>
+<p:tagLst xmlns:a="http://schemas.openxmlformats.org/drawingml/2006/main" xmlns:r="http://schemas.openxmlformats.org/officeDocument/2006/relationships" xmlns:p="http://schemas.openxmlformats.org/presentationml/2006/main">
+  <p:tag name="KSO_WM_UNIT_PLACING_PICTURE_USER_VIEWPORT" val="{&quot;height&quot;:4938,&quot;width&quot;:4857}"/>
+</p:tagLst>
 </file>
 
 <file path=ppt/theme/theme1.xml><?xml version="1.0" encoding="utf-8"?>

--- a/2021/11/观澜富士康项目/样机方案/中框检测样机解决方案.pptx
+++ b/2021/11/观澜富士康项目/样机方案/中框检测样机解决方案.pptx
@@ -5,7 +5,7 @@
     <p:sldMasterId id="2147483709" r:id="rId1"/>
   </p:sldMasterIdLst>
   <p:notesMasterIdLst>
-    <p:notesMasterId r:id="rId19"/>
+    <p:notesMasterId r:id="rId20"/>
   </p:notesMasterIdLst>
   <p:sldIdLst>
     <p:sldId id="2007577816" r:id="rId2"/>
@@ -23,8 +23,9 @@
     <p:sldId id="11089254" r:id="rId14"/>
     <p:sldId id="2007577909" r:id="rId15"/>
     <p:sldId id="11089205" r:id="rId16"/>
-    <p:sldId id="2007577910" r:id="rId17"/>
-    <p:sldId id="260" r:id="rId18"/>
+    <p:sldId id="2007577911" r:id="rId17"/>
+    <p:sldId id="2007577910" r:id="rId18"/>
+    <p:sldId id="260" r:id="rId19"/>
   </p:sldIdLst>
   <p:sldSz cx="12192000" cy="6858000"/>
   <p:notesSz cx="6858000" cy="9144000"/>
@@ -1071,7 +1072,7 @@
           <a:p>
             <a:fld id="{F251C6DD-82CF-6944-B544-EC1886F8E4C3}" type="slidenum">
               <a:rPr kumimoji="1" lang="zh-CN" altLang="en-US" smtClean="0"/>
-              <a:t>16</a:t>
+              <a:t>17</a:t>
             </a:fld>
             <a:endParaRPr kumimoji="1" lang="zh-CN" altLang="en-US" dirty="0"/>
           </a:p>
@@ -4666,9 +4667,65 @@
           <a:chExt cx="0" cy="0"/>
         </a:xfrm>
       </p:grpSpPr>
+      <p:sp>
+        <p:nvSpPr>
+          <p:cNvPr id="2" name="标题 1"/>
+          <p:cNvSpPr>
+            <a:spLocks noGrp="1"/>
+          </p:cNvSpPr>
+          <p:nvPr>
+            <p:ph type="title"/>
+          </p:nvPr>
+        </p:nvSpPr>
+        <p:spPr/>
+        <p:txBody>
+          <a:bodyPr>
+            <a:normAutofit/>
+          </a:bodyPr>
+          <a:lstStyle/>
+          <a:p>
+            <a:r>
+              <a:rPr lang="zh-CN" altLang="en-US" sz="2400" spc="100" dirty="0">
+                <a:solidFill>
+                  <a:srgbClr val="043E6F"/>
+                </a:solidFill>
+                <a:cs typeface="Arial" panose="020B0604020202020204" pitchFamily="34" charset="0"/>
+                <a:sym typeface="+mn-ea"/>
+              </a:rPr>
+              <a:t>设计方案</a:t>
+            </a:r>
+            <a:r>
+              <a:rPr lang="en-US" altLang="zh-CN" sz="2400" spc="100" dirty="0">
+                <a:solidFill>
+                  <a:srgbClr val="043E6F"/>
+                </a:solidFill>
+                <a:cs typeface="Arial" panose="020B0604020202020204" pitchFamily="34" charset="0"/>
+                <a:sym typeface="+mn-ea"/>
+              </a:rPr>
+              <a:t>-</a:t>
+            </a:r>
+            <a:r>
+              <a:rPr lang="zh-CN" altLang="en-US" sz="2400" spc="100" dirty="0">
+                <a:solidFill>
+                  <a:srgbClr val="043E6F"/>
+                </a:solidFill>
+                <a:cs typeface="Arial" panose="020B0604020202020204" pitchFamily="34" charset="0"/>
+                <a:sym typeface="+mn-ea"/>
+              </a:rPr>
+              <a:t>结构布局</a:t>
+            </a:r>
+          </a:p>
+        </p:txBody>
+      </p:sp>
       <p:pic>
         <p:nvPicPr>
-          <p:cNvPr id="3" name="Picture 2"/>
+          <p:cNvPr id="44" name="Picture 3">
+            <a:extLst>
+              <a:ext uri="{FF2B5EF4-FFF2-40B4-BE49-F238E27FC236}">
+                <a16:creationId xmlns:a16="http://schemas.microsoft.com/office/drawing/2014/main" id="{6FCA5530-C1E4-4A55-88DA-D7690A3075CA}"/>
+              </a:ext>
+            </a:extLst>
+          </p:cNvPr>
           <p:cNvPicPr>
             <a:picLocks noChangeAspect="1" noChangeArrowheads="1"/>
           </p:cNvPicPr>
@@ -4689,8 +4746,8 @@
         </p:blipFill>
         <p:spPr bwMode="auto">
           <a:xfrm>
-            <a:off x="3544154" y="390670"/>
-            <a:ext cx="4635438" cy="4315968"/>
+            <a:off x="3242412" y="600552"/>
+            <a:ext cx="5729230" cy="3777971"/>
           </a:xfrm>
           <a:prstGeom prst="rect">
             <a:avLst/>
@@ -4732,64 +4789,20 @@
       </p:pic>
       <p:sp>
         <p:nvSpPr>
-          <p:cNvPr id="2" name="标题 1"/>
-          <p:cNvSpPr>
-            <a:spLocks noGrp="1"/>
-          </p:cNvSpPr>
-          <p:nvPr>
-            <p:ph type="title"/>
-          </p:nvPr>
-        </p:nvSpPr>
-        <p:spPr/>
-        <p:txBody>
-          <a:bodyPr>
-            <a:normAutofit/>
-          </a:bodyPr>
-          <a:lstStyle/>
-          <a:p>
-            <a:r>
-              <a:rPr lang="zh-CN" altLang="en-US" sz="2400" spc="100" dirty="0">
-                <a:solidFill>
-                  <a:srgbClr val="043E6F"/>
-                </a:solidFill>
-                <a:cs typeface="Arial" panose="020B0604020202020204" pitchFamily="34" charset="0"/>
-                <a:sym typeface="+mn-ea"/>
-              </a:rPr>
-              <a:t>设计方案</a:t>
-            </a:r>
-            <a:r>
-              <a:rPr lang="en-US" altLang="zh-CN" sz="2400" spc="100" dirty="0">
-                <a:solidFill>
-                  <a:srgbClr val="043E6F"/>
-                </a:solidFill>
-                <a:cs typeface="Arial" panose="020B0604020202020204" pitchFamily="34" charset="0"/>
-                <a:sym typeface="+mn-ea"/>
-              </a:rPr>
-              <a:t>-</a:t>
-            </a:r>
-            <a:r>
-              <a:rPr lang="zh-CN" altLang="en-US" sz="2400" spc="100" dirty="0">
-                <a:solidFill>
-                  <a:srgbClr val="043E6F"/>
-                </a:solidFill>
-                <a:cs typeface="Arial" panose="020B0604020202020204" pitchFamily="34" charset="0"/>
-                <a:sym typeface="+mn-ea"/>
-              </a:rPr>
-              <a:t>结构布局</a:t>
-            </a:r>
-          </a:p>
-        </p:txBody>
-      </p:sp>
-      <p:sp>
-        <p:nvSpPr>
-          <p:cNvPr id="6" name="圆角矩形 5"/>
+          <p:cNvPr id="46" name="圆角矩形 5">
+            <a:extLst>
+              <a:ext uri="{FF2B5EF4-FFF2-40B4-BE49-F238E27FC236}">
+                <a16:creationId xmlns:a16="http://schemas.microsoft.com/office/drawing/2014/main" id="{97099D46-E040-44DA-869D-156DEB0E1E4C}"/>
+              </a:ext>
+            </a:extLst>
+          </p:cNvPr>
           <p:cNvSpPr/>
           <p:nvPr/>
         </p:nvSpPr>
         <p:spPr>
           <a:xfrm>
-            <a:off x="338328" y="4743587"/>
-            <a:ext cx="1600200" cy="610871"/>
+            <a:off x="338328" y="4760449"/>
+            <a:ext cx="1600200" cy="772951"/>
           </a:xfrm>
           <a:prstGeom prst="roundRect">
             <a:avLst/>
@@ -4867,13 +4880,565 @@
       </p:sp>
       <p:sp>
         <p:nvSpPr>
-          <p:cNvPr id="21" name="右箭头 20"/>
+          <p:cNvPr id="47" name="右箭头 20">
+            <a:extLst>
+              <a:ext uri="{FF2B5EF4-FFF2-40B4-BE49-F238E27FC236}">
+                <a16:creationId xmlns:a16="http://schemas.microsoft.com/office/drawing/2014/main" id="{F1320B40-5856-4803-8B80-C238F2D237ED}"/>
+              </a:ext>
+            </a:extLst>
+          </p:cNvPr>
           <p:cNvSpPr/>
           <p:nvPr/>
         </p:nvSpPr>
         <p:spPr>
           <a:xfrm>
-            <a:off x="1938528" y="4976288"/>
+            <a:off x="1938528" y="5069568"/>
+            <a:ext cx="613376" cy="187654"/>
+          </a:xfrm>
+          <a:prstGeom prst="rightArrow">
+            <a:avLst/>
+          </a:prstGeom>
+        </p:spPr>
+        <p:style>
+          <a:lnRef idx="2">
+            <a:schemeClr val="accent1">
+              <a:shade val="50000"/>
+            </a:schemeClr>
+          </a:lnRef>
+          <a:fillRef idx="1">
+            <a:schemeClr val="accent1"/>
+          </a:fillRef>
+          <a:effectRef idx="0">
+            <a:schemeClr val="accent1"/>
+          </a:effectRef>
+          <a:fontRef idx="minor">
+            <a:schemeClr val="lt1"/>
+          </a:fontRef>
+        </p:style>
+        <p:txBody>
+          <a:bodyPr rtlCol="0" anchor="ctr"/>
+          <a:lstStyle/>
+          <a:p>
+            <a:pPr algn="ctr"/>
+            <a:endParaRPr lang="zh-CN" altLang="en-US"/>
+          </a:p>
+        </p:txBody>
+      </p:sp>
+      <p:sp>
+        <p:nvSpPr>
+          <p:cNvPr id="48" name="矩形 47">
+            <a:extLst>
+              <a:ext uri="{FF2B5EF4-FFF2-40B4-BE49-F238E27FC236}">
+                <a16:creationId xmlns:a16="http://schemas.microsoft.com/office/drawing/2014/main" id="{A8DE7E99-35F3-46A8-A719-A4268C65BF3D}"/>
+              </a:ext>
+            </a:extLst>
+          </p:cNvPr>
+          <p:cNvSpPr/>
+          <p:nvPr/>
+        </p:nvSpPr>
+        <p:spPr>
+          <a:xfrm>
+            <a:off x="4759416" y="3800518"/>
+            <a:ext cx="333756" cy="173736"/>
+          </a:xfrm>
+          <a:prstGeom prst="rect">
+            <a:avLst/>
+          </a:prstGeom>
+          <a:solidFill>
+            <a:schemeClr val="accent5"/>
+          </a:solidFill>
+        </p:spPr>
+        <p:style>
+          <a:lnRef idx="2">
+            <a:schemeClr val="accent1">
+              <a:shade val="50000"/>
+            </a:schemeClr>
+          </a:lnRef>
+          <a:fillRef idx="1">
+            <a:schemeClr val="accent1"/>
+          </a:fillRef>
+          <a:effectRef idx="0">
+            <a:schemeClr val="accent1"/>
+          </a:effectRef>
+          <a:fontRef idx="minor">
+            <a:schemeClr val="lt1"/>
+          </a:fontRef>
+        </p:style>
+        <p:txBody>
+          <a:bodyPr rtlCol="0" anchor="ctr"/>
+          <a:lstStyle/>
+          <a:p>
+            <a:pPr algn="ctr"/>
+            <a:r>
+              <a:rPr lang="en-US" altLang="zh-CN" sz="900" dirty="0"/>
+              <a:t>P1</a:t>
+            </a:r>
+            <a:endParaRPr lang="zh-CN" altLang="en-US" sz="900" dirty="0"/>
+          </a:p>
+        </p:txBody>
+      </p:sp>
+      <p:sp>
+        <p:nvSpPr>
+          <p:cNvPr id="57" name="圆角矩形 70">
+            <a:extLst>
+              <a:ext uri="{FF2B5EF4-FFF2-40B4-BE49-F238E27FC236}">
+                <a16:creationId xmlns:a16="http://schemas.microsoft.com/office/drawing/2014/main" id="{88162C7D-FCD6-4315-B117-2591DDAD3C8C}"/>
+              </a:ext>
+            </a:extLst>
+          </p:cNvPr>
+          <p:cNvSpPr/>
+          <p:nvPr/>
+        </p:nvSpPr>
+        <p:spPr>
+          <a:xfrm>
+            <a:off x="8350818" y="4721569"/>
+            <a:ext cx="3675696" cy="772951"/>
+          </a:xfrm>
+          <a:prstGeom prst="roundRect">
+            <a:avLst/>
+          </a:prstGeom>
+          <a:noFill/>
+          <a:ln w="19050">
+            <a:solidFill>
+              <a:srgbClr val="002060"/>
+            </a:solidFill>
+          </a:ln>
+        </p:spPr>
+        <p:style>
+          <a:lnRef idx="2">
+            <a:schemeClr val="accent1">
+              <a:shade val="50000"/>
+            </a:schemeClr>
+          </a:lnRef>
+          <a:fillRef idx="1">
+            <a:schemeClr val="accent1"/>
+          </a:fillRef>
+          <a:effectRef idx="0">
+            <a:schemeClr val="accent1"/>
+          </a:effectRef>
+          <a:fontRef idx="minor">
+            <a:schemeClr val="lt1"/>
+          </a:fontRef>
+        </p:style>
+        <p:txBody>
+          <a:bodyPr rtlCol="0" anchor="ctr"/>
+          <a:lstStyle/>
+          <a:p>
+            <a:pPr algn="ctr"/>
+            <a:r>
+              <a:rPr lang="zh-CN" altLang="en-US" sz="1200" dirty="0">
+                <a:solidFill>
+                  <a:schemeClr val="tx1"/>
+                </a:solidFill>
+              </a:rPr>
+              <a:t>（</a:t>
+            </a:r>
+            <a:r>
+              <a:rPr lang="en-US" altLang="zh-CN" sz="1200" dirty="0">
+                <a:solidFill>
+                  <a:schemeClr val="tx1"/>
+                </a:solidFill>
+              </a:rPr>
+              <a:t>F2</a:t>
+            </a:r>
+            <a:r>
+              <a:rPr lang="zh-CN" altLang="en-US" sz="1200" dirty="0">
+                <a:solidFill>
+                  <a:schemeClr val="tx1"/>
+                </a:solidFill>
+              </a:rPr>
+              <a:t>）线扫相机和面阵相机检测中框正面和一周圆弧面，同时（</a:t>
+            </a:r>
+            <a:r>
+              <a:rPr lang="en-US" altLang="zh-CN" sz="1200" dirty="0">
+                <a:solidFill>
+                  <a:schemeClr val="tx1"/>
+                </a:solidFill>
+              </a:rPr>
+              <a:t>P4</a:t>
+            </a:r>
+            <a:r>
+              <a:rPr lang="zh-CN" altLang="en-US" sz="1200" dirty="0">
+                <a:solidFill>
+                  <a:schemeClr val="tx1"/>
+                </a:solidFill>
+              </a:rPr>
+              <a:t>）夹取（</a:t>
+            </a:r>
+            <a:r>
+              <a:rPr lang="en-US" altLang="zh-CN" sz="1200" dirty="0">
+                <a:solidFill>
+                  <a:schemeClr val="tx1"/>
+                </a:solidFill>
+              </a:rPr>
+              <a:t>P3</a:t>
+            </a:r>
+            <a:r>
+              <a:rPr lang="zh-CN" altLang="en-US" sz="1200" dirty="0">
+                <a:solidFill>
+                  <a:schemeClr val="tx1"/>
+                </a:solidFill>
+              </a:rPr>
+              <a:t>）中框翻面再放在（</a:t>
+            </a:r>
+            <a:r>
+              <a:rPr lang="en-US" altLang="zh-CN" sz="1200" dirty="0">
+                <a:solidFill>
+                  <a:schemeClr val="tx1"/>
+                </a:solidFill>
+              </a:rPr>
+              <a:t>P3</a:t>
+            </a:r>
+            <a:r>
+              <a:rPr lang="zh-CN" altLang="en-US" sz="1200" dirty="0">
+                <a:solidFill>
+                  <a:schemeClr val="tx1"/>
+                </a:solidFill>
+              </a:rPr>
+              <a:t>）位，（</a:t>
+            </a:r>
+            <a:r>
+              <a:rPr lang="en-US" altLang="zh-CN" sz="1200" dirty="0">
+                <a:solidFill>
+                  <a:schemeClr val="tx1"/>
+                </a:solidFill>
+              </a:rPr>
+              <a:t>P3</a:t>
+            </a:r>
+            <a:r>
+              <a:rPr lang="zh-CN" altLang="en-US" sz="1200" dirty="0">
+                <a:solidFill>
+                  <a:schemeClr val="tx1"/>
+                </a:solidFill>
+              </a:rPr>
+              <a:t>）移动到（</a:t>
+            </a:r>
+            <a:r>
+              <a:rPr lang="en-US" altLang="zh-CN" sz="1200" dirty="0">
+                <a:solidFill>
+                  <a:schemeClr val="tx1"/>
+                </a:solidFill>
+              </a:rPr>
+              <a:t>P2</a:t>
+            </a:r>
+            <a:r>
+              <a:rPr lang="zh-CN" altLang="en-US" sz="1200" dirty="0">
+                <a:solidFill>
+                  <a:schemeClr val="tx1"/>
+                </a:solidFill>
+              </a:rPr>
+              <a:t>）</a:t>
+            </a:r>
+          </a:p>
+        </p:txBody>
+      </p:sp>
+      <p:sp>
+        <p:nvSpPr>
+          <p:cNvPr id="58" name="圆角矩形 72">
+            <a:extLst>
+              <a:ext uri="{FF2B5EF4-FFF2-40B4-BE49-F238E27FC236}">
+                <a16:creationId xmlns:a16="http://schemas.microsoft.com/office/drawing/2014/main" id="{0343BA1D-FF57-407D-ADC5-0549E593F0E7}"/>
+              </a:ext>
+            </a:extLst>
+          </p:cNvPr>
+          <p:cNvSpPr/>
+          <p:nvPr/>
+        </p:nvSpPr>
+        <p:spPr>
+          <a:xfrm>
+            <a:off x="2567782" y="4760449"/>
+            <a:ext cx="1972033" cy="768655"/>
+          </a:xfrm>
+          <a:prstGeom prst="roundRect">
+            <a:avLst/>
+          </a:prstGeom>
+          <a:noFill/>
+          <a:ln w="19050">
+            <a:solidFill>
+              <a:srgbClr val="002060"/>
+            </a:solidFill>
+          </a:ln>
+        </p:spPr>
+        <p:style>
+          <a:lnRef idx="2">
+            <a:schemeClr val="accent1">
+              <a:shade val="50000"/>
+            </a:schemeClr>
+          </a:lnRef>
+          <a:fillRef idx="1">
+            <a:schemeClr val="accent1"/>
+          </a:fillRef>
+          <a:effectRef idx="0">
+            <a:schemeClr val="accent1"/>
+          </a:effectRef>
+          <a:fontRef idx="minor">
+            <a:schemeClr val="lt1"/>
+          </a:fontRef>
+        </p:style>
+        <p:txBody>
+          <a:bodyPr rtlCol="0" anchor="ctr"/>
+          <a:lstStyle/>
+          <a:p>
+            <a:pPr algn="ctr"/>
+            <a:r>
+              <a:rPr lang="zh-CN" altLang="en-US" sz="1200" dirty="0">
+                <a:solidFill>
+                  <a:schemeClr val="tx1"/>
+                </a:solidFill>
+              </a:rPr>
+              <a:t>（</a:t>
+            </a:r>
+            <a:r>
+              <a:rPr lang="en-US" altLang="zh-CN" sz="1200" dirty="0">
+                <a:solidFill>
+                  <a:schemeClr val="tx1"/>
+                </a:solidFill>
+              </a:rPr>
+              <a:t>P1</a:t>
+            </a:r>
+            <a:r>
+              <a:rPr lang="zh-CN" altLang="en-US" sz="1200" dirty="0">
+                <a:solidFill>
+                  <a:schemeClr val="tx1"/>
+                </a:solidFill>
+              </a:rPr>
+              <a:t>）到（</a:t>
+            </a:r>
+            <a:r>
+              <a:rPr lang="en-US" altLang="zh-CN" sz="1200" dirty="0">
+                <a:solidFill>
+                  <a:schemeClr val="tx1"/>
+                </a:solidFill>
+              </a:rPr>
+              <a:t>P2</a:t>
+            </a:r>
+            <a:r>
+              <a:rPr lang="zh-CN" altLang="en-US" sz="1200" dirty="0">
+                <a:solidFill>
+                  <a:schemeClr val="tx1"/>
+                </a:solidFill>
+              </a:rPr>
+              <a:t>）线扫相机和面阵相机检测中框正面和一周圆弧面</a:t>
+            </a:r>
+          </a:p>
+        </p:txBody>
+      </p:sp>
+      <p:sp>
+        <p:nvSpPr>
+          <p:cNvPr id="59" name="右箭头 73">
+            <a:extLst>
+              <a:ext uri="{FF2B5EF4-FFF2-40B4-BE49-F238E27FC236}">
+                <a16:creationId xmlns:a16="http://schemas.microsoft.com/office/drawing/2014/main" id="{ECC3633C-A39E-45AB-81C8-C912747AEE62}"/>
+              </a:ext>
+            </a:extLst>
+          </p:cNvPr>
+          <p:cNvSpPr/>
+          <p:nvPr/>
+        </p:nvSpPr>
+        <p:spPr>
+          <a:xfrm>
+            <a:off x="4555693" y="5069568"/>
+            <a:ext cx="553622" cy="210312"/>
+          </a:xfrm>
+          <a:prstGeom prst="rightArrow">
+            <a:avLst/>
+          </a:prstGeom>
+        </p:spPr>
+        <p:style>
+          <a:lnRef idx="2">
+            <a:schemeClr val="accent1">
+              <a:shade val="50000"/>
+            </a:schemeClr>
+          </a:lnRef>
+          <a:fillRef idx="1">
+            <a:schemeClr val="accent1"/>
+          </a:fillRef>
+          <a:effectRef idx="0">
+            <a:schemeClr val="accent1"/>
+          </a:effectRef>
+          <a:fontRef idx="minor">
+            <a:schemeClr val="lt1"/>
+          </a:fontRef>
+        </p:style>
+        <p:txBody>
+          <a:bodyPr rtlCol="0" anchor="ctr"/>
+          <a:lstStyle/>
+          <a:p>
+            <a:pPr algn="ctr"/>
+            <a:endParaRPr lang="zh-CN" altLang="en-US"/>
+          </a:p>
+        </p:txBody>
+      </p:sp>
+      <p:sp>
+        <p:nvSpPr>
+          <p:cNvPr id="60" name="圆角矩形 75">
+            <a:extLst>
+              <a:ext uri="{FF2B5EF4-FFF2-40B4-BE49-F238E27FC236}">
+                <a16:creationId xmlns:a16="http://schemas.microsoft.com/office/drawing/2014/main" id="{291116C6-4C2F-42AF-9B6F-D0272A0953C1}"/>
+              </a:ext>
+            </a:extLst>
+          </p:cNvPr>
+          <p:cNvSpPr/>
+          <p:nvPr/>
+        </p:nvSpPr>
+        <p:spPr>
+          <a:xfrm>
+            <a:off x="5125193" y="4760449"/>
+            <a:ext cx="2807406" cy="772951"/>
+          </a:xfrm>
+          <a:prstGeom prst="roundRect">
+            <a:avLst/>
+          </a:prstGeom>
+          <a:noFill/>
+          <a:ln w="19050">
+            <a:solidFill>
+              <a:srgbClr val="002060"/>
+            </a:solidFill>
+          </a:ln>
+        </p:spPr>
+        <p:style>
+          <a:lnRef idx="2">
+            <a:schemeClr val="accent1">
+              <a:shade val="50000"/>
+            </a:schemeClr>
+          </a:lnRef>
+          <a:fillRef idx="1">
+            <a:schemeClr val="accent1"/>
+          </a:fillRef>
+          <a:effectRef idx="0">
+            <a:schemeClr val="accent1"/>
+          </a:effectRef>
+          <a:fontRef idx="minor">
+            <a:schemeClr val="lt1"/>
+          </a:fontRef>
+        </p:style>
+        <p:txBody>
+          <a:bodyPr rtlCol="0" anchor="ctr"/>
+          <a:lstStyle/>
+          <a:p>
+            <a:pPr algn="ctr"/>
+            <a:r>
+              <a:rPr lang="zh-CN" altLang="en-US" sz="1200" dirty="0">
+                <a:solidFill>
+                  <a:schemeClr val="tx1"/>
+                </a:solidFill>
+              </a:rPr>
+              <a:t>检测完（</a:t>
+            </a:r>
+            <a:r>
+              <a:rPr lang="en-US" altLang="zh-CN" sz="1200" dirty="0">
+                <a:solidFill>
+                  <a:schemeClr val="tx1"/>
+                </a:solidFill>
+              </a:rPr>
+              <a:t>P2</a:t>
+            </a:r>
+            <a:r>
+              <a:rPr lang="zh-CN" altLang="en-US" sz="1200" dirty="0">
+                <a:solidFill>
+                  <a:schemeClr val="tx1"/>
+                </a:solidFill>
+              </a:rPr>
+              <a:t>）到（</a:t>
+            </a:r>
+            <a:r>
+              <a:rPr lang="en-US" altLang="zh-CN" sz="1200" dirty="0">
+                <a:solidFill>
+                  <a:schemeClr val="tx1"/>
+                </a:solidFill>
+              </a:rPr>
+              <a:t>P3</a:t>
+            </a:r>
+            <a:r>
+              <a:rPr lang="zh-CN" altLang="en-US" sz="1200" dirty="0">
+                <a:solidFill>
+                  <a:schemeClr val="tx1"/>
+                </a:solidFill>
+              </a:rPr>
+              <a:t>），同时相机模组（</a:t>
+            </a:r>
+            <a:r>
+              <a:rPr lang="en-US" altLang="zh-CN" sz="1200" dirty="0">
+                <a:solidFill>
+                  <a:schemeClr val="tx1"/>
+                </a:solidFill>
+              </a:rPr>
+              <a:t>P2</a:t>
+            </a:r>
+            <a:r>
+              <a:rPr lang="zh-CN" altLang="en-US" sz="1200" dirty="0">
+                <a:solidFill>
+                  <a:schemeClr val="tx1"/>
+                </a:solidFill>
+              </a:rPr>
+              <a:t>）位移动到（</a:t>
+            </a:r>
+            <a:r>
+              <a:rPr lang="en-US" altLang="zh-CN" sz="1200" dirty="0">
+                <a:solidFill>
+                  <a:schemeClr val="tx1"/>
+                </a:solidFill>
+              </a:rPr>
+              <a:t>F2</a:t>
+            </a:r>
+            <a:r>
+              <a:rPr lang="zh-CN" altLang="en-US" sz="1200" dirty="0">
+                <a:solidFill>
+                  <a:schemeClr val="tx1"/>
+                </a:solidFill>
+              </a:rPr>
+              <a:t>）</a:t>
+            </a:r>
+            <a:r>
+              <a:rPr lang="en-US" altLang="zh-CN" sz="1200" dirty="0">
+                <a:solidFill>
+                  <a:schemeClr val="tx1"/>
+                </a:solidFill>
+              </a:rPr>
+              <a:t>,</a:t>
+            </a:r>
+            <a:r>
+              <a:rPr lang="zh-CN" altLang="en-US" sz="1200" dirty="0">
+                <a:solidFill>
+                  <a:schemeClr val="tx1"/>
+                </a:solidFill>
+              </a:rPr>
+              <a:t>检测（</a:t>
+            </a:r>
+            <a:r>
+              <a:rPr lang="en-US" altLang="zh-CN" sz="1200" dirty="0">
+                <a:solidFill>
+                  <a:schemeClr val="tx1"/>
+                </a:solidFill>
+              </a:rPr>
+              <a:t>F1</a:t>
+            </a:r>
+            <a:r>
+              <a:rPr lang="zh-CN" altLang="en-US" sz="1200" dirty="0">
+                <a:solidFill>
+                  <a:schemeClr val="tx1"/>
+                </a:solidFill>
+              </a:rPr>
+              <a:t>）来料中框</a:t>
+            </a:r>
+          </a:p>
+        </p:txBody>
+      </p:sp>
+      <p:sp>
+        <p:nvSpPr>
+          <p:cNvPr id="61" name="右箭头 76">
+            <a:extLst>
+              <a:ext uri="{FF2B5EF4-FFF2-40B4-BE49-F238E27FC236}">
+                <a16:creationId xmlns:a16="http://schemas.microsoft.com/office/drawing/2014/main" id="{EA2C3C1B-5E6A-4844-9B61-6954FD6EF9C5}"/>
+              </a:ext>
+            </a:extLst>
+          </p:cNvPr>
+          <p:cNvSpPr/>
+          <p:nvPr/>
+        </p:nvSpPr>
+        <p:spPr>
+          <a:xfrm>
+            <a:off x="7932599" y="5069568"/>
             <a:ext cx="417640" cy="210312"/>
           </a:xfrm>
           <a:prstGeom prst="rightArrow">
@@ -4907,16 +5472,22 @@
       </p:sp>
       <p:sp>
         <p:nvSpPr>
-          <p:cNvPr id="56" name="矩形 55"/>
+          <p:cNvPr id="62" name="下箭头 44">
+            <a:extLst>
+              <a:ext uri="{FF2B5EF4-FFF2-40B4-BE49-F238E27FC236}">
+                <a16:creationId xmlns:a16="http://schemas.microsoft.com/office/drawing/2014/main" id="{017AB028-42A1-4086-BEFE-AC716B86FADC}"/>
+              </a:ext>
+            </a:extLst>
+          </p:cNvPr>
           <p:cNvSpPr/>
           <p:nvPr/>
         </p:nvSpPr>
         <p:spPr>
           <a:xfrm>
-            <a:off x="4894145" y="3974254"/>
-            <a:ext cx="333756" cy="173736"/>
+            <a:off x="10056492" y="5487267"/>
+            <a:ext cx="205108" cy="319446"/>
           </a:xfrm>
-          <a:prstGeom prst="rect">
+          <a:prstGeom prst="downArrow">
             <a:avLst/>
           </a:prstGeom>
         </p:spPr>
@@ -4941,24 +5512,26 @@
           <a:lstStyle/>
           <a:p>
             <a:pPr algn="ctr"/>
-            <a:r>
-              <a:rPr lang="en-US" altLang="zh-CN" sz="1050" dirty="0"/>
-              <a:t>P1</a:t>
-            </a:r>
-            <a:endParaRPr lang="zh-CN" altLang="en-US" sz="1050" dirty="0"/>
+            <a:endParaRPr lang="zh-CN" altLang="en-US"/>
           </a:p>
         </p:txBody>
       </p:sp>
       <p:sp>
         <p:nvSpPr>
-          <p:cNvPr id="71" name="圆角矩形 70"/>
+          <p:cNvPr id="63" name="圆角矩形 87">
+            <a:extLst>
+              <a:ext uri="{FF2B5EF4-FFF2-40B4-BE49-F238E27FC236}">
+                <a16:creationId xmlns:a16="http://schemas.microsoft.com/office/drawing/2014/main" id="{18FA35F0-B794-4A17-AFC4-BBF181CB7BD9}"/>
+              </a:ext>
+            </a:extLst>
+          </p:cNvPr>
           <p:cNvSpPr/>
           <p:nvPr/>
         </p:nvSpPr>
         <p:spPr>
           <a:xfrm>
-            <a:off x="8350818" y="4743588"/>
-            <a:ext cx="3675696" cy="668048"/>
+            <a:off x="8350239" y="5843292"/>
+            <a:ext cx="3682153" cy="766879"/>
           </a:xfrm>
           <a:prstGeom prst="roundRect">
             <a:avLst/>
@@ -5005,6 +5578,38 @@
                   <a:schemeClr val="tx1"/>
                 </a:solidFill>
               </a:rPr>
+              <a:t>F2)</a:t>
+            </a:r>
+            <a:r>
+              <a:rPr lang="zh-CN" altLang="en-US" sz="1200" dirty="0">
+                <a:solidFill>
+                  <a:schemeClr val="tx1"/>
+                </a:solidFill>
+              </a:rPr>
+              <a:t>检测完成相机模组移动到（</a:t>
+            </a:r>
+            <a:r>
+              <a:rPr lang="en-US" altLang="zh-CN" sz="1200" dirty="0">
+                <a:solidFill>
+                  <a:schemeClr val="tx1"/>
+                </a:solidFill>
+              </a:rPr>
+              <a:t>P2</a:t>
+            </a:r>
+            <a:r>
+              <a:rPr lang="zh-CN" altLang="en-US" sz="1200" dirty="0">
+                <a:solidFill>
+                  <a:schemeClr val="tx1"/>
+                </a:solidFill>
+              </a:rPr>
+              <a:t>）检测中框反面，同时（</a:t>
+            </a:r>
+            <a:r>
+              <a:rPr lang="en-US" altLang="zh-CN" sz="1200" dirty="0">
+                <a:solidFill>
+                  <a:schemeClr val="tx1"/>
+                </a:solidFill>
+              </a:rPr>
               <a:t>F2</a:t>
             </a:r>
             <a:r>
@@ -5013,7 +5618,7 @@
                   <a:schemeClr val="tx1"/>
                 </a:solidFill>
               </a:rPr>
-              <a:t>）线扫相机和面阵相机检测中框正面和一周圆弧面，同时（</a:t>
+              <a:t>）中框移动到（</a:t>
             </a:r>
             <a:r>
               <a:rPr lang="en-US" altLang="zh-CN" sz="1200" dirty="0">
@@ -5021,7 +5626,7 @@
                   <a:schemeClr val="tx1"/>
                 </a:solidFill>
               </a:rPr>
-              <a:t>P4</a:t>
+              <a:t>F3</a:t>
             </a:r>
             <a:r>
               <a:rPr lang="zh-CN" altLang="en-US" sz="1200" dirty="0">
@@ -5029,6 +5634,22 @@
                   <a:schemeClr val="tx1"/>
                 </a:solidFill>
               </a:rPr>
+              <a:t>），（</a:t>
+            </a:r>
+            <a:r>
+              <a:rPr lang="en-US" altLang="zh-CN" sz="1200" dirty="0">
+                <a:solidFill>
+                  <a:schemeClr val="tx1"/>
+                </a:solidFill>
+              </a:rPr>
+              <a:t>F4</a:t>
+            </a:r>
+            <a:r>
+              <a:rPr lang="zh-CN" altLang="en-US" sz="1200" dirty="0">
+                <a:solidFill>
+                  <a:schemeClr val="tx1"/>
+                </a:solidFill>
+              </a:rPr>
               <a:t>）夹取（</a:t>
             </a:r>
             <a:r>
@@ -5037,7 +5658,7 @@
                   <a:schemeClr val="tx1"/>
                 </a:solidFill>
               </a:rPr>
-              <a:t>P3</a:t>
+              <a:t>F3</a:t>
             </a:r>
             <a:r>
               <a:rPr lang="zh-CN" altLang="en-US" sz="1200" dirty="0">
@@ -5045,7 +5666,7 @@
                   <a:schemeClr val="tx1"/>
                 </a:solidFill>
               </a:rPr>
-              <a:t>）中框翻面再放在（</a:t>
+              <a:t>）物料翻转</a:t>
             </a:r>
             <a:r>
               <a:rPr lang="en-US" altLang="zh-CN" sz="1200" dirty="0">
@@ -5053,7 +5674,7 @@
                   <a:schemeClr val="tx1"/>
                 </a:solidFill>
               </a:rPr>
-              <a:t>P3</a:t>
+              <a:t>180°</a:t>
             </a:r>
             <a:r>
               <a:rPr lang="zh-CN" altLang="en-US" sz="1200" dirty="0">
@@ -5061,7 +5682,7 @@
                   <a:schemeClr val="tx1"/>
                 </a:solidFill>
               </a:rPr>
-              <a:t>）位，（</a:t>
+              <a:t>，放回（</a:t>
             </a:r>
             <a:r>
               <a:rPr lang="en-US" altLang="zh-CN" sz="1200" dirty="0">
@@ -5069,23 +5690,7 @@
                   <a:schemeClr val="tx1"/>
                 </a:solidFill>
               </a:rPr>
-              <a:t>P3</a:t>
-            </a:r>
-            <a:r>
-              <a:rPr lang="zh-CN" altLang="en-US" sz="1200" dirty="0">
-                <a:solidFill>
-                  <a:schemeClr val="tx1"/>
-                </a:solidFill>
-              </a:rPr>
-              <a:t>）移动到（</a:t>
-            </a:r>
-            <a:r>
-              <a:rPr lang="en-US" altLang="zh-CN" sz="1200" dirty="0">
-                <a:solidFill>
-                  <a:schemeClr val="tx1"/>
-                </a:solidFill>
-              </a:rPr>
-              <a:t>P2</a:t>
+              <a:t>F3</a:t>
             </a:r>
             <a:r>
               <a:rPr lang="zh-CN" altLang="en-US" sz="1200" dirty="0">
@@ -5100,99 +5705,20 @@
       </p:sp>
       <p:sp>
         <p:nvSpPr>
-          <p:cNvPr id="73" name="圆角矩形 72"/>
+          <p:cNvPr id="64" name="右箭头 88">
+            <a:extLst>
+              <a:ext uri="{FF2B5EF4-FFF2-40B4-BE49-F238E27FC236}">
+                <a16:creationId xmlns:a16="http://schemas.microsoft.com/office/drawing/2014/main" id="{6EB43C00-1BAC-45E5-A803-60AC685AFAD1}"/>
+              </a:ext>
+            </a:extLst>
+          </p:cNvPr>
           <p:cNvSpPr/>
           <p:nvPr/>
         </p:nvSpPr>
         <p:spPr>
-          <a:xfrm>
-            <a:off x="2347800" y="4743587"/>
-            <a:ext cx="2361360" cy="664683"/>
-          </a:xfrm>
-          <a:prstGeom prst="roundRect">
-            <a:avLst/>
-          </a:prstGeom>
-          <a:noFill/>
-          <a:ln w="19050">
-            <a:solidFill>
-              <a:srgbClr val="002060"/>
-            </a:solidFill>
-          </a:ln>
-        </p:spPr>
-        <p:style>
-          <a:lnRef idx="2">
-            <a:schemeClr val="accent1">
-              <a:shade val="50000"/>
-            </a:schemeClr>
-          </a:lnRef>
-          <a:fillRef idx="1">
-            <a:schemeClr val="accent1"/>
-          </a:fillRef>
-          <a:effectRef idx="0">
-            <a:schemeClr val="accent1"/>
-          </a:effectRef>
-          <a:fontRef idx="minor">
-            <a:schemeClr val="lt1"/>
-          </a:fontRef>
-        </p:style>
-        <p:txBody>
-          <a:bodyPr rtlCol="0" anchor="ctr"/>
-          <a:lstStyle/>
-          <a:p>
-            <a:pPr algn="ctr"/>
-            <a:r>
-              <a:rPr lang="zh-CN" altLang="en-US" sz="1200" dirty="0">
-                <a:solidFill>
-                  <a:schemeClr val="tx1"/>
-                </a:solidFill>
-              </a:rPr>
-              <a:t>（</a:t>
-            </a:r>
-            <a:r>
-              <a:rPr lang="en-US" altLang="zh-CN" sz="1200" dirty="0">
-                <a:solidFill>
-                  <a:schemeClr val="tx1"/>
-                </a:solidFill>
-              </a:rPr>
-              <a:t>P1</a:t>
-            </a:r>
-            <a:r>
-              <a:rPr lang="zh-CN" altLang="en-US" sz="1200" dirty="0">
-                <a:solidFill>
-                  <a:schemeClr val="tx1"/>
-                </a:solidFill>
-              </a:rPr>
-              <a:t>）到（</a:t>
-            </a:r>
-            <a:r>
-              <a:rPr lang="en-US" altLang="zh-CN" sz="1200" dirty="0">
-                <a:solidFill>
-                  <a:schemeClr val="tx1"/>
-                </a:solidFill>
-              </a:rPr>
-              <a:t>P2</a:t>
-            </a:r>
-            <a:r>
-              <a:rPr lang="zh-CN" altLang="en-US" sz="1200" dirty="0">
-                <a:solidFill>
-                  <a:schemeClr val="tx1"/>
-                </a:solidFill>
-              </a:rPr>
-              <a:t>）线扫相机和面阵相机检测中框正面和一周圆弧面</a:t>
-            </a:r>
-          </a:p>
-        </p:txBody>
-      </p:sp>
-      <p:sp>
-        <p:nvSpPr>
-          <p:cNvPr id="74" name="右箭头 73"/>
-          <p:cNvSpPr/>
-          <p:nvPr/>
-        </p:nvSpPr>
-        <p:spPr>
-          <a:xfrm>
-            <a:off x="4691675" y="4976288"/>
-            <a:ext cx="417640" cy="210312"/>
+          <a:xfrm rot="10800000">
+            <a:off x="7897679" y="6085151"/>
+            <a:ext cx="417640" cy="218746"/>
           </a:xfrm>
           <a:prstGeom prst="rightArrow">
             <a:avLst/>
@@ -5225,457 +5751,13 @@
       </p:sp>
       <p:sp>
         <p:nvSpPr>
-          <p:cNvPr id="76" name="圆角矩形 75"/>
-          <p:cNvSpPr/>
-          <p:nvPr/>
-        </p:nvSpPr>
-        <p:spPr>
-          <a:xfrm>
-            <a:off x="5125193" y="4743587"/>
-            <a:ext cx="2807406" cy="661440"/>
-          </a:xfrm>
-          <a:prstGeom prst="roundRect">
-            <a:avLst/>
-          </a:prstGeom>
-          <a:noFill/>
-          <a:ln w="19050">
-            <a:solidFill>
-              <a:srgbClr val="002060"/>
-            </a:solidFill>
-          </a:ln>
-        </p:spPr>
-        <p:style>
-          <a:lnRef idx="2">
-            <a:schemeClr val="accent1">
-              <a:shade val="50000"/>
-            </a:schemeClr>
-          </a:lnRef>
-          <a:fillRef idx="1">
-            <a:schemeClr val="accent1"/>
-          </a:fillRef>
-          <a:effectRef idx="0">
-            <a:schemeClr val="accent1"/>
-          </a:effectRef>
-          <a:fontRef idx="minor">
-            <a:schemeClr val="lt1"/>
-          </a:fontRef>
-        </p:style>
-        <p:txBody>
-          <a:bodyPr rtlCol="0" anchor="ctr"/>
-          <a:lstStyle/>
-          <a:p>
-            <a:pPr algn="ctr"/>
-            <a:r>
-              <a:rPr lang="zh-CN" altLang="en-US" sz="1200" dirty="0">
-                <a:solidFill>
-                  <a:schemeClr val="tx1"/>
-                </a:solidFill>
-              </a:rPr>
-              <a:t>检测完（</a:t>
-            </a:r>
-            <a:r>
-              <a:rPr lang="en-US" altLang="zh-CN" sz="1200" dirty="0">
-                <a:solidFill>
-                  <a:schemeClr val="tx1"/>
-                </a:solidFill>
-              </a:rPr>
-              <a:t>P2</a:t>
-            </a:r>
-            <a:r>
-              <a:rPr lang="zh-CN" altLang="en-US" sz="1200" dirty="0">
-                <a:solidFill>
-                  <a:schemeClr val="tx1"/>
-                </a:solidFill>
-              </a:rPr>
-              <a:t>）到（</a:t>
-            </a:r>
-            <a:r>
-              <a:rPr lang="en-US" altLang="zh-CN" sz="1200" dirty="0">
-                <a:solidFill>
-                  <a:schemeClr val="tx1"/>
-                </a:solidFill>
-              </a:rPr>
-              <a:t>P3</a:t>
-            </a:r>
-            <a:r>
-              <a:rPr lang="zh-CN" altLang="en-US" sz="1200" dirty="0">
-                <a:solidFill>
-                  <a:schemeClr val="tx1"/>
-                </a:solidFill>
-              </a:rPr>
-              <a:t>），同时相机模组（</a:t>
-            </a:r>
-            <a:r>
-              <a:rPr lang="en-US" altLang="zh-CN" sz="1200" dirty="0">
-                <a:solidFill>
-                  <a:schemeClr val="tx1"/>
-                </a:solidFill>
-              </a:rPr>
-              <a:t>P2</a:t>
-            </a:r>
-            <a:r>
-              <a:rPr lang="zh-CN" altLang="en-US" sz="1200" dirty="0">
-                <a:solidFill>
-                  <a:schemeClr val="tx1"/>
-                </a:solidFill>
-              </a:rPr>
-              <a:t>）位移动到（</a:t>
-            </a:r>
-            <a:r>
-              <a:rPr lang="en-US" altLang="zh-CN" sz="1200" dirty="0">
-                <a:solidFill>
-                  <a:schemeClr val="tx1"/>
-                </a:solidFill>
-              </a:rPr>
-              <a:t>F2</a:t>
-            </a:r>
-            <a:r>
-              <a:rPr lang="zh-CN" altLang="en-US" sz="1200" dirty="0">
-                <a:solidFill>
-                  <a:schemeClr val="tx1"/>
-                </a:solidFill>
-              </a:rPr>
-              <a:t>）</a:t>
-            </a:r>
-            <a:r>
-              <a:rPr lang="en-US" altLang="zh-CN" sz="1200" dirty="0">
-                <a:solidFill>
-                  <a:schemeClr val="tx1"/>
-                </a:solidFill>
-              </a:rPr>
-              <a:t>,</a:t>
-            </a:r>
-            <a:r>
-              <a:rPr lang="zh-CN" altLang="en-US" sz="1200" dirty="0">
-                <a:solidFill>
-                  <a:schemeClr val="tx1"/>
-                </a:solidFill>
-              </a:rPr>
-              <a:t>检测（</a:t>
-            </a:r>
-            <a:r>
-              <a:rPr lang="en-US" altLang="zh-CN" sz="1200" dirty="0">
-                <a:solidFill>
-                  <a:schemeClr val="tx1"/>
-                </a:solidFill>
-              </a:rPr>
-              <a:t>F1</a:t>
-            </a:r>
-            <a:r>
-              <a:rPr lang="zh-CN" altLang="en-US" sz="1200" dirty="0">
-                <a:solidFill>
-                  <a:schemeClr val="tx1"/>
-                </a:solidFill>
-              </a:rPr>
-              <a:t>）来料中框</a:t>
-            </a:r>
-          </a:p>
-        </p:txBody>
-      </p:sp>
-      <p:sp>
-        <p:nvSpPr>
-          <p:cNvPr id="77" name="右箭头 76"/>
-          <p:cNvSpPr/>
-          <p:nvPr/>
-        </p:nvSpPr>
-        <p:spPr>
-          <a:xfrm>
-            <a:off x="7932599" y="4976288"/>
-            <a:ext cx="417640" cy="210312"/>
-          </a:xfrm>
-          <a:prstGeom prst="rightArrow">
-            <a:avLst/>
-          </a:prstGeom>
-        </p:spPr>
-        <p:style>
-          <a:lnRef idx="2">
-            <a:schemeClr val="accent1">
-              <a:shade val="50000"/>
-            </a:schemeClr>
-          </a:lnRef>
-          <a:fillRef idx="1">
-            <a:schemeClr val="accent1"/>
-          </a:fillRef>
-          <a:effectRef idx="0">
-            <a:schemeClr val="accent1"/>
-          </a:effectRef>
-          <a:fontRef idx="minor">
-            <a:schemeClr val="lt1"/>
-          </a:fontRef>
-        </p:style>
-        <p:txBody>
-          <a:bodyPr rtlCol="0" anchor="ctr"/>
-          <a:lstStyle/>
-          <a:p>
-            <a:pPr algn="ctr"/>
-            <a:endParaRPr lang="zh-CN" altLang="en-US"/>
-          </a:p>
-        </p:txBody>
-      </p:sp>
-      <p:sp>
-        <p:nvSpPr>
-          <p:cNvPr id="45" name="下箭头 44"/>
-          <p:cNvSpPr/>
-          <p:nvPr/>
-        </p:nvSpPr>
-        <p:spPr>
-          <a:xfrm>
-            <a:off x="10056491" y="5432076"/>
-            <a:ext cx="223581" cy="251967"/>
-          </a:xfrm>
-          <a:prstGeom prst="downArrow">
-            <a:avLst/>
-          </a:prstGeom>
-        </p:spPr>
-        <p:style>
-          <a:lnRef idx="2">
-            <a:schemeClr val="accent1">
-              <a:shade val="50000"/>
-            </a:schemeClr>
-          </a:lnRef>
-          <a:fillRef idx="1">
-            <a:schemeClr val="accent1"/>
-          </a:fillRef>
-          <a:effectRef idx="0">
-            <a:schemeClr val="accent1"/>
-          </a:effectRef>
-          <a:fontRef idx="minor">
-            <a:schemeClr val="lt1"/>
-          </a:fontRef>
-        </p:style>
-        <p:txBody>
-          <a:bodyPr rtlCol="0" anchor="ctr"/>
-          <a:lstStyle/>
-          <a:p>
-            <a:pPr algn="ctr"/>
-            <a:endParaRPr lang="zh-CN" altLang="en-US"/>
-          </a:p>
-        </p:txBody>
-      </p:sp>
-      <p:sp>
-        <p:nvSpPr>
-          <p:cNvPr id="88" name="圆角矩形 87"/>
-          <p:cNvSpPr/>
-          <p:nvPr/>
-        </p:nvSpPr>
-        <p:spPr>
-          <a:xfrm>
-            <a:off x="8350818" y="5686405"/>
-            <a:ext cx="3746693" cy="668049"/>
-          </a:xfrm>
-          <a:prstGeom prst="roundRect">
-            <a:avLst/>
-          </a:prstGeom>
-          <a:noFill/>
-          <a:ln w="19050">
-            <a:solidFill>
-              <a:srgbClr val="002060"/>
-            </a:solidFill>
-          </a:ln>
-        </p:spPr>
-        <p:style>
-          <a:lnRef idx="2">
-            <a:schemeClr val="accent1">
-              <a:shade val="50000"/>
-            </a:schemeClr>
-          </a:lnRef>
-          <a:fillRef idx="1">
-            <a:schemeClr val="accent1"/>
-          </a:fillRef>
-          <a:effectRef idx="0">
-            <a:schemeClr val="accent1"/>
-          </a:effectRef>
-          <a:fontRef idx="minor">
-            <a:schemeClr val="lt1"/>
-          </a:fontRef>
-        </p:style>
-        <p:txBody>
-          <a:bodyPr rtlCol="0" anchor="ctr"/>
-          <a:lstStyle/>
-          <a:p>
-            <a:pPr algn="ctr"/>
-            <a:r>
-              <a:rPr lang="zh-CN" altLang="en-US" sz="1200" dirty="0">
-                <a:solidFill>
-                  <a:schemeClr val="tx1"/>
-                </a:solidFill>
-              </a:rPr>
-              <a:t>（</a:t>
-            </a:r>
-            <a:r>
-              <a:rPr lang="en-US" altLang="zh-CN" sz="1200" dirty="0">
-                <a:solidFill>
-                  <a:schemeClr val="tx1"/>
-                </a:solidFill>
-              </a:rPr>
-              <a:t>F2)</a:t>
-            </a:r>
-            <a:r>
-              <a:rPr lang="zh-CN" altLang="en-US" sz="1200" dirty="0">
-                <a:solidFill>
-                  <a:schemeClr val="tx1"/>
-                </a:solidFill>
-              </a:rPr>
-              <a:t>检测完成相机模组移动到（</a:t>
-            </a:r>
-            <a:r>
-              <a:rPr lang="en-US" altLang="zh-CN" sz="1200" dirty="0">
-                <a:solidFill>
-                  <a:schemeClr val="tx1"/>
-                </a:solidFill>
-              </a:rPr>
-              <a:t>P2</a:t>
-            </a:r>
-            <a:r>
-              <a:rPr lang="zh-CN" altLang="en-US" sz="1200" dirty="0">
-                <a:solidFill>
-                  <a:schemeClr val="tx1"/>
-                </a:solidFill>
-              </a:rPr>
-              <a:t>）检测中框反面，同时（</a:t>
-            </a:r>
-            <a:r>
-              <a:rPr lang="en-US" altLang="zh-CN" sz="1200" dirty="0">
-                <a:solidFill>
-                  <a:schemeClr val="tx1"/>
-                </a:solidFill>
-              </a:rPr>
-              <a:t>F2</a:t>
-            </a:r>
-            <a:r>
-              <a:rPr lang="zh-CN" altLang="en-US" sz="1200" dirty="0">
-                <a:solidFill>
-                  <a:schemeClr val="tx1"/>
-                </a:solidFill>
-              </a:rPr>
-              <a:t>）中框移动到（</a:t>
-            </a:r>
-            <a:r>
-              <a:rPr lang="en-US" altLang="zh-CN" sz="1200" dirty="0">
-                <a:solidFill>
-                  <a:schemeClr val="tx1"/>
-                </a:solidFill>
-              </a:rPr>
-              <a:t>F3</a:t>
-            </a:r>
-            <a:r>
-              <a:rPr lang="zh-CN" altLang="en-US" sz="1200" dirty="0">
-                <a:solidFill>
-                  <a:schemeClr val="tx1"/>
-                </a:solidFill>
-              </a:rPr>
-              <a:t>），（</a:t>
-            </a:r>
-            <a:r>
-              <a:rPr lang="en-US" altLang="zh-CN" sz="1200" dirty="0">
-                <a:solidFill>
-                  <a:schemeClr val="tx1"/>
-                </a:solidFill>
-              </a:rPr>
-              <a:t>F4</a:t>
-            </a:r>
-            <a:r>
-              <a:rPr lang="zh-CN" altLang="en-US" sz="1200" dirty="0">
-                <a:solidFill>
-                  <a:schemeClr val="tx1"/>
-                </a:solidFill>
-              </a:rPr>
-              <a:t>）夹取（</a:t>
-            </a:r>
-            <a:r>
-              <a:rPr lang="en-US" altLang="zh-CN" sz="1200" dirty="0">
-                <a:solidFill>
-                  <a:schemeClr val="tx1"/>
-                </a:solidFill>
-              </a:rPr>
-              <a:t>F3</a:t>
-            </a:r>
-            <a:r>
-              <a:rPr lang="zh-CN" altLang="en-US" sz="1200" dirty="0">
-                <a:solidFill>
-                  <a:schemeClr val="tx1"/>
-                </a:solidFill>
-              </a:rPr>
-              <a:t>）物料翻转</a:t>
-            </a:r>
-            <a:r>
-              <a:rPr lang="en-US" altLang="zh-CN" sz="1200" dirty="0">
-                <a:solidFill>
-                  <a:schemeClr val="tx1"/>
-                </a:solidFill>
-              </a:rPr>
-              <a:t>180°</a:t>
-            </a:r>
-            <a:r>
-              <a:rPr lang="zh-CN" altLang="en-US" sz="1200" dirty="0">
-                <a:solidFill>
-                  <a:schemeClr val="tx1"/>
-                </a:solidFill>
-              </a:rPr>
-              <a:t>，放回（</a:t>
-            </a:r>
-            <a:r>
-              <a:rPr lang="en-US" altLang="zh-CN" sz="1200" dirty="0">
-                <a:solidFill>
-                  <a:schemeClr val="tx1"/>
-                </a:solidFill>
-              </a:rPr>
-              <a:t>F3</a:t>
-            </a:r>
-            <a:r>
-              <a:rPr lang="zh-CN" altLang="en-US" sz="1200" dirty="0">
-                <a:solidFill>
-                  <a:schemeClr val="tx1"/>
-                </a:solidFill>
-              </a:rPr>
-              <a:t>）</a:t>
-            </a:r>
-          </a:p>
-        </p:txBody>
-      </p:sp>
-      <p:sp>
-        <p:nvSpPr>
-          <p:cNvPr id="89" name="右箭头 88"/>
-          <p:cNvSpPr/>
-          <p:nvPr/>
-        </p:nvSpPr>
-        <p:spPr>
-          <a:xfrm rot="10800000">
-            <a:off x="8019288" y="5906358"/>
-            <a:ext cx="331530" cy="210313"/>
-          </a:xfrm>
-          <a:prstGeom prst="rightArrow">
-            <a:avLst/>
-          </a:prstGeom>
-        </p:spPr>
-        <p:style>
-          <a:lnRef idx="2">
-            <a:schemeClr val="accent1">
-              <a:shade val="50000"/>
-            </a:schemeClr>
-          </a:lnRef>
-          <a:fillRef idx="1">
-            <a:schemeClr val="accent1"/>
-          </a:fillRef>
-          <a:effectRef idx="0">
-            <a:schemeClr val="accent1"/>
-          </a:effectRef>
-          <a:fontRef idx="minor">
-            <a:schemeClr val="lt1"/>
-          </a:fontRef>
-        </p:style>
-        <p:txBody>
-          <a:bodyPr rtlCol="0" anchor="ctr"/>
-          <a:lstStyle/>
-          <a:p>
-            <a:pPr algn="ctr"/>
-            <a:endParaRPr lang="zh-CN" altLang="en-US"/>
-          </a:p>
-        </p:txBody>
-      </p:sp>
-      <p:sp>
-        <p:nvSpPr>
-          <p:cNvPr id="24" name="线形标注 2 23"/>
+          <p:cNvPr id="65" name="线形标注 2 23">
+            <a:extLst>
+              <a:ext uri="{FF2B5EF4-FFF2-40B4-BE49-F238E27FC236}">
+                <a16:creationId xmlns:a16="http://schemas.microsoft.com/office/drawing/2014/main" id="{FCA727B8-DF2B-46B1-A013-A06F883562C8}"/>
+              </a:ext>
+            </a:extLst>
+          </p:cNvPr>
           <p:cNvSpPr/>
           <p:nvPr/>
         </p:nvSpPr>
@@ -5690,8 +5772,8 @@
               <a:gd name="adj2" fmla="val 100625"/>
               <a:gd name="adj3" fmla="val 52372"/>
               <a:gd name="adj4" fmla="val 123059"/>
-              <a:gd name="adj5" fmla="val 119452"/>
-              <a:gd name="adj6" fmla="val 255034"/>
+              <a:gd name="adj5" fmla="val 106294"/>
+              <a:gd name="adj6" fmla="val 245588"/>
             </a:avLst>
           </a:prstGeom>
           <a:noFill/>
@@ -5731,7 +5813,13 @@
       </p:sp>
       <p:sp>
         <p:nvSpPr>
-          <p:cNvPr id="25" name="线形标注 2 24"/>
+          <p:cNvPr id="66" name="线形标注 2 24">
+            <a:extLst>
+              <a:ext uri="{FF2B5EF4-FFF2-40B4-BE49-F238E27FC236}">
+                <a16:creationId xmlns:a16="http://schemas.microsoft.com/office/drawing/2014/main" id="{C800A71E-08A4-4386-8168-F3BFB8C8FBF9}"/>
+              </a:ext>
+            </a:extLst>
+          </p:cNvPr>
           <p:cNvSpPr/>
           <p:nvPr/>
         </p:nvSpPr>
@@ -5800,13 +5888,19 @@
       </p:sp>
       <p:sp>
         <p:nvSpPr>
-          <p:cNvPr id="27" name="线形标注 2 26"/>
+          <p:cNvPr id="67" name="线形标注 2 26">
+            <a:extLst>
+              <a:ext uri="{FF2B5EF4-FFF2-40B4-BE49-F238E27FC236}">
+                <a16:creationId xmlns:a16="http://schemas.microsoft.com/office/drawing/2014/main" id="{66F241CA-82EB-484B-961F-CCBBD0388380}"/>
+              </a:ext>
+            </a:extLst>
+          </p:cNvPr>
           <p:cNvSpPr/>
           <p:nvPr/>
         </p:nvSpPr>
         <p:spPr>
           <a:xfrm>
-            <a:off x="8633036" y="3837094"/>
+            <a:off x="9075402" y="3800850"/>
             <a:ext cx="1555630" cy="347472"/>
           </a:xfrm>
           <a:prstGeom prst="borderCallout2">
@@ -5815,8 +5909,8 @@
               <a:gd name="adj2" fmla="val -333"/>
               <a:gd name="adj3" fmla="val 47109"/>
               <a:gd name="adj4" fmla="val -27667"/>
-              <a:gd name="adj5" fmla="val -59276"/>
-              <a:gd name="adj6" fmla="val -95906"/>
+              <a:gd name="adj5" fmla="val -27697"/>
+              <a:gd name="adj6" fmla="val -82974"/>
             </a:avLst>
           </a:prstGeom>
           <a:noFill/>
@@ -5869,7 +5963,13 @@
       </p:sp>
       <p:sp>
         <p:nvSpPr>
-          <p:cNvPr id="28" name="线形标注 2 27"/>
+          <p:cNvPr id="68" name="线形标注 2 27">
+            <a:extLst>
+              <a:ext uri="{FF2B5EF4-FFF2-40B4-BE49-F238E27FC236}">
+                <a16:creationId xmlns:a16="http://schemas.microsoft.com/office/drawing/2014/main" id="{BDD4FAF1-ED8B-40C7-BDD9-8CE3AE7A03DA}"/>
+              </a:ext>
+            </a:extLst>
+          </p:cNvPr>
           <p:cNvSpPr/>
           <p:nvPr/>
         </p:nvSpPr>
@@ -5925,7 +6025,13 @@
       </p:sp>
       <p:sp>
         <p:nvSpPr>
-          <p:cNvPr id="32" name="线形标注 2 31"/>
+          <p:cNvPr id="69" name="线形标注 2 31">
+            <a:extLst>
+              <a:ext uri="{FF2B5EF4-FFF2-40B4-BE49-F238E27FC236}">
+                <a16:creationId xmlns:a16="http://schemas.microsoft.com/office/drawing/2014/main" id="{EAC03521-B5A0-4311-B2B0-18C1B537445A}"/>
+              </a:ext>
+            </a:extLst>
+          </p:cNvPr>
           <p:cNvSpPr/>
           <p:nvPr/>
         </p:nvSpPr>
@@ -5981,7 +6087,13 @@
       </p:sp>
       <p:sp>
         <p:nvSpPr>
-          <p:cNvPr id="33" name="线形标注 2 32"/>
+          <p:cNvPr id="70" name="线形标注 2 32">
+            <a:extLst>
+              <a:ext uri="{FF2B5EF4-FFF2-40B4-BE49-F238E27FC236}">
+                <a16:creationId xmlns:a16="http://schemas.microsoft.com/office/drawing/2014/main" id="{4E1ECD6A-7BF3-4535-A756-BB431D95BB6D}"/>
+              </a:ext>
+            </a:extLst>
+          </p:cNvPr>
           <p:cNvSpPr/>
           <p:nvPr/>
         </p:nvSpPr>
@@ -6037,18 +6149,27 @@
       </p:sp>
       <p:sp>
         <p:nvSpPr>
-          <p:cNvPr id="5" name="左右箭头 4"/>
+          <p:cNvPr id="72" name="左右箭头 4">
+            <a:extLst>
+              <a:ext uri="{FF2B5EF4-FFF2-40B4-BE49-F238E27FC236}">
+                <a16:creationId xmlns:a16="http://schemas.microsoft.com/office/drawing/2014/main" id="{4595AD5E-DFAA-4190-A8FB-0AD6CA180633}"/>
+              </a:ext>
+            </a:extLst>
+          </p:cNvPr>
           <p:cNvSpPr/>
           <p:nvPr/>
         </p:nvSpPr>
         <p:spPr>
           <a:xfrm>
-            <a:off x="5299691" y="3003116"/>
+            <a:off x="5681433" y="2860907"/>
             <a:ext cx="815308" cy="91772"/>
           </a:xfrm>
           <a:prstGeom prst="leftRightArrow">
             <a:avLst/>
           </a:prstGeom>
+          <a:solidFill>
+            <a:schemeClr val="accent5"/>
+          </a:solidFill>
         </p:spPr>
         <p:style>
           <a:lnRef idx="2">
@@ -6077,13 +6198,19 @@
       </p:sp>
       <p:sp>
         <p:nvSpPr>
-          <p:cNvPr id="36" name="左右箭头 35"/>
+          <p:cNvPr id="75" name="左右箭头 35">
+            <a:extLst>
+              <a:ext uri="{FF2B5EF4-FFF2-40B4-BE49-F238E27FC236}">
+                <a16:creationId xmlns:a16="http://schemas.microsoft.com/office/drawing/2014/main" id="{8EB03A24-AA3D-4DEB-A288-0ADEC514A475}"/>
+              </a:ext>
+            </a:extLst>
+          </p:cNvPr>
           <p:cNvSpPr/>
           <p:nvPr/>
         </p:nvSpPr>
         <p:spPr>
           <a:xfrm rot="5400000">
-            <a:off x="7233955" y="2658516"/>
+            <a:off x="7960342" y="2408924"/>
             <a:ext cx="1070072" cy="91772"/>
           </a:xfrm>
           <a:prstGeom prst="leftRightArrow">
@@ -6117,13 +6244,19 @@
       </p:sp>
       <p:sp>
         <p:nvSpPr>
-          <p:cNvPr id="37" name="左右箭头 36"/>
+          <p:cNvPr id="78" name="左右箭头 36">
+            <a:extLst>
+              <a:ext uri="{FF2B5EF4-FFF2-40B4-BE49-F238E27FC236}">
+                <a16:creationId xmlns:a16="http://schemas.microsoft.com/office/drawing/2014/main" id="{DB4F24C5-D511-470D-87FA-65479A212DDA}"/>
+              </a:ext>
+            </a:extLst>
+          </p:cNvPr>
           <p:cNvSpPr/>
           <p:nvPr/>
         </p:nvSpPr>
         <p:spPr>
           <a:xfrm rot="5400000">
-            <a:off x="3404624" y="2682487"/>
+            <a:off x="2975857" y="2325871"/>
             <a:ext cx="1070072" cy="91772"/>
           </a:xfrm>
           <a:prstGeom prst="leftRightArrow">
@@ -6157,18 +6290,27 @@
       </p:sp>
       <p:sp>
         <p:nvSpPr>
-          <p:cNvPr id="38" name="左右箭头 37"/>
+          <p:cNvPr id="79" name="左右箭头 37">
+            <a:extLst>
+              <a:ext uri="{FF2B5EF4-FFF2-40B4-BE49-F238E27FC236}">
+                <a16:creationId xmlns:a16="http://schemas.microsoft.com/office/drawing/2014/main" id="{131D3CE7-BB3B-4A76-9B33-7895C736C664}"/>
+              </a:ext>
+            </a:extLst>
+          </p:cNvPr>
           <p:cNvSpPr/>
           <p:nvPr/>
         </p:nvSpPr>
         <p:spPr>
           <a:xfrm rot="5400000">
-            <a:off x="5626141" y="1240291"/>
+            <a:off x="5879267" y="1211771"/>
             <a:ext cx="471464" cy="167802"/>
           </a:xfrm>
           <a:prstGeom prst="leftRightArrow">
             <a:avLst/>
           </a:prstGeom>
+          <a:solidFill>
+            <a:schemeClr val="accent5"/>
+          </a:solidFill>
         </p:spPr>
         <p:style>
           <a:lnRef idx="2">
@@ -6197,18 +6339,27 @@
       </p:sp>
       <p:sp>
         <p:nvSpPr>
-          <p:cNvPr id="39" name="矩形 38"/>
+          <p:cNvPr id="80" name="矩形 79">
+            <a:extLst>
+              <a:ext uri="{FF2B5EF4-FFF2-40B4-BE49-F238E27FC236}">
+                <a16:creationId xmlns:a16="http://schemas.microsoft.com/office/drawing/2014/main" id="{BC84EB29-522B-4F02-995C-7421DD444FB7}"/>
+              </a:ext>
+            </a:extLst>
+          </p:cNvPr>
           <p:cNvSpPr/>
           <p:nvPr/>
         </p:nvSpPr>
         <p:spPr>
           <a:xfrm>
-            <a:off x="4942437" y="3049002"/>
+            <a:off x="4759416" y="3016476"/>
             <a:ext cx="333756" cy="173736"/>
           </a:xfrm>
           <a:prstGeom prst="rect">
             <a:avLst/>
           </a:prstGeom>
+          <a:solidFill>
+            <a:schemeClr val="accent5"/>
+          </a:solidFill>
         </p:spPr>
         <p:style>
           <a:lnRef idx="2">
@@ -6232,27 +6383,36 @@
           <a:p>
             <a:pPr algn="ctr"/>
             <a:r>
-              <a:rPr lang="en-US" altLang="zh-CN" sz="1050" dirty="0"/>
+              <a:rPr lang="en-US" altLang="zh-CN" sz="900" dirty="0"/>
               <a:t>P2</a:t>
             </a:r>
-            <a:endParaRPr lang="zh-CN" altLang="en-US" sz="1050" dirty="0"/>
+            <a:endParaRPr lang="zh-CN" altLang="en-US" sz="900" dirty="0"/>
           </a:p>
         </p:txBody>
       </p:sp>
       <p:sp>
         <p:nvSpPr>
-          <p:cNvPr id="40" name="矩形 39"/>
+          <p:cNvPr id="81" name="矩形 80">
+            <a:extLst>
+              <a:ext uri="{FF2B5EF4-FFF2-40B4-BE49-F238E27FC236}">
+                <a16:creationId xmlns:a16="http://schemas.microsoft.com/office/drawing/2014/main" id="{41D8C2BF-833F-4CE2-9DE0-C3EA2D6E31C2}"/>
+              </a:ext>
+            </a:extLst>
+          </p:cNvPr>
           <p:cNvSpPr/>
           <p:nvPr/>
         </p:nvSpPr>
         <p:spPr>
           <a:xfrm>
-            <a:off x="6614198" y="3974586"/>
+            <a:off x="7312228" y="3800850"/>
             <a:ext cx="333756" cy="173736"/>
           </a:xfrm>
           <a:prstGeom prst="rect">
             <a:avLst/>
           </a:prstGeom>
+          <a:solidFill>
+            <a:schemeClr val="accent5"/>
+          </a:solidFill>
         </p:spPr>
         <p:style>
           <a:lnRef idx="2">
@@ -6276,16 +6436,22 @@
           <a:p>
             <a:pPr algn="ctr"/>
             <a:r>
-              <a:rPr lang="en-US" altLang="zh-CN" sz="1050" dirty="0"/>
+              <a:rPr lang="en-US" altLang="zh-CN" sz="900" dirty="0"/>
               <a:t>F1</a:t>
             </a:r>
-            <a:endParaRPr lang="zh-CN" altLang="en-US" sz="1050" dirty="0"/>
+            <a:endParaRPr lang="zh-CN" altLang="en-US" sz="900" dirty="0"/>
           </a:p>
         </p:txBody>
       </p:sp>
       <p:sp>
         <p:nvSpPr>
-          <p:cNvPr id="41" name="矩形 40"/>
+          <p:cNvPr id="82" name="矩形 81">
+            <a:extLst>
+              <a:ext uri="{FF2B5EF4-FFF2-40B4-BE49-F238E27FC236}">
+                <a16:creationId xmlns:a16="http://schemas.microsoft.com/office/drawing/2014/main" id="{C957FB97-4182-442B-B1E2-CD03C979CEB5}"/>
+              </a:ext>
+            </a:extLst>
+          </p:cNvPr>
           <p:cNvSpPr/>
           <p:nvPr/>
         </p:nvSpPr>
@@ -6297,6 +6463,9 @@
           <a:prstGeom prst="rect">
             <a:avLst/>
           </a:prstGeom>
+          <a:solidFill>
+            <a:schemeClr val="accent5"/>
+          </a:solidFill>
         </p:spPr>
         <p:style>
           <a:lnRef idx="2">
@@ -6320,27 +6489,36 @@
           <a:p>
             <a:pPr algn="ctr"/>
             <a:r>
-              <a:rPr lang="en-US" altLang="zh-CN" sz="1050" dirty="0"/>
+              <a:rPr lang="en-US" altLang="zh-CN" sz="900" dirty="0"/>
               <a:t>P3</a:t>
             </a:r>
-            <a:endParaRPr lang="zh-CN" altLang="en-US" sz="1050" dirty="0"/>
+            <a:endParaRPr lang="zh-CN" altLang="en-US" sz="900" dirty="0"/>
           </a:p>
         </p:txBody>
       </p:sp>
       <p:sp>
         <p:nvSpPr>
-          <p:cNvPr id="42" name="矩形 41"/>
+          <p:cNvPr id="83" name="矩形 82">
+            <a:extLst>
+              <a:ext uri="{FF2B5EF4-FFF2-40B4-BE49-F238E27FC236}">
+                <a16:creationId xmlns:a16="http://schemas.microsoft.com/office/drawing/2014/main" id="{B1D0E1A0-E03E-4F80-9E8A-5D29957FB77F}"/>
+              </a:ext>
+            </a:extLst>
+          </p:cNvPr>
           <p:cNvSpPr/>
           <p:nvPr/>
         </p:nvSpPr>
         <p:spPr>
           <a:xfrm>
-            <a:off x="6560865" y="3049002"/>
+            <a:off x="7312228" y="3021570"/>
             <a:ext cx="333756" cy="173736"/>
           </a:xfrm>
           <a:prstGeom prst="rect">
             <a:avLst/>
           </a:prstGeom>
+          <a:solidFill>
+            <a:schemeClr val="accent5"/>
+          </a:solidFill>
         </p:spPr>
         <p:style>
           <a:lnRef idx="2">
@@ -6364,16 +6542,22 @@
           <a:p>
             <a:pPr algn="ctr"/>
             <a:r>
-              <a:rPr lang="en-US" altLang="zh-CN" sz="1050" dirty="0"/>
+              <a:rPr lang="en-US" altLang="zh-CN" sz="900" dirty="0"/>
               <a:t>F2</a:t>
             </a:r>
-            <a:endParaRPr lang="zh-CN" altLang="en-US" sz="1050" dirty="0"/>
+            <a:endParaRPr lang="zh-CN" altLang="en-US" sz="900" dirty="0"/>
           </a:p>
         </p:txBody>
       </p:sp>
       <p:sp>
         <p:nvSpPr>
-          <p:cNvPr id="43" name="矩形 42"/>
+          <p:cNvPr id="84" name="矩形 83">
+            <a:extLst>
+              <a:ext uri="{FF2B5EF4-FFF2-40B4-BE49-F238E27FC236}">
+                <a16:creationId xmlns:a16="http://schemas.microsoft.com/office/drawing/2014/main" id="{F4933670-64A9-4F97-AD01-415D6E5FBC16}"/>
+              </a:ext>
+            </a:extLst>
+          </p:cNvPr>
           <p:cNvSpPr/>
           <p:nvPr/>
         </p:nvSpPr>
@@ -6385,6 +6569,9 @@
           <a:prstGeom prst="rect">
             <a:avLst/>
           </a:prstGeom>
+          <a:solidFill>
+            <a:schemeClr val="accent5"/>
+          </a:solidFill>
         </p:spPr>
         <p:style>
           <a:lnRef idx="2">
@@ -6408,23 +6595,29 @@
           <a:p>
             <a:pPr algn="ctr"/>
             <a:r>
-              <a:rPr lang="en-US" altLang="zh-CN" sz="1050" dirty="0"/>
+              <a:rPr lang="en-US" altLang="zh-CN" sz="900" dirty="0"/>
               <a:t>P4</a:t>
             </a:r>
-            <a:endParaRPr lang="zh-CN" altLang="en-US" sz="1050" dirty="0"/>
+            <a:endParaRPr lang="zh-CN" altLang="en-US" sz="900" dirty="0"/>
           </a:p>
         </p:txBody>
       </p:sp>
       <p:sp>
         <p:nvSpPr>
-          <p:cNvPr id="49" name="圆角矩形 48"/>
+          <p:cNvPr id="85" name="圆角矩形 48">
+            <a:extLst>
+              <a:ext uri="{FF2B5EF4-FFF2-40B4-BE49-F238E27FC236}">
+                <a16:creationId xmlns:a16="http://schemas.microsoft.com/office/drawing/2014/main" id="{81991D16-EA35-4E94-8E52-E35EEDBC62D7}"/>
+              </a:ext>
+            </a:extLst>
+          </p:cNvPr>
           <p:cNvSpPr/>
           <p:nvPr/>
         </p:nvSpPr>
         <p:spPr>
           <a:xfrm>
-            <a:off x="4958316" y="5686405"/>
-            <a:ext cx="3076851" cy="661440"/>
+            <a:off x="5093173" y="5837220"/>
+            <a:ext cx="2807406" cy="772951"/>
           </a:xfrm>
           <a:prstGeom prst="roundRect">
             <a:avLst/>
@@ -6566,18 +6759,27 @@
       </p:sp>
       <p:sp>
         <p:nvSpPr>
-          <p:cNvPr id="50" name="矩形 49"/>
+          <p:cNvPr id="86" name="矩形 85">
+            <a:extLst>
+              <a:ext uri="{FF2B5EF4-FFF2-40B4-BE49-F238E27FC236}">
+                <a16:creationId xmlns:a16="http://schemas.microsoft.com/office/drawing/2014/main" id="{1534EE33-5041-4E9E-8513-E50A5A49D0C8}"/>
+              </a:ext>
+            </a:extLst>
+          </p:cNvPr>
           <p:cNvSpPr/>
           <p:nvPr/>
         </p:nvSpPr>
         <p:spPr>
           <a:xfrm>
-            <a:off x="6528896" y="1962824"/>
+            <a:off x="7281710" y="1962824"/>
             <a:ext cx="333756" cy="173736"/>
           </a:xfrm>
           <a:prstGeom prst="rect">
             <a:avLst/>
           </a:prstGeom>
+          <a:solidFill>
+            <a:schemeClr val="accent5"/>
+          </a:solidFill>
         </p:spPr>
         <p:style>
           <a:lnRef idx="2">
@@ -6601,27 +6803,36 @@
           <a:p>
             <a:pPr algn="ctr"/>
             <a:r>
-              <a:rPr lang="en-US" altLang="zh-CN" sz="1050" dirty="0"/>
+              <a:rPr lang="en-US" altLang="zh-CN" sz="900" dirty="0"/>
               <a:t>F3</a:t>
             </a:r>
-            <a:endParaRPr lang="zh-CN" altLang="en-US" sz="1050" dirty="0"/>
+            <a:endParaRPr lang="zh-CN" altLang="en-US" sz="900" dirty="0"/>
           </a:p>
         </p:txBody>
       </p:sp>
       <p:sp>
         <p:nvSpPr>
-          <p:cNvPr id="51" name="矩形 50"/>
+          <p:cNvPr id="87" name="矩形 86">
+            <a:extLst>
+              <a:ext uri="{FF2B5EF4-FFF2-40B4-BE49-F238E27FC236}">
+                <a16:creationId xmlns:a16="http://schemas.microsoft.com/office/drawing/2014/main" id="{CC0F5D17-5BDF-412F-876D-1EAA2AE0DEA6}"/>
+              </a:ext>
+            </a:extLst>
+          </p:cNvPr>
           <p:cNvSpPr/>
           <p:nvPr/>
         </p:nvSpPr>
         <p:spPr>
           <a:xfrm>
-            <a:off x="6547949" y="1349064"/>
+            <a:off x="7281710" y="1339056"/>
             <a:ext cx="333756" cy="173736"/>
           </a:xfrm>
           <a:prstGeom prst="rect">
             <a:avLst/>
           </a:prstGeom>
+          <a:solidFill>
+            <a:schemeClr val="accent5"/>
+          </a:solidFill>
         </p:spPr>
         <p:style>
           <a:lnRef idx="2">
@@ -6645,23 +6856,29 @@
           <a:p>
             <a:pPr algn="ctr"/>
             <a:r>
-              <a:rPr lang="en-US" altLang="zh-CN" sz="1050" dirty="0"/>
+              <a:rPr lang="en-US" altLang="zh-CN" sz="900" dirty="0"/>
               <a:t>F4</a:t>
             </a:r>
-            <a:endParaRPr lang="zh-CN" altLang="en-US" sz="1050" dirty="0"/>
+            <a:endParaRPr lang="zh-CN" altLang="en-US" sz="900" dirty="0"/>
           </a:p>
         </p:txBody>
       </p:sp>
       <p:sp>
         <p:nvSpPr>
-          <p:cNvPr id="52" name="右箭头 51"/>
+          <p:cNvPr id="90" name="右箭头 51">
+            <a:extLst>
+              <a:ext uri="{FF2B5EF4-FFF2-40B4-BE49-F238E27FC236}">
+                <a16:creationId xmlns:a16="http://schemas.microsoft.com/office/drawing/2014/main" id="{8AE82FD8-2146-4EB8-80C7-1E1053DCE1A7}"/>
+              </a:ext>
+            </a:extLst>
+          </p:cNvPr>
           <p:cNvSpPr/>
           <p:nvPr/>
         </p:nvSpPr>
         <p:spPr>
           <a:xfrm rot="10800000">
-            <a:off x="4542797" y="5914794"/>
-            <a:ext cx="415519" cy="201877"/>
+            <a:off x="4542796" y="6093586"/>
+            <a:ext cx="550374" cy="210310"/>
           </a:xfrm>
           <a:prstGeom prst="rightArrow">
             <a:avLst/>
@@ -6694,14 +6911,20 @@
       </p:sp>
       <p:sp>
         <p:nvSpPr>
-          <p:cNvPr id="53" name="圆角矩形 52"/>
+          <p:cNvPr id="91" name="圆角矩形 52">
+            <a:extLst>
+              <a:ext uri="{FF2B5EF4-FFF2-40B4-BE49-F238E27FC236}">
+                <a16:creationId xmlns:a16="http://schemas.microsoft.com/office/drawing/2014/main" id="{B64529B7-B203-433F-9011-33AEA29DACC9}"/>
+              </a:ext>
+            </a:extLst>
+          </p:cNvPr>
           <p:cNvSpPr/>
           <p:nvPr/>
         </p:nvSpPr>
         <p:spPr>
           <a:xfrm>
-            <a:off x="2407955" y="5686405"/>
-            <a:ext cx="2134841" cy="664683"/>
+            <a:off x="2576859" y="5844834"/>
+            <a:ext cx="1972033" cy="772951"/>
           </a:xfrm>
           <a:prstGeom prst="roundRect">
             <a:avLst/>
@@ -6779,14 +7002,20 @@
       </p:sp>
       <p:sp>
         <p:nvSpPr>
-          <p:cNvPr id="54" name="圆角矩形 53"/>
+          <p:cNvPr id="92" name="圆角矩形 53">
+            <a:extLst>
+              <a:ext uri="{FF2B5EF4-FFF2-40B4-BE49-F238E27FC236}">
+                <a16:creationId xmlns:a16="http://schemas.microsoft.com/office/drawing/2014/main" id="{BD3FD780-0FEE-43BE-AADA-600AA35153BB}"/>
+              </a:ext>
+            </a:extLst>
+          </p:cNvPr>
           <p:cNvSpPr/>
           <p:nvPr/>
         </p:nvSpPr>
         <p:spPr>
           <a:xfrm>
-            <a:off x="338328" y="5686405"/>
-            <a:ext cx="1582836" cy="610872"/>
+            <a:off x="338328" y="5844833"/>
+            <a:ext cx="1600200" cy="772951"/>
           </a:xfrm>
           <a:prstGeom prst="roundRect">
             <a:avLst/>
@@ -6864,14 +7093,20 @@
       </p:sp>
       <p:sp>
         <p:nvSpPr>
-          <p:cNvPr id="55" name="右箭头 54"/>
+          <p:cNvPr id="93" name="右箭头 54">
+            <a:extLst>
+              <a:ext uri="{FF2B5EF4-FFF2-40B4-BE49-F238E27FC236}">
+                <a16:creationId xmlns:a16="http://schemas.microsoft.com/office/drawing/2014/main" id="{E12BEB43-D4DA-414B-B28D-724D01526BB9}"/>
+              </a:ext>
+            </a:extLst>
+          </p:cNvPr>
           <p:cNvSpPr/>
           <p:nvPr/>
         </p:nvSpPr>
         <p:spPr>
           <a:xfrm rot="10800000">
-            <a:off x="1964422" y="5914794"/>
-            <a:ext cx="417639" cy="201878"/>
+            <a:off x="1938528" y="6093588"/>
+            <a:ext cx="642915" cy="187654"/>
           </a:xfrm>
           <a:prstGeom prst="rightArrow">
             <a:avLst/>
@@ -6933,70 +7168,6 @@
           <a:chExt cx="0" cy="0"/>
         </a:xfrm>
       </p:grpSpPr>
-      <p:pic>
-        <p:nvPicPr>
-          <p:cNvPr id="4098" name="Picture 2"/>
-          <p:cNvPicPr>
-            <a:picLocks noChangeAspect="1" noChangeArrowheads="1"/>
-          </p:cNvPicPr>
-          <p:nvPr/>
-        </p:nvPicPr>
-        <p:blipFill>
-          <a:blip r:embed="rId2">
-            <a:extLst>
-              <a:ext uri="{28A0092B-C50C-407E-A947-70E740481C1C}">
-                <a14:useLocalDpi xmlns:a14="http://schemas.microsoft.com/office/drawing/2010/main" val="0"/>
-              </a:ext>
-            </a:extLst>
-          </a:blip>
-          <a:srcRect/>
-          <a:stretch>
-            <a:fillRect/>
-          </a:stretch>
-        </p:blipFill>
-        <p:spPr bwMode="auto">
-          <a:xfrm>
-            <a:off x="2534603" y="1890162"/>
-            <a:ext cx="6984301" cy="4147647"/>
-          </a:xfrm>
-          <a:prstGeom prst="rect">
-            <a:avLst/>
-          </a:prstGeom>
-          <a:noFill/>
-          <a:ln>
-            <a:noFill/>
-          </a:ln>
-          <a:effectLst/>
-          <a:extLst>
-            <a:ext uri="{909E8E84-426E-40DD-AFC4-6F175D3DCCD1}">
-              <a14:hiddenFill xmlns:a14="http://schemas.microsoft.com/office/drawing/2010/main">
-                <a:solidFill>
-                  <a:schemeClr val="accent1"/>
-                </a:solidFill>
-              </a14:hiddenFill>
-            </a:ext>
-            <a:ext uri="{91240B29-F687-4F45-9708-019B960494DF}">
-              <a14:hiddenLine xmlns:a14="http://schemas.microsoft.com/office/drawing/2010/main" w="9525">
-                <a:solidFill>
-                  <a:schemeClr val="tx1"/>
-                </a:solidFill>
-                <a:miter lim="800000"/>
-                <a:headEnd/>
-                <a:tailEnd/>
-              </a14:hiddenLine>
-            </a:ext>
-            <a:ext uri="{AF507438-7753-43E0-B8FC-AC1667EBCBE1}">
-              <a14:hiddenEffects xmlns:a14="http://schemas.microsoft.com/office/drawing/2010/main">
-                <a:effectLst>
-                  <a:outerShdw dist="35921" dir="2700000" algn="ctr" rotWithShape="0">
-                    <a:schemeClr val="bg2"/>
-                  </a:outerShdw>
-                </a:effectLst>
-              </a14:hiddenEffects>
-            </a:ext>
-          </a:extLst>
-        </p:spPr>
-      </p:pic>
       <p:sp>
         <p:nvSpPr>
           <p:cNvPr id="2" name="标题 1"/>
@@ -7204,15 +7375,91 @@
           </a:p>
         </p:txBody>
       </p:sp>
+      <p:pic>
+        <p:nvPicPr>
+          <p:cNvPr id="22" name="Picture 3">
+            <a:extLst>
+              <a:ext uri="{FF2B5EF4-FFF2-40B4-BE49-F238E27FC236}">
+                <a16:creationId xmlns:a16="http://schemas.microsoft.com/office/drawing/2014/main" id="{34155FEC-8412-4E9D-959E-ED0D8CBD50E1}"/>
+              </a:ext>
+            </a:extLst>
+          </p:cNvPr>
+          <p:cNvPicPr>
+            <a:picLocks noChangeAspect="1" noChangeArrowheads="1"/>
+          </p:cNvPicPr>
+          <p:nvPr/>
+        </p:nvPicPr>
+        <p:blipFill>
+          <a:blip r:embed="rId2">
+            <a:extLst>
+              <a:ext uri="{28A0092B-C50C-407E-A947-70E740481C1C}">
+                <a14:useLocalDpi xmlns:a14="http://schemas.microsoft.com/office/drawing/2010/main" val="0"/>
+              </a:ext>
+            </a:extLst>
+          </a:blip>
+          <a:srcRect/>
+          <a:stretch>
+            <a:fillRect/>
+          </a:stretch>
+        </p:blipFill>
+        <p:spPr bwMode="auto">
+          <a:xfrm>
+            <a:off x="1680824" y="1706281"/>
+            <a:ext cx="6873410" cy="4274738"/>
+          </a:xfrm>
+          <a:prstGeom prst="rect">
+            <a:avLst/>
+          </a:prstGeom>
+          <a:noFill/>
+          <a:ln>
+            <a:noFill/>
+          </a:ln>
+          <a:effectLst/>
+          <a:extLst>
+            <a:ext uri="{909E8E84-426E-40DD-AFC4-6F175D3DCCD1}">
+              <a14:hiddenFill xmlns:a14="http://schemas.microsoft.com/office/drawing/2010/main">
+                <a:solidFill>
+                  <a:schemeClr val="accent1"/>
+                </a:solidFill>
+              </a14:hiddenFill>
+            </a:ext>
+            <a:ext uri="{91240B29-F687-4F45-9708-019B960494DF}">
+              <a14:hiddenLine xmlns:a14="http://schemas.microsoft.com/office/drawing/2010/main" w="9525">
+                <a:solidFill>
+                  <a:schemeClr val="tx1"/>
+                </a:solidFill>
+                <a:miter lim="800000"/>
+                <a:headEnd/>
+                <a:tailEnd/>
+              </a14:hiddenLine>
+            </a:ext>
+            <a:ext uri="{AF507438-7753-43E0-B8FC-AC1667EBCBE1}">
+              <a14:hiddenEffects xmlns:a14="http://schemas.microsoft.com/office/drawing/2010/main">
+                <a:effectLst>
+                  <a:outerShdw dist="35921" dir="2700000" algn="ctr" rotWithShape="0">
+                    <a:schemeClr val="bg2"/>
+                  </a:outerShdw>
+                </a:effectLst>
+              </a14:hiddenEffects>
+            </a:ext>
+          </a:extLst>
+        </p:spPr>
+      </p:pic>
       <p:sp>
         <p:nvSpPr>
-          <p:cNvPr id="14" name="线形标注 2 13"/>
+          <p:cNvPr id="23" name="线形标注 2 13">
+            <a:extLst>
+              <a:ext uri="{FF2B5EF4-FFF2-40B4-BE49-F238E27FC236}">
+                <a16:creationId xmlns:a16="http://schemas.microsoft.com/office/drawing/2014/main" id="{64F45399-6877-48F2-BC63-A9EFC1958DDD}"/>
+              </a:ext>
+            </a:extLst>
+          </p:cNvPr>
           <p:cNvSpPr/>
           <p:nvPr/>
         </p:nvSpPr>
         <p:spPr>
           <a:xfrm>
-            <a:off x="1162493" y="4254810"/>
+            <a:off x="632141" y="4254810"/>
             <a:ext cx="1726419" cy="347472"/>
           </a:xfrm>
           <a:prstGeom prst="borderCallout2">
@@ -7221,8 +7468,8 @@
               <a:gd name="adj2" fmla="val 100625"/>
               <a:gd name="adj3" fmla="val 52372"/>
               <a:gd name="adj4" fmla="val 123059"/>
-              <a:gd name="adj5" fmla="val -159495"/>
-              <a:gd name="adj6" fmla="val 196572"/>
+              <a:gd name="adj5" fmla="val -154232"/>
+              <a:gd name="adj6" fmla="val 173267"/>
             </a:avLst>
           </a:prstGeom>
           <a:noFill/>
@@ -7275,7 +7522,13 @@
       </p:sp>
       <p:sp>
         <p:nvSpPr>
-          <p:cNvPr id="17" name="线形标注 2 16"/>
+          <p:cNvPr id="24" name="线形标注 2 16">
+            <a:extLst>
+              <a:ext uri="{FF2B5EF4-FFF2-40B4-BE49-F238E27FC236}">
+                <a16:creationId xmlns:a16="http://schemas.microsoft.com/office/drawing/2014/main" id="{FDE22228-20AE-45FF-A0FA-C829905571EB}"/>
+              </a:ext>
+            </a:extLst>
+          </p:cNvPr>
           <p:cNvSpPr/>
           <p:nvPr/>
         </p:nvSpPr>
@@ -7290,8 +7543,8 @@
               <a:gd name="adj2" fmla="val 100625"/>
               <a:gd name="adj3" fmla="val 52372"/>
               <a:gd name="adj4" fmla="val 123059"/>
-              <a:gd name="adj5" fmla="val -333178"/>
-              <a:gd name="adj6" fmla="val 199312"/>
+              <a:gd name="adj5" fmla="val -209494"/>
+              <a:gd name="adj6" fmla="val 185303"/>
             </a:avLst>
           </a:prstGeom>
           <a:noFill/>
@@ -7344,18 +7597,27 @@
       </p:sp>
       <p:sp>
         <p:nvSpPr>
-          <p:cNvPr id="11" name="上弧形箭头 10"/>
+          <p:cNvPr id="25" name="上弧形箭头 10">
+            <a:extLst>
+              <a:ext uri="{FF2B5EF4-FFF2-40B4-BE49-F238E27FC236}">
+                <a16:creationId xmlns:a16="http://schemas.microsoft.com/office/drawing/2014/main" id="{ECAB86D3-5E15-44FF-83B9-55FC1BD04886}"/>
+              </a:ext>
+            </a:extLst>
+          </p:cNvPr>
           <p:cNvSpPr/>
           <p:nvPr/>
         </p:nvSpPr>
         <p:spPr>
           <a:xfrm rot="5676816">
-            <a:off x="6050401" y="3987787"/>
+            <a:off x="6086977" y="4591577"/>
             <a:ext cx="228600" cy="298034"/>
           </a:xfrm>
           <a:prstGeom prst="curvedDownArrow">
             <a:avLst/>
           </a:prstGeom>
+          <a:solidFill>
+            <a:schemeClr val="accent5"/>
+          </a:solidFill>
         </p:spPr>
         <p:style>
           <a:lnRef idx="2">
@@ -7378,28 +7640,33 @@
           <a:lstStyle/>
           <a:p>
             <a:pPr algn="ctr"/>
-            <a:endParaRPr lang="zh-CN" altLang="en-US">
-              <a:solidFill>
-                <a:schemeClr val="tx1"/>
-              </a:solidFill>
-            </a:endParaRPr>
+            <a:endParaRPr lang="zh-CN" altLang="en-US" sz="900"/>
           </a:p>
         </p:txBody>
       </p:sp>
       <p:sp>
         <p:nvSpPr>
-          <p:cNvPr id="15" name="矩形 14"/>
+          <p:cNvPr id="26" name="矩形 25">
+            <a:extLst>
+              <a:ext uri="{FF2B5EF4-FFF2-40B4-BE49-F238E27FC236}">
+                <a16:creationId xmlns:a16="http://schemas.microsoft.com/office/drawing/2014/main" id="{A21376C6-CF05-4E69-9451-7AF89E9639E6}"/>
+              </a:ext>
+            </a:extLst>
+          </p:cNvPr>
           <p:cNvSpPr/>
           <p:nvPr/>
         </p:nvSpPr>
         <p:spPr>
           <a:xfrm>
-            <a:off x="6322429" y="4009647"/>
+            <a:off x="5952175" y="4389986"/>
             <a:ext cx="498203" cy="176872"/>
           </a:xfrm>
           <a:prstGeom prst="rect">
             <a:avLst/>
           </a:prstGeom>
+          <a:solidFill>
+            <a:schemeClr val="accent5"/>
+          </a:solidFill>
         </p:spPr>
         <p:style>
           <a:lnRef idx="2">
@@ -7423,11 +7690,11 @@
           <a:p>
             <a:pPr algn="ctr"/>
             <a:r>
-              <a:rPr lang="en-US" altLang="zh-CN" sz="1050" dirty="0"/>
+              <a:rPr lang="en-US" altLang="zh-CN" sz="900" dirty="0"/>
               <a:t>C</a:t>
             </a:r>
             <a:r>
-              <a:rPr lang="zh-CN" altLang="en-US" sz="1050" dirty="0"/>
+              <a:rPr lang="zh-CN" altLang="en-US" sz="900" dirty="0"/>
               <a:t>轴</a:t>
             </a:r>
           </a:p>
@@ -7435,18 +7702,27 @@
       </p:sp>
       <p:sp>
         <p:nvSpPr>
-          <p:cNvPr id="18" name="矩形 17"/>
+          <p:cNvPr id="27" name="矩形 26">
+            <a:extLst>
+              <a:ext uri="{FF2B5EF4-FFF2-40B4-BE49-F238E27FC236}">
+                <a16:creationId xmlns:a16="http://schemas.microsoft.com/office/drawing/2014/main" id="{F6E76B21-C5A9-4095-AF80-A7C3A4666CB7}"/>
+              </a:ext>
+            </a:extLst>
+          </p:cNvPr>
           <p:cNvSpPr/>
           <p:nvPr/>
         </p:nvSpPr>
         <p:spPr>
           <a:xfrm>
-            <a:off x="6995355" y="5093129"/>
+            <a:off x="6630618" y="5495992"/>
             <a:ext cx="498203" cy="176872"/>
           </a:xfrm>
           <a:prstGeom prst="rect">
             <a:avLst/>
           </a:prstGeom>
+          <a:solidFill>
+            <a:schemeClr val="accent5"/>
+          </a:solidFill>
         </p:spPr>
         <p:style>
           <a:lnRef idx="2">
@@ -7470,11 +7746,11 @@
           <a:p>
             <a:pPr algn="ctr"/>
             <a:r>
-              <a:rPr lang="en-US" altLang="zh-CN" sz="1050" dirty="0"/>
+              <a:rPr lang="en-US" altLang="zh-CN" sz="900" dirty="0"/>
               <a:t>A</a:t>
             </a:r>
             <a:r>
-              <a:rPr lang="zh-CN" altLang="en-US" sz="1050" dirty="0"/>
+              <a:rPr lang="zh-CN" altLang="en-US" sz="900" dirty="0"/>
               <a:t>轴</a:t>
             </a:r>
           </a:p>
@@ -7482,18 +7758,27 @@
       </p:sp>
       <p:sp>
         <p:nvSpPr>
-          <p:cNvPr id="4" name="上弧形箭头 3"/>
+          <p:cNvPr id="28" name="上弧形箭头 3">
+            <a:extLst>
+              <a:ext uri="{FF2B5EF4-FFF2-40B4-BE49-F238E27FC236}">
+                <a16:creationId xmlns:a16="http://schemas.microsoft.com/office/drawing/2014/main" id="{567ED05A-085F-47FC-9C75-F45DE1EC036B}"/>
+              </a:ext>
+            </a:extLst>
+          </p:cNvPr>
           <p:cNvSpPr/>
           <p:nvPr/>
         </p:nvSpPr>
         <p:spPr>
-          <a:xfrm>
-            <a:off x="6292638" y="4602282"/>
+          <a:xfrm rot="20766444">
+            <a:off x="5970278" y="4954816"/>
             <a:ext cx="557784" cy="276625"/>
           </a:xfrm>
           <a:prstGeom prst="curvedDownArrow">
             <a:avLst/>
           </a:prstGeom>
+          <a:solidFill>
+            <a:schemeClr val="accent5"/>
+          </a:solidFill>
         </p:spPr>
         <p:style>
           <a:lnRef idx="2">
@@ -7516,28 +7801,33 @@
           <a:lstStyle/>
           <a:p>
             <a:pPr algn="ctr"/>
-            <a:endParaRPr lang="zh-CN" altLang="en-US">
-              <a:solidFill>
-                <a:schemeClr val="tx1"/>
-              </a:solidFill>
-            </a:endParaRPr>
+            <a:endParaRPr lang="zh-CN" altLang="en-US" sz="900"/>
           </a:p>
         </p:txBody>
       </p:sp>
       <p:sp>
         <p:nvSpPr>
-          <p:cNvPr id="19" name="上弧形箭头 18"/>
+          <p:cNvPr id="29" name="上弧形箭头 18">
+            <a:extLst>
+              <a:ext uri="{FF2B5EF4-FFF2-40B4-BE49-F238E27FC236}">
+                <a16:creationId xmlns:a16="http://schemas.microsoft.com/office/drawing/2014/main" id="{E48DF5E2-C582-482B-9DB0-B11A43AEDDC6}"/>
+              </a:ext>
+            </a:extLst>
+          </p:cNvPr>
           <p:cNvSpPr/>
           <p:nvPr/>
         </p:nvSpPr>
         <p:spPr>
           <a:xfrm rot="10384481">
-            <a:off x="6292637" y="5131688"/>
+            <a:off x="6018906" y="5446115"/>
             <a:ext cx="557784" cy="276625"/>
           </a:xfrm>
           <a:prstGeom prst="curvedDownArrow">
             <a:avLst/>
           </a:prstGeom>
+          <a:solidFill>
+            <a:schemeClr val="accent5"/>
+          </a:solidFill>
         </p:spPr>
         <p:style>
           <a:lnRef idx="2">
@@ -7560,23 +7850,25 @@
           <a:lstStyle/>
           <a:p>
             <a:pPr algn="ctr"/>
-            <a:endParaRPr lang="zh-CN" altLang="en-US">
-              <a:solidFill>
-                <a:schemeClr val="tx1"/>
-              </a:solidFill>
-            </a:endParaRPr>
+            <a:endParaRPr lang="zh-CN" altLang="en-US" sz="900"/>
           </a:p>
         </p:txBody>
       </p:sp>
       <p:sp>
         <p:nvSpPr>
-          <p:cNvPr id="20" name="左右箭头 19"/>
+          <p:cNvPr id="30" name="左右箭头 19">
+            <a:extLst>
+              <a:ext uri="{FF2B5EF4-FFF2-40B4-BE49-F238E27FC236}">
+                <a16:creationId xmlns:a16="http://schemas.microsoft.com/office/drawing/2014/main" id="{6E8CD249-9434-4933-B2D9-F870F61772E7}"/>
+              </a:ext>
+            </a:extLst>
+          </p:cNvPr>
           <p:cNvSpPr/>
           <p:nvPr/>
         </p:nvSpPr>
         <p:spPr>
-          <a:xfrm rot="9456935">
-            <a:off x="7154168" y="5316920"/>
+          <a:xfrm rot="9229150">
+            <a:off x="7154169" y="4998141"/>
             <a:ext cx="1201462" cy="132153"/>
           </a:xfrm>
           <a:prstGeom prst="leftRightArrow">
@@ -7610,13 +7902,19 @@
       </p:sp>
       <p:sp>
         <p:nvSpPr>
-          <p:cNvPr id="16" name="线形标注 2 15"/>
+          <p:cNvPr id="31" name="线形标注 2 15">
+            <a:extLst>
+              <a:ext uri="{FF2B5EF4-FFF2-40B4-BE49-F238E27FC236}">
+                <a16:creationId xmlns:a16="http://schemas.microsoft.com/office/drawing/2014/main" id="{58765B50-E0AA-4D85-B4C2-A4F5AEC26664}"/>
+              </a:ext>
+            </a:extLst>
+          </p:cNvPr>
           <p:cNvSpPr/>
           <p:nvPr/>
         </p:nvSpPr>
         <p:spPr>
           <a:xfrm>
-            <a:off x="7855221" y="5864073"/>
+            <a:off x="8202241" y="5693106"/>
             <a:ext cx="1188195" cy="347472"/>
           </a:xfrm>
           <a:prstGeom prst="borderCallout2">
@@ -7625,8 +7923,8 @@
               <a:gd name="adj2" fmla="val -333"/>
               <a:gd name="adj3" fmla="val 47109"/>
               <a:gd name="adj4" fmla="val -27667"/>
-              <a:gd name="adj5" fmla="val -380329"/>
-              <a:gd name="adj6" fmla="val -113115"/>
+              <a:gd name="adj5" fmla="val -235592"/>
+              <a:gd name="adj6" fmla="val -163906"/>
             </a:avLst>
           </a:prstGeom>
           <a:noFill/>
@@ -7666,7 +7964,13 @@
       </p:sp>
       <p:pic>
         <p:nvPicPr>
-          <p:cNvPr id="4099" name="Picture 3"/>
+          <p:cNvPr id="32" name="Picture 3">
+            <a:extLst>
+              <a:ext uri="{FF2B5EF4-FFF2-40B4-BE49-F238E27FC236}">
+                <a16:creationId xmlns:a16="http://schemas.microsoft.com/office/drawing/2014/main" id="{4C8F29DA-3D30-4954-970C-7C913FD6DC86}"/>
+              </a:ext>
+            </a:extLst>
+          </p:cNvPr>
           <p:cNvPicPr>
             <a:picLocks noChangeAspect="1" noChangeArrowheads="1"/>
           </p:cNvPicPr>
@@ -7730,7 +8034,13 @@
       </p:pic>
       <p:sp>
         <p:nvSpPr>
-          <p:cNvPr id="21" name="线形标注 2 20"/>
+          <p:cNvPr id="33" name="线形标注 2 20">
+            <a:extLst>
+              <a:ext uri="{FF2B5EF4-FFF2-40B4-BE49-F238E27FC236}">
+                <a16:creationId xmlns:a16="http://schemas.microsoft.com/office/drawing/2014/main" id="{86C28B5D-4E6D-48CC-B496-3D78EC89D265}"/>
+              </a:ext>
+            </a:extLst>
+          </p:cNvPr>
           <p:cNvSpPr/>
           <p:nvPr/>
         </p:nvSpPr>
@@ -7815,70 +8125,6 @@
           <a:chExt cx="0" cy="0"/>
         </a:xfrm>
       </p:grpSpPr>
-      <p:pic>
-        <p:nvPicPr>
-          <p:cNvPr id="3" name="Picture 2"/>
-          <p:cNvPicPr>
-            <a:picLocks noChangeAspect="1" noChangeArrowheads="1"/>
-          </p:cNvPicPr>
-          <p:nvPr/>
-        </p:nvPicPr>
-        <p:blipFill>
-          <a:blip r:embed="rId2">
-            <a:extLst>
-              <a:ext uri="{28A0092B-C50C-407E-A947-70E740481C1C}">
-                <a14:useLocalDpi xmlns:a14="http://schemas.microsoft.com/office/drawing/2010/main" val="0"/>
-              </a:ext>
-            </a:extLst>
-          </a:blip>
-          <a:srcRect/>
-          <a:stretch>
-            <a:fillRect/>
-          </a:stretch>
-        </p:blipFill>
-        <p:spPr bwMode="auto">
-          <a:xfrm>
-            <a:off x="2659759" y="1556754"/>
-            <a:ext cx="5588129" cy="4621668"/>
-          </a:xfrm>
-          <a:prstGeom prst="rect">
-            <a:avLst/>
-          </a:prstGeom>
-          <a:noFill/>
-          <a:ln>
-            <a:noFill/>
-          </a:ln>
-          <a:effectLst/>
-          <a:extLst>
-            <a:ext uri="{909E8E84-426E-40DD-AFC4-6F175D3DCCD1}">
-              <a14:hiddenFill xmlns:a14="http://schemas.microsoft.com/office/drawing/2010/main">
-                <a:solidFill>
-                  <a:schemeClr val="accent1"/>
-                </a:solidFill>
-              </a14:hiddenFill>
-            </a:ext>
-            <a:ext uri="{91240B29-F687-4F45-9708-019B960494DF}">
-              <a14:hiddenLine xmlns:a14="http://schemas.microsoft.com/office/drawing/2010/main" w="9525">
-                <a:solidFill>
-                  <a:schemeClr val="tx1"/>
-                </a:solidFill>
-                <a:miter lim="800000"/>
-                <a:headEnd/>
-                <a:tailEnd/>
-              </a14:hiddenLine>
-            </a:ext>
-            <a:ext uri="{AF507438-7753-43E0-B8FC-AC1667EBCBE1}">
-              <a14:hiddenEffects xmlns:a14="http://schemas.microsoft.com/office/drawing/2010/main">
-                <a:effectLst>
-                  <a:outerShdw dist="35921" dir="2700000" algn="ctr" rotWithShape="0">
-                    <a:schemeClr val="bg2"/>
-                  </a:outerShdw>
-                </a:effectLst>
-              </a14:hiddenEffects>
-            </a:ext>
-          </a:extLst>
-        </p:spPr>
-      </p:pic>
       <p:sp>
         <p:nvSpPr>
           <p:cNvPr id="2" name="标题 1"/>
@@ -8059,15 +8305,91 @@
           </a:p>
         </p:txBody>
       </p:sp>
+      <p:pic>
+        <p:nvPicPr>
+          <p:cNvPr id="16" name="Picture 2">
+            <a:extLst>
+              <a:ext uri="{FF2B5EF4-FFF2-40B4-BE49-F238E27FC236}">
+                <a16:creationId xmlns:a16="http://schemas.microsoft.com/office/drawing/2014/main" id="{17BC6462-8C9E-4A6F-9E59-B94C91D7577F}"/>
+              </a:ext>
+            </a:extLst>
+          </p:cNvPr>
+          <p:cNvPicPr>
+            <a:picLocks noChangeAspect="1" noChangeArrowheads="1"/>
+          </p:cNvPicPr>
+          <p:nvPr/>
+        </p:nvPicPr>
+        <p:blipFill>
+          <a:blip r:embed="rId2">
+            <a:extLst>
+              <a:ext uri="{28A0092B-C50C-407E-A947-70E740481C1C}">
+                <a14:useLocalDpi xmlns:a14="http://schemas.microsoft.com/office/drawing/2010/main" val="0"/>
+              </a:ext>
+            </a:extLst>
+          </a:blip>
+          <a:srcRect/>
+          <a:stretch>
+            <a:fillRect/>
+          </a:stretch>
+        </p:blipFill>
+        <p:spPr bwMode="auto">
+          <a:xfrm>
+            <a:off x="2578249" y="1441400"/>
+            <a:ext cx="6580270" cy="4843810"/>
+          </a:xfrm>
+          <a:prstGeom prst="rect">
+            <a:avLst/>
+          </a:prstGeom>
+          <a:noFill/>
+          <a:ln>
+            <a:noFill/>
+          </a:ln>
+          <a:effectLst/>
+          <a:extLst>
+            <a:ext uri="{909E8E84-426E-40DD-AFC4-6F175D3DCCD1}">
+              <a14:hiddenFill xmlns:a14="http://schemas.microsoft.com/office/drawing/2010/main">
+                <a:solidFill>
+                  <a:schemeClr val="accent1"/>
+                </a:solidFill>
+              </a14:hiddenFill>
+            </a:ext>
+            <a:ext uri="{91240B29-F687-4F45-9708-019B960494DF}">
+              <a14:hiddenLine xmlns:a14="http://schemas.microsoft.com/office/drawing/2010/main" w="9525">
+                <a:solidFill>
+                  <a:schemeClr val="tx1"/>
+                </a:solidFill>
+                <a:miter lim="800000"/>
+                <a:headEnd/>
+                <a:tailEnd/>
+              </a14:hiddenLine>
+            </a:ext>
+            <a:ext uri="{AF507438-7753-43E0-B8FC-AC1667EBCBE1}">
+              <a14:hiddenEffects xmlns:a14="http://schemas.microsoft.com/office/drawing/2010/main">
+                <a:effectLst>
+                  <a:outerShdw dist="35921" dir="2700000" algn="ctr" rotWithShape="0">
+                    <a:schemeClr val="bg2"/>
+                  </a:outerShdw>
+                </a:effectLst>
+              </a14:hiddenEffects>
+            </a:ext>
+          </a:extLst>
+        </p:spPr>
+      </p:pic>
       <p:sp>
         <p:nvSpPr>
-          <p:cNvPr id="12" name="线形标注 2 11"/>
+          <p:cNvPr id="20" name="线形标注 2 11">
+            <a:extLst>
+              <a:ext uri="{FF2B5EF4-FFF2-40B4-BE49-F238E27FC236}">
+                <a16:creationId xmlns:a16="http://schemas.microsoft.com/office/drawing/2014/main" id="{74D26653-028F-4A83-A966-0C2A0DEFD34B}"/>
+              </a:ext>
+            </a:extLst>
+          </p:cNvPr>
           <p:cNvSpPr/>
           <p:nvPr/>
         </p:nvSpPr>
         <p:spPr>
           <a:xfrm>
-            <a:off x="8561470" y="3672120"/>
+            <a:off x="8976568" y="3362838"/>
             <a:ext cx="1497807" cy="347472"/>
           </a:xfrm>
           <a:prstGeom prst="borderCallout2">
@@ -8076,8 +8398,8 @@
               <a:gd name="adj2" fmla="val -333"/>
               <a:gd name="adj3" fmla="val 47109"/>
               <a:gd name="adj4" fmla="val -27667"/>
-              <a:gd name="adj5" fmla="val -113983"/>
-              <a:gd name="adj6" fmla="val -220657"/>
+              <a:gd name="adj5" fmla="val 38649"/>
+              <a:gd name="adj6" fmla="val -201121"/>
             </a:avLst>
           </a:prstGeom>
           <a:noFill/>
@@ -8125,13 +8447,19 @@
       </p:sp>
       <p:sp>
         <p:nvSpPr>
-          <p:cNvPr id="13" name="线形标注 2 12"/>
+          <p:cNvPr id="21" name="线形标注 2 12">
+            <a:extLst>
+              <a:ext uri="{FF2B5EF4-FFF2-40B4-BE49-F238E27FC236}">
+                <a16:creationId xmlns:a16="http://schemas.microsoft.com/office/drawing/2014/main" id="{1D20779F-8DC2-45AA-89FB-BFE69DCB148C}"/>
+              </a:ext>
+            </a:extLst>
+          </p:cNvPr>
           <p:cNvSpPr/>
           <p:nvPr/>
         </p:nvSpPr>
         <p:spPr>
           <a:xfrm>
-            <a:off x="8561470" y="2017783"/>
+            <a:off x="8884199" y="1708501"/>
             <a:ext cx="1590177" cy="347472"/>
           </a:xfrm>
           <a:prstGeom prst="borderCallout2">
@@ -8140,8 +8468,8 @@
               <a:gd name="adj2" fmla="val -333"/>
               <a:gd name="adj3" fmla="val 47109"/>
               <a:gd name="adj4" fmla="val -27667"/>
-              <a:gd name="adj5" fmla="val 301806"/>
-              <a:gd name="adj6" fmla="val -197622"/>
+              <a:gd name="adj5" fmla="val 330753"/>
+              <a:gd name="adj6" fmla="val -235574"/>
             </a:avLst>
           </a:prstGeom>
           <a:noFill/>
@@ -8181,18 +8509,27 @@
       </p:sp>
       <p:sp>
         <p:nvSpPr>
-          <p:cNvPr id="11" name="左右箭头 10"/>
+          <p:cNvPr id="22" name="左右箭头 10">
+            <a:extLst>
+              <a:ext uri="{FF2B5EF4-FFF2-40B4-BE49-F238E27FC236}">
+                <a16:creationId xmlns:a16="http://schemas.microsoft.com/office/drawing/2014/main" id="{2784FA66-0781-437D-B986-2333C74BE59A}"/>
+              </a:ext>
+            </a:extLst>
+          </p:cNvPr>
           <p:cNvSpPr/>
           <p:nvPr/>
         </p:nvSpPr>
         <p:spPr>
-          <a:xfrm rot="12925088">
-            <a:off x="4867041" y="3978025"/>
+          <a:xfrm rot="12232320">
+            <a:off x="5085043" y="3344908"/>
             <a:ext cx="1054337" cy="126599"/>
           </a:xfrm>
           <a:prstGeom prst="leftRightArrow">
             <a:avLst/>
           </a:prstGeom>
+          <a:solidFill>
+            <a:schemeClr val="accent5"/>
+          </a:solidFill>
         </p:spPr>
         <p:style>
           <a:lnRef idx="2">
@@ -8215,24 +8552,33 @@
           <a:lstStyle/>
           <a:p>
             <a:pPr algn="ctr"/>
-            <a:endParaRPr lang="zh-CN" altLang="en-US"/>
+            <a:endParaRPr lang="zh-CN" altLang="en-US" sz="900"/>
           </a:p>
         </p:txBody>
       </p:sp>
       <p:sp>
         <p:nvSpPr>
-          <p:cNvPr id="14" name="矩形 13"/>
+          <p:cNvPr id="23" name="矩形 22">
+            <a:extLst>
+              <a:ext uri="{FF2B5EF4-FFF2-40B4-BE49-F238E27FC236}">
+                <a16:creationId xmlns:a16="http://schemas.microsoft.com/office/drawing/2014/main" id="{A18647CA-679A-4442-939A-C8E4785D2610}"/>
+              </a:ext>
+            </a:extLst>
+          </p:cNvPr>
           <p:cNvSpPr/>
           <p:nvPr/>
         </p:nvSpPr>
         <p:spPr>
-          <a:xfrm rot="2029349">
-            <a:off x="4970804" y="4084151"/>
+          <a:xfrm rot="1914475">
+            <a:off x="5363112" y="3833803"/>
             <a:ext cx="498203" cy="176872"/>
           </a:xfrm>
           <a:prstGeom prst="rect">
             <a:avLst/>
           </a:prstGeom>
+          <a:solidFill>
+            <a:schemeClr val="accent5"/>
+          </a:solidFill>
         </p:spPr>
         <p:style>
           <a:lnRef idx="2">
@@ -8256,11 +8602,11 @@
           <a:p>
             <a:pPr algn="ctr"/>
             <a:r>
-              <a:rPr lang="en-US" altLang="zh-CN" sz="1050" dirty="0"/>
+              <a:rPr lang="en-US" altLang="zh-CN" sz="900" dirty="0"/>
               <a:t>X</a:t>
             </a:r>
             <a:r>
-              <a:rPr lang="zh-CN" altLang="en-US" sz="1050" dirty="0"/>
+              <a:rPr lang="zh-CN" altLang="en-US" sz="900" dirty="0"/>
               <a:t>轴</a:t>
             </a:r>
           </a:p>
@@ -8268,13 +8614,19 @@
       </p:sp>
       <p:sp>
         <p:nvSpPr>
-          <p:cNvPr id="15" name="线形标注 2 14"/>
+          <p:cNvPr id="24" name="线形标注 2 14">
+            <a:extLst>
+              <a:ext uri="{FF2B5EF4-FFF2-40B4-BE49-F238E27FC236}">
+                <a16:creationId xmlns:a16="http://schemas.microsoft.com/office/drawing/2014/main" id="{516BA329-E7BA-48AC-9301-DE93CCB86A91}"/>
+              </a:ext>
+            </a:extLst>
+          </p:cNvPr>
           <p:cNvSpPr/>
           <p:nvPr/>
         </p:nvSpPr>
         <p:spPr>
           <a:xfrm>
-            <a:off x="778445" y="4083924"/>
+            <a:off x="927438" y="3774642"/>
             <a:ext cx="1726419" cy="347472"/>
           </a:xfrm>
           <a:prstGeom prst="borderCallout2">
@@ -8283,8 +8635,8 @@
               <a:gd name="adj2" fmla="val 100625"/>
               <a:gd name="adj3" fmla="val 52372"/>
               <a:gd name="adj4" fmla="val 123059"/>
-              <a:gd name="adj5" fmla="val -277916"/>
-              <a:gd name="adj6" fmla="val 192864"/>
+              <a:gd name="adj5" fmla="val -233179"/>
+              <a:gd name="adj6" fmla="val 173267"/>
             </a:avLst>
           </a:prstGeom>
           <a:noFill/>
@@ -8324,13 +8676,19 @@
       </p:sp>
       <p:sp>
         <p:nvSpPr>
-          <p:cNvPr id="17" name="线形标注 2 16"/>
+          <p:cNvPr id="25" name="线形标注 2 16">
+            <a:extLst>
+              <a:ext uri="{FF2B5EF4-FFF2-40B4-BE49-F238E27FC236}">
+                <a16:creationId xmlns:a16="http://schemas.microsoft.com/office/drawing/2014/main" id="{ECEF3C46-24ED-4E73-8D29-0DC6D002A0F3}"/>
+              </a:ext>
+            </a:extLst>
+          </p:cNvPr>
           <p:cNvSpPr/>
           <p:nvPr/>
         </p:nvSpPr>
         <p:spPr>
           <a:xfrm>
-            <a:off x="8653840" y="4842552"/>
+            <a:off x="8976569" y="4533270"/>
             <a:ext cx="1497807" cy="347472"/>
           </a:xfrm>
           <a:prstGeom prst="borderCallout2">
@@ -8339,8 +8697,8 @@
               <a:gd name="adj2" fmla="val -333"/>
               <a:gd name="adj3" fmla="val 47109"/>
               <a:gd name="adj4" fmla="val -27667"/>
-              <a:gd name="adj5" fmla="val -390298"/>
-              <a:gd name="adj6" fmla="val -196237"/>
+              <a:gd name="adj5" fmla="val -142930"/>
+              <a:gd name="adj6" fmla="val -248129"/>
             </a:avLst>
           </a:prstGeom>
           <a:noFill/>
@@ -8380,13 +8738,19 @@
       </p:sp>
       <p:sp>
         <p:nvSpPr>
-          <p:cNvPr id="18" name="线形标注 2 17"/>
+          <p:cNvPr id="26" name="线形标注 2 17">
+            <a:extLst>
+              <a:ext uri="{FF2B5EF4-FFF2-40B4-BE49-F238E27FC236}">
+                <a16:creationId xmlns:a16="http://schemas.microsoft.com/office/drawing/2014/main" id="{1A5BC17C-A6F2-4953-B246-65B9310ACF9F}"/>
+              </a:ext>
+            </a:extLst>
+          </p:cNvPr>
           <p:cNvSpPr/>
           <p:nvPr/>
         </p:nvSpPr>
         <p:spPr>
           <a:xfrm>
-            <a:off x="778444" y="4916028"/>
+            <a:off x="881717" y="4533594"/>
             <a:ext cx="1726419" cy="347472"/>
           </a:xfrm>
           <a:prstGeom prst="borderCallout2">
@@ -8395,8 +8759,8 @@
               <a:gd name="adj2" fmla="val 100625"/>
               <a:gd name="adj3" fmla="val 52372"/>
               <a:gd name="adj4" fmla="val 123059"/>
-              <a:gd name="adj5" fmla="val -485811"/>
-              <a:gd name="adj6" fmla="val 208754"/>
+              <a:gd name="adj5" fmla="val -409495"/>
+              <a:gd name="adj6" fmla="val 192335"/>
             </a:avLst>
           </a:prstGeom>
           <a:noFill/>
@@ -8436,62 +8800,6 @@
                 <a:schemeClr val="tx1"/>
               </a:solidFill>
             </a:endParaRPr>
-          </a:p>
-        </p:txBody>
-      </p:sp>
-      <p:sp>
-        <p:nvSpPr>
-          <p:cNvPr id="19" name="线形标注 2 18"/>
-          <p:cNvSpPr/>
-          <p:nvPr/>
-        </p:nvSpPr>
-        <p:spPr>
-          <a:xfrm>
-            <a:off x="778443" y="5674980"/>
-            <a:ext cx="1726419" cy="347472"/>
-          </a:xfrm>
-          <a:prstGeom prst="borderCallout2">
-            <a:avLst>
-              <a:gd name="adj1" fmla="val 52371"/>
-              <a:gd name="adj2" fmla="val 100625"/>
-              <a:gd name="adj3" fmla="val 52372"/>
-              <a:gd name="adj4" fmla="val 123059"/>
-              <a:gd name="adj5" fmla="val -483179"/>
-              <a:gd name="adj6" fmla="val 220936"/>
-            </a:avLst>
-          </a:prstGeom>
-          <a:noFill/>
-          <a:ln w="19050"/>
-        </p:spPr>
-        <p:style>
-          <a:lnRef idx="2">
-            <a:schemeClr val="accent1">
-              <a:shade val="50000"/>
-            </a:schemeClr>
-          </a:lnRef>
-          <a:fillRef idx="1">
-            <a:schemeClr val="accent1"/>
-          </a:fillRef>
-          <a:effectRef idx="0">
-            <a:schemeClr val="accent1"/>
-          </a:effectRef>
-          <a:fontRef idx="minor">
-            <a:schemeClr val="lt1"/>
-          </a:fontRef>
-        </p:style>
-        <p:txBody>
-          <a:bodyPr rtlCol="0" anchor="ctr"/>
-          <a:lstStyle/>
-          <a:p>
-            <a:pPr algn="ctr"/>
-            <a:r>
-              <a:rPr lang="zh-CN" altLang="en-US" sz="1600" dirty="0">
-                <a:solidFill>
-                  <a:schemeClr val="tx1"/>
-                </a:solidFill>
-              </a:rPr>
-              <a:t>光源</a:t>
-            </a:r>
           </a:p>
         </p:txBody>
       </p:sp>
@@ -8526,134 +8834,6 @@
           <a:chExt cx="0" cy="0"/>
         </a:xfrm>
       </p:grpSpPr>
-      <p:pic>
-        <p:nvPicPr>
-          <p:cNvPr id="1026" name="Picture 2"/>
-          <p:cNvPicPr>
-            <a:picLocks noChangeAspect="1" noChangeArrowheads="1"/>
-          </p:cNvPicPr>
-          <p:nvPr/>
-        </p:nvPicPr>
-        <p:blipFill>
-          <a:blip r:embed="rId2">
-            <a:extLst>
-              <a:ext uri="{28A0092B-C50C-407E-A947-70E740481C1C}">
-                <a14:useLocalDpi xmlns:a14="http://schemas.microsoft.com/office/drawing/2010/main" val="0"/>
-              </a:ext>
-            </a:extLst>
-          </a:blip>
-          <a:srcRect/>
-          <a:stretch>
-            <a:fillRect/>
-          </a:stretch>
-        </p:blipFill>
-        <p:spPr bwMode="auto">
-          <a:xfrm>
-            <a:off x="6689133" y="2174366"/>
-            <a:ext cx="5224836" cy="3796752"/>
-          </a:xfrm>
-          <a:prstGeom prst="rect">
-            <a:avLst/>
-          </a:prstGeom>
-          <a:noFill/>
-          <a:ln>
-            <a:noFill/>
-          </a:ln>
-          <a:effectLst/>
-          <a:extLst>
-            <a:ext uri="{909E8E84-426E-40DD-AFC4-6F175D3DCCD1}">
-              <a14:hiddenFill xmlns:a14="http://schemas.microsoft.com/office/drawing/2010/main">
-                <a:solidFill>
-                  <a:schemeClr val="accent1"/>
-                </a:solidFill>
-              </a14:hiddenFill>
-            </a:ext>
-            <a:ext uri="{91240B29-F687-4F45-9708-019B960494DF}">
-              <a14:hiddenLine xmlns:a14="http://schemas.microsoft.com/office/drawing/2010/main" w="9525">
-                <a:solidFill>
-                  <a:schemeClr val="tx1"/>
-                </a:solidFill>
-                <a:miter lim="800000"/>
-                <a:headEnd/>
-                <a:tailEnd/>
-              </a14:hiddenLine>
-            </a:ext>
-            <a:ext uri="{AF507438-7753-43E0-B8FC-AC1667EBCBE1}">
-              <a14:hiddenEffects xmlns:a14="http://schemas.microsoft.com/office/drawing/2010/main">
-                <a:effectLst>
-                  <a:outerShdw dist="35921" dir="2700000" algn="ctr" rotWithShape="0">
-                    <a:schemeClr val="bg2"/>
-                  </a:outerShdw>
-                </a:effectLst>
-              </a14:hiddenEffects>
-            </a:ext>
-          </a:extLst>
-        </p:spPr>
-      </p:pic>
-      <p:pic>
-        <p:nvPicPr>
-          <p:cNvPr id="5122" name="Picture 2"/>
-          <p:cNvPicPr>
-            <a:picLocks noChangeAspect="1" noChangeArrowheads="1"/>
-          </p:cNvPicPr>
-          <p:nvPr/>
-        </p:nvPicPr>
-        <p:blipFill>
-          <a:blip r:embed="rId3">
-            <a:extLst>
-              <a:ext uri="{28A0092B-C50C-407E-A947-70E740481C1C}">
-                <a14:useLocalDpi xmlns:a14="http://schemas.microsoft.com/office/drawing/2010/main" val="0"/>
-              </a:ext>
-            </a:extLst>
-          </a:blip>
-          <a:srcRect/>
-          <a:stretch>
-            <a:fillRect/>
-          </a:stretch>
-        </p:blipFill>
-        <p:spPr bwMode="auto">
-          <a:xfrm>
-            <a:off x="1462447" y="1713487"/>
-            <a:ext cx="5084953" cy="4338538"/>
-          </a:xfrm>
-          <a:prstGeom prst="rect">
-            <a:avLst/>
-          </a:prstGeom>
-          <a:noFill/>
-          <a:ln>
-            <a:noFill/>
-          </a:ln>
-          <a:effectLst/>
-          <a:extLst>
-            <a:ext uri="{909E8E84-426E-40DD-AFC4-6F175D3DCCD1}">
-              <a14:hiddenFill xmlns:a14="http://schemas.microsoft.com/office/drawing/2010/main">
-                <a:solidFill>
-                  <a:schemeClr val="accent1"/>
-                </a:solidFill>
-              </a14:hiddenFill>
-            </a:ext>
-            <a:ext uri="{91240B29-F687-4F45-9708-019B960494DF}">
-              <a14:hiddenLine xmlns:a14="http://schemas.microsoft.com/office/drawing/2010/main" w="9525">
-                <a:solidFill>
-                  <a:schemeClr val="tx1"/>
-                </a:solidFill>
-                <a:miter lim="800000"/>
-                <a:headEnd/>
-                <a:tailEnd/>
-              </a14:hiddenLine>
-            </a:ext>
-            <a:ext uri="{AF507438-7753-43E0-B8FC-AC1667EBCBE1}">
-              <a14:hiddenEffects xmlns:a14="http://schemas.microsoft.com/office/drawing/2010/main">
-                <a:effectLst>
-                  <a:outerShdw dist="35921" dir="2700000" algn="ctr" rotWithShape="0">
-                    <a:schemeClr val="bg2"/>
-                  </a:outerShdw>
-                </a:effectLst>
-              </a14:hiddenEffects>
-            </a:ext>
-          </a:extLst>
-        </p:spPr>
-      </p:pic>
       <p:sp>
         <p:nvSpPr>
           <p:cNvPr id="2" name="标题 1"/>
@@ -8828,15 +9008,161 @@
           </a:p>
         </p:txBody>
       </p:sp>
+      <p:pic>
+        <p:nvPicPr>
+          <p:cNvPr id="14" name="Picture 3">
+            <a:extLst>
+              <a:ext uri="{FF2B5EF4-FFF2-40B4-BE49-F238E27FC236}">
+                <a16:creationId xmlns:a16="http://schemas.microsoft.com/office/drawing/2014/main" id="{94A05743-BB54-486F-AE5A-3F135847D7DE}"/>
+              </a:ext>
+            </a:extLst>
+          </p:cNvPr>
+          <p:cNvPicPr>
+            <a:picLocks noChangeAspect="1" noChangeArrowheads="1"/>
+          </p:cNvPicPr>
+          <p:nvPr/>
+        </p:nvPicPr>
+        <p:blipFill>
+          <a:blip r:embed="rId2">
+            <a:extLst>
+              <a:ext uri="{28A0092B-C50C-407E-A947-70E740481C1C}">
+                <a14:useLocalDpi xmlns:a14="http://schemas.microsoft.com/office/drawing/2010/main" val="0"/>
+              </a:ext>
+            </a:extLst>
+          </a:blip>
+          <a:srcRect/>
+          <a:stretch>
+            <a:fillRect/>
+          </a:stretch>
+        </p:blipFill>
+        <p:spPr bwMode="auto">
+          <a:xfrm>
+            <a:off x="6678014" y="1888934"/>
+            <a:ext cx="5015674" cy="3690462"/>
+          </a:xfrm>
+          <a:prstGeom prst="rect">
+            <a:avLst/>
+          </a:prstGeom>
+          <a:noFill/>
+          <a:ln>
+            <a:noFill/>
+          </a:ln>
+          <a:effectLst/>
+          <a:extLst>
+            <a:ext uri="{909E8E84-426E-40DD-AFC4-6F175D3DCCD1}">
+              <a14:hiddenFill xmlns:a14="http://schemas.microsoft.com/office/drawing/2010/main">
+                <a:solidFill>
+                  <a:schemeClr val="accent1"/>
+                </a:solidFill>
+              </a14:hiddenFill>
+            </a:ext>
+            <a:ext uri="{91240B29-F687-4F45-9708-019B960494DF}">
+              <a14:hiddenLine xmlns:a14="http://schemas.microsoft.com/office/drawing/2010/main" w="9525">
+                <a:solidFill>
+                  <a:schemeClr val="tx1"/>
+                </a:solidFill>
+                <a:miter lim="800000"/>
+                <a:headEnd/>
+                <a:tailEnd/>
+              </a14:hiddenLine>
+            </a:ext>
+            <a:ext uri="{AF507438-7753-43E0-B8FC-AC1667EBCBE1}">
+              <a14:hiddenEffects xmlns:a14="http://schemas.microsoft.com/office/drawing/2010/main">
+                <a:effectLst>
+                  <a:outerShdw dist="35921" dir="2700000" algn="ctr" rotWithShape="0">
+                    <a:schemeClr val="bg2"/>
+                  </a:outerShdw>
+                </a:effectLst>
+              </a14:hiddenEffects>
+            </a:ext>
+          </a:extLst>
+        </p:spPr>
+      </p:pic>
+      <p:pic>
+        <p:nvPicPr>
+          <p:cNvPr id="15" name="Picture 2">
+            <a:extLst>
+              <a:ext uri="{FF2B5EF4-FFF2-40B4-BE49-F238E27FC236}">
+                <a16:creationId xmlns:a16="http://schemas.microsoft.com/office/drawing/2014/main" id="{EED6F475-6D1D-45C8-8E65-06C873929902}"/>
+              </a:ext>
+            </a:extLst>
+          </p:cNvPr>
+          <p:cNvPicPr>
+            <a:picLocks noChangeAspect="1" noChangeArrowheads="1"/>
+          </p:cNvPicPr>
+          <p:nvPr/>
+        </p:nvPicPr>
+        <p:blipFill>
+          <a:blip r:embed="rId3">
+            <a:extLst>
+              <a:ext uri="{28A0092B-C50C-407E-A947-70E740481C1C}">
+                <a14:useLocalDpi xmlns:a14="http://schemas.microsoft.com/office/drawing/2010/main" val="0"/>
+              </a:ext>
+            </a:extLst>
+          </a:blip>
+          <a:srcRect/>
+          <a:stretch>
+            <a:fillRect/>
+          </a:stretch>
+        </p:blipFill>
+        <p:spPr bwMode="auto">
+          <a:xfrm>
+            <a:off x="1124118" y="1706836"/>
+            <a:ext cx="5489888" cy="4152522"/>
+          </a:xfrm>
+          <a:prstGeom prst="rect">
+            <a:avLst/>
+          </a:prstGeom>
+          <a:noFill/>
+          <a:ln>
+            <a:noFill/>
+          </a:ln>
+          <a:effectLst/>
+          <a:extLst>
+            <a:ext uri="{909E8E84-426E-40DD-AFC4-6F175D3DCCD1}">
+              <a14:hiddenFill xmlns:a14="http://schemas.microsoft.com/office/drawing/2010/main">
+                <a:solidFill>
+                  <a:schemeClr val="accent1"/>
+                </a:solidFill>
+              </a14:hiddenFill>
+            </a:ext>
+            <a:ext uri="{91240B29-F687-4F45-9708-019B960494DF}">
+              <a14:hiddenLine xmlns:a14="http://schemas.microsoft.com/office/drawing/2010/main" w="9525">
+                <a:solidFill>
+                  <a:schemeClr val="tx1"/>
+                </a:solidFill>
+                <a:miter lim="800000"/>
+                <a:headEnd/>
+                <a:tailEnd/>
+              </a14:hiddenLine>
+            </a:ext>
+            <a:ext uri="{AF507438-7753-43E0-B8FC-AC1667EBCBE1}">
+              <a14:hiddenEffects xmlns:a14="http://schemas.microsoft.com/office/drawing/2010/main">
+                <a:effectLst>
+                  <a:outerShdw dist="35921" dir="2700000" algn="ctr" rotWithShape="0">
+                    <a:schemeClr val="bg2"/>
+                  </a:outerShdw>
+                </a:effectLst>
+              </a14:hiddenEffects>
+            </a:ext>
+          </a:extLst>
+        </p:spPr>
+      </p:pic>
       <p:sp>
         <p:nvSpPr>
-          <p:cNvPr id="24" name="线形标注 2 23"/>
+          <p:cNvPr id="19" name="线形标注 2 23">
+            <a:extLst>
+              <a:ext uri="{FF2B5EF4-FFF2-40B4-BE49-F238E27FC236}">
+                <a16:creationId xmlns:a16="http://schemas.microsoft.com/office/drawing/2014/main" id="{1E85D925-EEB0-447D-867B-254B4A150ECB}"/>
+              </a:ext>
+            </a:extLst>
+          </p:cNvPr>
           <p:cNvSpPr/>
           <p:nvPr/>
         </p:nvSpPr>
         <p:spPr>
           <a:xfrm>
-            <a:off x="9803257" y="2000694"/>
+            <a:off x="9803257" y="1548764"/>
             <a:ext cx="1555750" cy="347345"/>
           </a:xfrm>
           <a:prstGeom prst="borderCallout2">
@@ -8894,13 +9220,19 @@
       </p:sp>
       <p:sp>
         <p:nvSpPr>
-          <p:cNvPr id="17" name="线形标注 2 16"/>
+          <p:cNvPr id="21" name="线形标注 2 16">
+            <a:extLst>
+              <a:ext uri="{FF2B5EF4-FFF2-40B4-BE49-F238E27FC236}">
+                <a16:creationId xmlns:a16="http://schemas.microsoft.com/office/drawing/2014/main" id="{7377AA7E-D17F-40CD-8E22-15F52186ACB3}"/>
+              </a:ext>
+            </a:extLst>
+          </p:cNvPr>
           <p:cNvSpPr/>
           <p:nvPr/>
         </p:nvSpPr>
         <p:spPr>
           <a:xfrm>
-            <a:off x="599237" y="1963317"/>
+            <a:off x="599237" y="1851557"/>
             <a:ext cx="1726419" cy="347472"/>
           </a:xfrm>
           <a:prstGeom prst="borderCallout2">
@@ -8909,8 +9241,8 @@
               <a:gd name="adj2" fmla="val 100625"/>
               <a:gd name="adj3" fmla="val 52372"/>
               <a:gd name="adj4" fmla="val 123059"/>
-              <a:gd name="adj5" fmla="val 156294"/>
-              <a:gd name="adj6" fmla="val 199220"/>
+              <a:gd name="adj5" fmla="val 179978"/>
+              <a:gd name="adj6" fmla="val 178034"/>
             </a:avLst>
           </a:prstGeom>
           <a:noFill/>
@@ -8950,53 +9282,19 @@
       </p:sp>
       <p:sp>
         <p:nvSpPr>
-          <p:cNvPr id="20" name="左右箭头 19"/>
-          <p:cNvSpPr/>
-          <p:nvPr/>
-        </p:nvSpPr>
-        <p:spPr>
-          <a:xfrm rot="8925959">
-            <a:off x="4486145" y="2934996"/>
-            <a:ext cx="646495" cy="151379"/>
-          </a:xfrm>
-          <a:prstGeom prst="leftRightArrow">
-            <a:avLst/>
-          </a:prstGeom>
-        </p:spPr>
-        <p:style>
-          <a:lnRef idx="2">
-            <a:schemeClr val="accent1">
-              <a:shade val="50000"/>
-            </a:schemeClr>
-          </a:lnRef>
-          <a:fillRef idx="1">
-            <a:schemeClr val="accent1"/>
-          </a:fillRef>
-          <a:effectRef idx="0">
-            <a:schemeClr val="accent1"/>
-          </a:effectRef>
-          <a:fontRef idx="minor">
-            <a:schemeClr val="lt1"/>
-          </a:fontRef>
-        </p:style>
-        <p:txBody>
-          <a:bodyPr rtlCol="0" anchor="ctr"/>
-          <a:lstStyle/>
-          <a:p>
-            <a:pPr algn="ctr"/>
-            <a:endParaRPr lang="zh-CN" altLang="en-US"/>
-          </a:p>
-        </p:txBody>
-      </p:sp>
-      <p:sp>
-        <p:nvSpPr>
-          <p:cNvPr id="16" name="线形标注 2 15"/>
+          <p:cNvPr id="22" name="线形标注 2 15">
+            <a:extLst>
+              <a:ext uri="{FF2B5EF4-FFF2-40B4-BE49-F238E27FC236}">
+                <a16:creationId xmlns:a16="http://schemas.microsoft.com/office/drawing/2014/main" id="{958E60DC-BDB1-4C79-8757-221987833E00}"/>
+              </a:ext>
+            </a:extLst>
+          </p:cNvPr>
           <p:cNvSpPr/>
           <p:nvPr/>
         </p:nvSpPr>
         <p:spPr>
           <a:xfrm>
-            <a:off x="260909" y="5163717"/>
+            <a:off x="260909" y="5051957"/>
             <a:ext cx="1726419" cy="347472"/>
           </a:xfrm>
           <a:prstGeom prst="borderCallout2">
@@ -9005,8 +9303,8 @@
               <a:gd name="adj2" fmla="val 100625"/>
               <a:gd name="adj3" fmla="val 52372"/>
               <a:gd name="adj4" fmla="val 123059"/>
-              <a:gd name="adj5" fmla="val -35811"/>
-              <a:gd name="adj6" fmla="val 142547"/>
+              <a:gd name="adj5" fmla="val -48969"/>
+              <a:gd name="adj6" fmla="val 152610"/>
             </a:avLst>
           </a:prstGeom>
           <a:noFill/>
@@ -9046,13 +9344,19 @@
       </p:sp>
       <p:sp>
         <p:nvSpPr>
-          <p:cNvPr id="18" name="线形标注 2 17"/>
+          <p:cNvPr id="23" name="线形标注 2 17">
+            <a:extLst>
+              <a:ext uri="{FF2B5EF4-FFF2-40B4-BE49-F238E27FC236}">
+                <a16:creationId xmlns:a16="http://schemas.microsoft.com/office/drawing/2014/main" id="{9E1B7AA4-5345-4EB9-BAF7-67A666CEB34C}"/>
+              </a:ext>
+            </a:extLst>
+          </p:cNvPr>
           <p:cNvSpPr/>
           <p:nvPr/>
         </p:nvSpPr>
         <p:spPr>
           <a:xfrm>
-            <a:off x="10507345" y="5878352"/>
+            <a:off x="10507345" y="5766592"/>
             <a:ext cx="1555750" cy="347345"/>
           </a:xfrm>
           <a:prstGeom prst="borderCallout2">
@@ -9061,8 +9365,8 @@
               <a:gd name="adj2" fmla="val -333"/>
               <a:gd name="adj3" fmla="val 47109"/>
               <a:gd name="adj4" fmla="val -27667"/>
-              <a:gd name="adj5" fmla="val -128418"/>
-              <a:gd name="adj6" fmla="val -56783"/>
+              <a:gd name="adj5" fmla="val -267943"/>
+              <a:gd name="adj6" fmla="val -55608"/>
             </a:avLst>
           </a:prstGeom>
           <a:noFill/>
@@ -9102,13 +9406,19 @@
       </p:sp>
       <p:sp>
         <p:nvSpPr>
-          <p:cNvPr id="27" name="线形标注 2 26"/>
+          <p:cNvPr id="25" name="线形标注 2 26">
+            <a:extLst>
+              <a:ext uri="{FF2B5EF4-FFF2-40B4-BE49-F238E27FC236}">
+                <a16:creationId xmlns:a16="http://schemas.microsoft.com/office/drawing/2014/main" id="{F3D303A0-5EAE-4B58-9386-34409186CEFD}"/>
+              </a:ext>
+            </a:extLst>
+          </p:cNvPr>
           <p:cNvSpPr/>
           <p:nvPr/>
         </p:nvSpPr>
         <p:spPr>
           <a:xfrm>
-            <a:off x="10507345" y="4120273"/>
+            <a:off x="10507345" y="3560492"/>
             <a:ext cx="1555750" cy="347345"/>
           </a:xfrm>
           <a:prstGeom prst="borderCallout2">
@@ -9166,18 +9476,27 @@
       </p:sp>
       <p:sp>
         <p:nvSpPr>
-          <p:cNvPr id="3" name="上弧形箭头 2"/>
+          <p:cNvPr id="26" name="左右箭头 19">
+            <a:extLst>
+              <a:ext uri="{FF2B5EF4-FFF2-40B4-BE49-F238E27FC236}">
+                <a16:creationId xmlns:a16="http://schemas.microsoft.com/office/drawing/2014/main" id="{DC7781D9-6DDC-41AE-9C7F-D334AA7B8758}"/>
+              </a:ext>
+            </a:extLst>
+          </p:cNvPr>
           <p:cNvSpPr/>
           <p:nvPr/>
         </p:nvSpPr>
         <p:spPr>
-          <a:xfrm>
-            <a:off x="10114153" y="4940904"/>
-            <a:ext cx="393192" cy="301752"/>
+          <a:xfrm rot="8925959">
+            <a:off x="4272424" y="3105528"/>
+            <a:ext cx="646495" cy="151379"/>
           </a:xfrm>
-          <a:prstGeom prst="curvedDownArrow">
+          <a:prstGeom prst="leftRightArrow">
             <a:avLst/>
           </a:prstGeom>
+          <a:solidFill>
+            <a:schemeClr val="accent5"/>
+          </a:solidFill>
         </p:spPr>
         <p:style>
           <a:lnRef idx="2">
@@ -9200,28 +9519,33 @@
           <a:lstStyle/>
           <a:p>
             <a:pPr algn="ctr"/>
-            <a:endParaRPr lang="zh-CN" altLang="en-US">
-              <a:solidFill>
-                <a:schemeClr val="tx1"/>
-              </a:solidFill>
-            </a:endParaRPr>
+            <a:endParaRPr lang="zh-CN" altLang="en-US" sz="900"/>
           </a:p>
         </p:txBody>
       </p:sp>
       <p:sp>
         <p:nvSpPr>
-          <p:cNvPr id="28" name="矩形 27"/>
+          <p:cNvPr id="29" name="矩形 28">
+            <a:extLst>
+              <a:ext uri="{FF2B5EF4-FFF2-40B4-BE49-F238E27FC236}">
+                <a16:creationId xmlns:a16="http://schemas.microsoft.com/office/drawing/2014/main" id="{F5CBF3D7-8079-409C-8842-06A7A20B4C0C}"/>
+              </a:ext>
+            </a:extLst>
+          </p:cNvPr>
           <p:cNvSpPr/>
           <p:nvPr/>
         </p:nvSpPr>
         <p:spPr>
           <a:xfrm rot="19608760">
-            <a:off x="4492029" y="2711886"/>
+            <a:off x="4089693" y="2882418"/>
             <a:ext cx="498203" cy="176872"/>
           </a:xfrm>
           <a:prstGeom prst="rect">
             <a:avLst/>
           </a:prstGeom>
+          <a:solidFill>
+            <a:schemeClr val="accent5"/>
+          </a:solidFill>
         </p:spPr>
         <p:style>
           <a:lnRef idx="2">
@@ -9245,11 +9569,11 @@
           <a:p>
             <a:pPr algn="ctr"/>
             <a:r>
-              <a:rPr lang="en-US" altLang="zh-CN" sz="1050" dirty="0"/>
+              <a:rPr lang="en-US" altLang="zh-CN" sz="900" dirty="0"/>
               <a:t>Y</a:t>
             </a:r>
             <a:r>
-              <a:rPr lang="zh-CN" altLang="en-US" sz="1050" dirty="0"/>
+              <a:rPr lang="zh-CN" altLang="en-US" sz="900" dirty="0"/>
               <a:t>轴</a:t>
             </a:r>
           </a:p>
@@ -12123,6 +12447,363 @@
       </p:grpSpPr>
       <p:sp>
         <p:nvSpPr>
+          <p:cNvPr id="2" name="标题 1"/>
+          <p:cNvSpPr>
+            <a:spLocks noGrp="1"/>
+          </p:cNvSpPr>
+          <p:nvPr>
+            <p:ph type="title"/>
+          </p:nvPr>
+        </p:nvSpPr>
+        <p:spPr/>
+        <p:txBody>
+          <a:bodyPr>
+            <a:normAutofit/>
+          </a:bodyPr>
+          <a:lstStyle/>
+          <a:p>
+            <a:r>
+              <a:rPr lang="zh-CN" altLang="en-US" sz="2400" spc="100" dirty="0">
+                <a:solidFill>
+                  <a:srgbClr val="043E6F"/>
+                </a:solidFill>
+                <a:cs typeface="Arial" panose="020B0604020202020204" pitchFamily="34" charset="0"/>
+                <a:sym typeface="+mn-ea"/>
+              </a:rPr>
+              <a:t>设计方案</a:t>
+            </a:r>
+            <a:r>
+              <a:rPr lang="en-US" altLang="zh-CN" sz="2400" spc="100" dirty="0">
+                <a:solidFill>
+                  <a:srgbClr val="043E6F"/>
+                </a:solidFill>
+                <a:cs typeface="Arial" panose="020B0604020202020204" pitchFamily="34" charset="0"/>
+                <a:sym typeface="+mn-ea"/>
+              </a:rPr>
+              <a:t>-C/T</a:t>
+            </a:r>
+            <a:r>
+              <a:rPr lang="zh-CN" altLang="en-US" sz="2400" spc="100" dirty="0">
+                <a:solidFill>
+                  <a:srgbClr val="043E6F"/>
+                </a:solidFill>
+                <a:cs typeface="Arial" panose="020B0604020202020204" pitchFamily="34" charset="0"/>
+                <a:sym typeface="+mn-ea"/>
+              </a:rPr>
+              <a:t>分析</a:t>
+            </a:r>
+          </a:p>
+        </p:txBody>
+      </p:sp>
+      <p:sp>
+        <p:nvSpPr>
+          <p:cNvPr id="13" name="文本框 12">
+            <a:extLst>
+              <a:ext uri="{FF2B5EF4-FFF2-40B4-BE49-F238E27FC236}">
+                <a16:creationId xmlns:a16="http://schemas.microsoft.com/office/drawing/2014/main" id="{0AE30E01-328F-4E8F-9834-516ABB1F104F}"/>
+              </a:ext>
+            </a:extLst>
+          </p:cNvPr>
+          <p:cNvSpPr txBox="1"/>
+          <p:nvPr/>
+        </p:nvSpPr>
+        <p:spPr>
+          <a:xfrm>
+            <a:off x="356233" y="840015"/>
+            <a:ext cx="11093450" cy="523220"/>
+          </a:xfrm>
+          <a:prstGeom prst="rect">
+            <a:avLst/>
+          </a:prstGeom>
+          <a:noFill/>
+        </p:spPr>
+        <p:txBody>
+          <a:bodyPr wrap="square" rtlCol="0">
+            <a:spAutoFit/>
+          </a:bodyPr>
+          <a:lstStyle/>
+          <a:p>
+            <a:r>
+              <a:rPr lang="zh-CN" altLang="en-US" sz="1400" b="1" dirty="0">
+                <a:latin typeface="+mn-ea"/>
+                <a:cs typeface="+mn-ea"/>
+              </a:rPr>
+              <a:t>说明：</a:t>
+            </a:r>
+            <a:r>
+              <a:rPr lang="zh-CN" altLang="en-US" sz="1400" dirty="0">
+                <a:latin typeface="+mn-ea"/>
+                <a:cs typeface="+mn-ea"/>
+              </a:rPr>
+              <a:t>如图示意，设备目前设计是双工位设计，单个检测时间是</a:t>
+            </a:r>
+            <a:r>
+              <a:rPr lang="en-US" altLang="zh-CN" sz="1400" dirty="0">
+                <a:latin typeface="+mn-ea"/>
+                <a:cs typeface="+mn-ea"/>
+              </a:rPr>
+              <a:t>5s</a:t>
+            </a:r>
+            <a:r>
+              <a:rPr lang="zh-CN" altLang="en-US" sz="1400" dirty="0">
+                <a:latin typeface="+mn-ea"/>
+                <a:cs typeface="+mn-ea"/>
+              </a:rPr>
+              <a:t>，目前六个相机设计为</a:t>
+            </a:r>
+            <a:r>
+              <a:rPr lang="en-US" altLang="zh-CN" sz="1400" dirty="0">
+                <a:latin typeface="+mn-ea"/>
+                <a:cs typeface="+mn-ea"/>
+              </a:rPr>
+              <a:t>30s</a:t>
+            </a:r>
+            <a:r>
+              <a:rPr lang="zh-CN" altLang="en-US" sz="1400" dirty="0">
+                <a:latin typeface="+mn-ea"/>
+                <a:cs typeface="+mn-ea"/>
+              </a:rPr>
+              <a:t>，双工位需要满足</a:t>
+            </a:r>
+            <a:r>
+              <a:rPr lang="en-US" altLang="zh-CN" sz="1400" dirty="0">
+                <a:latin typeface="+mn-ea"/>
+                <a:cs typeface="+mn-ea"/>
+              </a:rPr>
+              <a:t>60s</a:t>
+            </a:r>
+            <a:r>
+              <a:rPr lang="zh-CN" altLang="en-US" sz="1400" dirty="0">
+                <a:latin typeface="+mn-ea"/>
+                <a:cs typeface="+mn-ea"/>
+              </a:rPr>
+              <a:t>时间内，现有结构初步分析</a:t>
+            </a:r>
+            <a:r>
+              <a:rPr lang="en-US" altLang="zh-CN" sz="1400" dirty="0">
+                <a:latin typeface="+mn-ea"/>
+                <a:cs typeface="+mn-ea"/>
+              </a:rPr>
+              <a:t>CT</a:t>
+            </a:r>
+            <a:r>
+              <a:rPr lang="zh-CN" altLang="en-US" sz="1400" dirty="0">
+                <a:latin typeface="+mn-ea"/>
+                <a:cs typeface="+mn-ea"/>
+              </a:rPr>
+              <a:t>为</a:t>
+            </a:r>
+            <a:r>
+              <a:rPr lang="en-US" altLang="zh-CN" sz="1400" dirty="0">
+                <a:latin typeface="+mn-ea"/>
+                <a:cs typeface="+mn-ea"/>
+              </a:rPr>
+              <a:t>49.6s</a:t>
+            </a:r>
+            <a:r>
+              <a:rPr lang="zh-CN" altLang="en-US" sz="1400" dirty="0">
+                <a:latin typeface="+mn-ea"/>
+                <a:cs typeface="+mn-ea"/>
+              </a:rPr>
+              <a:t>，满足</a:t>
+            </a:r>
+            <a:r>
+              <a:rPr lang="en-US" altLang="zh-CN" sz="1400" dirty="0">
+                <a:latin typeface="+mn-ea"/>
+                <a:cs typeface="+mn-ea"/>
+              </a:rPr>
+              <a:t>CT</a:t>
+            </a:r>
+            <a:r>
+              <a:rPr lang="zh-CN" altLang="en-US" sz="1400" dirty="0">
+                <a:latin typeface="+mn-ea"/>
+                <a:cs typeface="+mn-ea"/>
+              </a:rPr>
+              <a:t>，目前</a:t>
+            </a:r>
+            <a:r>
+              <a:rPr lang="en-US" altLang="zh-CN" sz="1400" dirty="0">
+                <a:latin typeface="+mn-ea"/>
+                <a:cs typeface="+mn-ea"/>
+              </a:rPr>
+              <a:t>CT</a:t>
+            </a:r>
+            <a:r>
+              <a:rPr lang="zh-CN" altLang="en-US" sz="1400" dirty="0">
+                <a:latin typeface="+mn-ea"/>
+                <a:cs typeface="+mn-ea"/>
+              </a:rPr>
+              <a:t>不包含人工上下料时间，因人为因素不可控。</a:t>
+            </a:r>
+          </a:p>
+        </p:txBody>
+      </p:sp>
+      <p:pic>
+        <p:nvPicPr>
+          <p:cNvPr id="16" name="Picture 24">
+            <a:extLst>
+              <a:ext uri="{FF2B5EF4-FFF2-40B4-BE49-F238E27FC236}">
+                <a16:creationId xmlns:a16="http://schemas.microsoft.com/office/drawing/2014/main" id="{000FE6B2-A6B9-4891-BF56-A7600809C9B1}"/>
+              </a:ext>
+            </a:extLst>
+          </p:cNvPr>
+          <p:cNvPicPr>
+            <a:picLocks noChangeAspect="1" noChangeArrowheads="1"/>
+          </p:cNvPicPr>
+          <p:nvPr/>
+        </p:nvPicPr>
+        <p:blipFill>
+          <a:blip r:embed="rId3" cstate="print">
+            <a:extLst>
+              <a:ext uri="{28A0092B-C50C-407E-A947-70E740481C1C}">
+                <a14:useLocalDpi xmlns:a14="http://schemas.microsoft.com/office/drawing/2010/main" val="0"/>
+              </a:ext>
+            </a:extLst>
+          </a:blip>
+          <a:srcRect/>
+          <a:stretch>
+            <a:fillRect/>
+          </a:stretch>
+        </p:blipFill>
+        <p:spPr bwMode="auto">
+          <a:xfrm>
+            <a:off x="401314" y="2133599"/>
+            <a:ext cx="11475726" cy="2164081"/>
+          </a:xfrm>
+          <a:prstGeom prst="rect">
+            <a:avLst/>
+          </a:prstGeom>
+          <a:noFill/>
+          <a:ln>
+            <a:noFill/>
+          </a:ln>
+          <a:effectLst/>
+          <a:extLst>
+            <a:ext uri="{909E8E84-426E-40DD-AFC4-6F175D3DCCD1}">
+              <a14:hiddenFill xmlns:a14="http://schemas.microsoft.com/office/drawing/2010/main">
+                <a:solidFill>
+                  <a:schemeClr val="accent1"/>
+                </a:solidFill>
+              </a14:hiddenFill>
+            </a:ext>
+            <a:ext uri="{91240B29-F687-4F45-9708-019B960494DF}">
+              <a14:hiddenLine xmlns:a14="http://schemas.microsoft.com/office/drawing/2010/main" w="9525">
+                <a:solidFill>
+                  <a:schemeClr val="tx1"/>
+                </a:solidFill>
+                <a:miter lim="800000"/>
+                <a:headEnd/>
+                <a:tailEnd/>
+              </a14:hiddenLine>
+            </a:ext>
+            <a:ext uri="{AF507438-7753-43E0-B8FC-AC1667EBCBE1}">
+              <a14:hiddenEffects xmlns:a14="http://schemas.microsoft.com/office/drawing/2010/main">
+                <a:effectLst>
+                  <a:outerShdw dist="35921" dir="2700000" algn="ctr" rotWithShape="0">
+                    <a:schemeClr val="bg2"/>
+                  </a:outerShdw>
+                </a:effectLst>
+              </a14:hiddenEffects>
+            </a:ext>
+          </a:extLst>
+        </p:spPr>
+      </p:pic>
+      <p:graphicFrame>
+        <p:nvGraphicFramePr>
+          <p:cNvPr id="17" name="对象 16">
+            <a:extLst>
+              <a:ext uri="{FF2B5EF4-FFF2-40B4-BE49-F238E27FC236}">
+                <a16:creationId xmlns:a16="http://schemas.microsoft.com/office/drawing/2014/main" id="{84560631-0580-4558-B2B8-68F0687DA808}"/>
+              </a:ext>
+            </a:extLst>
+          </p:cNvPr>
+          <p:cNvGraphicFramePr>
+            <a:graphicFrameLocks noChangeAspect="1"/>
+          </p:cNvGraphicFramePr>
+          <p:nvPr>
+            <p:extLst>
+              <p:ext uri="{D42A27DB-BD31-4B8C-83A1-F6EECF244321}">
+                <p14:modId xmlns:p14="http://schemas.microsoft.com/office/powerpoint/2010/main" val="3504346871"/>
+              </p:ext>
+            </p:extLst>
+          </p:nvPr>
+        </p:nvGraphicFramePr>
+        <p:xfrm>
+          <a:off x="10679176" y="5189310"/>
+          <a:ext cx="914400" cy="828675"/>
+        </p:xfrm>
+        <a:graphic>
+          <a:graphicData uri="http://schemas.openxmlformats.org/presentationml/2006/ole">
+            <mc:AlternateContent xmlns:mc="http://schemas.openxmlformats.org/markup-compatibility/2006">
+              <mc:Choice xmlns:v="urn:schemas-microsoft-com:vml" Requires="v">
+                <p:oleObj spid="_x0000_s1029" name="Worksheet" showAsIcon="1" r:id="rId4" imgW="914400" imgH="828720" progId="Excel.Sheet.12">
+                  <p:embed/>
+                </p:oleObj>
+              </mc:Choice>
+              <mc:Fallback>
+                <p:oleObj name="Worksheet" showAsIcon="1" r:id="rId4" imgW="914400" imgH="828720" progId="Excel.Sheet.12">
+                  <p:embed/>
+                  <p:pic>
+                    <p:nvPicPr>
+                      <p:cNvPr id="3" name="对象 2"/>
+                      <p:cNvPicPr/>
+                      <p:nvPr/>
+                    </p:nvPicPr>
+                    <p:blipFill>
+                      <a:blip r:embed="rId5"/>
+                      <a:stretch>
+                        <a:fillRect/>
+                      </a:stretch>
+                    </p:blipFill>
+                    <p:spPr>
+                      <a:xfrm>
+                        <a:off x="10679176" y="5189310"/>
+                        <a:ext cx="914400" cy="828675"/>
+                      </a:xfrm>
+                      <a:prstGeom prst="rect">
+                        <a:avLst/>
+                      </a:prstGeom>
+                    </p:spPr>
+                  </p:pic>
+                </p:oleObj>
+              </mc:Fallback>
+            </mc:AlternateContent>
+          </a:graphicData>
+        </a:graphic>
+      </p:graphicFrame>
+    </p:spTree>
+    <p:extLst>
+      <p:ext uri="{BB962C8B-B14F-4D97-AF65-F5344CB8AC3E}">
+        <p14:creationId xmlns:p14="http://schemas.microsoft.com/office/powerpoint/2010/main" val="4106354384"/>
+      </p:ext>
+    </p:extLst>
+  </p:cSld>
+  <p:clrMapOvr>
+    <a:masterClrMapping/>
+  </p:clrMapOvr>
+  <p:transition spd="med"/>
+</p:sld>
+</file>
+
+<file path=ppt/slides/slide17.xml><?xml version="1.0" encoding="utf-8"?>
+<p:sld xmlns:a="http://schemas.openxmlformats.org/drawingml/2006/main" xmlns:r="http://schemas.openxmlformats.org/officeDocument/2006/relationships" xmlns:p="http://schemas.openxmlformats.org/presentationml/2006/main">
+  <p:cSld>
+    <p:spTree>
+      <p:nvGrpSpPr>
+        <p:cNvPr id="1" name=""/>
+        <p:cNvGrpSpPr/>
+        <p:nvPr/>
+      </p:nvGrpSpPr>
+      <p:grpSpPr>
+        <a:xfrm>
+          <a:off x="0" y="0"/>
+          <a:ext cx="0" cy="0"/>
+          <a:chOff x="0" y="0"/>
+          <a:chExt cx="0" cy="0"/>
+        </a:xfrm>
+      </p:grpSpPr>
+      <p:sp>
+        <p:nvSpPr>
           <p:cNvPr id="7" name="标题 6"/>
           <p:cNvSpPr>
             <a:spLocks noGrp="1"/>
@@ -12381,7 +13062,7 @@
                   <a:srgbClr val="FF0000"/>
                 </a:solidFill>
               </a:rPr>
-              <a:t>以上方案是结合前期所提供样品的打光方式及效果所做的理想化推力和整合，预计进现场后方案会改动较大</a:t>
+              <a:t>以上方案是结合前期所提供样品的打光方式及效果所做的理想化推断和整合，预计进现场后方案会改动较大</a:t>
             </a:r>
             <a:r>
               <a:rPr lang="zh-CN" altLang="en-US" dirty="0"/>
@@ -12499,7 +13180,7 @@
 </p:sld>
 </file>
 
-<file path=ppt/slides/slide17.xml><?xml version="1.0" encoding="utf-8"?>
+<file path=ppt/slides/slide18.xml><?xml version="1.0" encoding="utf-8"?>
 <p:sld xmlns:a="http://schemas.openxmlformats.org/drawingml/2006/main" xmlns:r="http://schemas.openxmlformats.org/officeDocument/2006/relationships" xmlns:p="http://schemas.openxmlformats.org/presentationml/2006/main">
   <p:cSld>
     <p:spTree>
@@ -26838,7 +27519,13 @@
       </p:grpSpPr>
       <p:pic>
         <p:nvPicPr>
-          <p:cNvPr id="1027" name="Picture 3"/>
+          <p:cNvPr id="19" name="Picture 3">
+            <a:extLst>
+              <a:ext uri="{FF2B5EF4-FFF2-40B4-BE49-F238E27FC236}">
+                <a16:creationId xmlns:a16="http://schemas.microsoft.com/office/drawing/2014/main" id="{C9494D26-1821-4EC4-8CAD-E4E80EE17CBF}"/>
+              </a:ext>
+            </a:extLst>
+          </p:cNvPr>
           <p:cNvPicPr>
             <a:picLocks noChangeAspect="1" noChangeArrowheads="1"/>
           </p:cNvPicPr>
@@ -26859,8 +27546,8 @@
         </p:blipFill>
         <p:spPr bwMode="auto">
           <a:xfrm>
-            <a:off x="6617016" y="594521"/>
-            <a:ext cx="3749854" cy="4113139"/>
+            <a:off x="7895940" y="693626"/>
+            <a:ext cx="3393125" cy="4004499"/>
           </a:xfrm>
           <a:prstGeom prst="rect">
             <a:avLst/>
@@ -26902,7 +27589,13 @@
       </p:pic>
       <p:pic>
         <p:nvPicPr>
-          <p:cNvPr id="1026" name="Picture 2"/>
+          <p:cNvPr id="20" name="Picture 2">
+            <a:extLst>
+              <a:ext uri="{FF2B5EF4-FFF2-40B4-BE49-F238E27FC236}">
+                <a16:creationId xmlns:a16="http://schemas.microsoft.com/office/drawing/2014/main" id="{627CCF75-2F93-40E0-BBA8-FF15FE331A8D}"/>
+              </a:ext>
+            </a:extLst>
+          </p:cNvPr>
           <p:cNvPicPr>
             <a:picLocks noChangeAspect="1" noChangeArrowheads="1"/>
           </p:cNvPicPr>
@@ -26923,8 +27616,8 @@
         </p:blipFill>
         <p:spPr bwMode="auto">
           <a:xfrm>
-            <a:off x="1900935" y="702582"/>
-            <a:ext cx="3503211" cy="4002799"/>
+            <a:off x="1019255" y="801935"/>
+            <a:ext cx="4749048" cy="3858976"/>
           </a:xfrm>
           <a:prstGeom prst="rect">
             <a:avLst/>
@@ -26964,68 +27657,22 @@
           </a:extLst>
         </p:spPr>
       </p:pic>
-      <p:sp>
-        <p:nvSpPr>
-          <p:cNvPr id="2" name="标题 1"/>
-          <p:cNvSpPr>
-            <a:spLocks noGrp="1"/>
-          </p:cNvSpPr>
-          <p:nvPr>
-            <p:ph type="title"/>
-          </p:nvPr>
-        </p:nvSpPr>
-        <p:spPr>
-          <a:xfrm>
-            <a:off x="460455" y="289779"/>
-            <a:ext cx="9058943" cy="410633"/>
-          </a:xfrm>
-        </p:spPr>
-        <p:txBody>
-          <a:bodyPr>
-            <a:normAutofit/>
-          </a:bodyPr>
-          <a:lstStyle/>
-          <a:p>
-            <a:r>
-              <a:rPr lang="zh-CN" altLang="en-US" sz="2400" spc="100" dirty="0">
-                <a:solidFill>
-                  <a:srgbClr val="043E6F"/>
-                </a:solidFill>
-                <a:cs typeface="Arial" panose="020B0604020202020204" pitchFamily="34" charset="0"/>
-              </a:rPr>
-              <a:t>设计方案</a:t>
-            </a:r>
-            <a:r>
-              <a:rPr lang="en-US" altLang="zh-CN" sz="2400" spc="100" dirty="0">
-                <a:solidFill>
-                  <a:srgbClr val="043E6F"/>
-                </a:solidFill>
-                <a:cs typeface="Arial" panose="020B0604020202020204" pitchFamily="34" charset="0"/>
-              </a:rPr>
-              <a:t>-</a:t>
-            </a:r>
-            <a:r>
-              <a:rPr lang="zh-CN" altLang="en-US" sz="2400" spc="100" dirty="0">
-                <a:solidFill>
-                  <a:srgbClr val="043E6F"/>
-                </a:solidFill>
-                <a:cs typeface="Arial" panose="020B0604020202020204" pitchFamily="34" charset="0"/>
-              </a:rPr>
-              <a:t>机台尺寸</a:t>
-            </a:r>
-          </a:p>
-        </p:txBody>
-      </p:sp>
       <p:cxnSp>
         <p:nvCxnSpPr>
-          <p:cNvPr id="10" name="直接箭头连接符 9"/>
+          <p:cNvPr id="21" name="直接箭头连接符 20">
+            <a:extLst>
+              <a:ext uri="{FF2B5EF4-FFF2-40B4-BE49-F238E27FC236}">
+                <a16:creationId xmlns:a16="http://schemas.microsoft.com/office/drawing/2014/main" id="{AD97BEA3-EE44-4543-A190-344F4984812D}"/>
+              </a:ext>
+            </a:extLst>
+          </p:cNvPr>
           <p:cNvCxnSpPr/>
           <p:nvPr/>
         </p:nvCxnSpPr>
         <p:spPr>
           <a:xfrm>
-            <a:off x="2061389" y="4852159"/>
-            <a:ext cx="3097698" cy="6465"/>
+            <a:off x="1116657" y="4811924"/>
+            <a:ext cx="4486423" cy="14077"/>
           </a:xfrm>
           <a:prstGeom prst="straightConnector1">
             <a:avLst/>
@@ -27052,14 +27699,20 @@
       </p:cxnSp>
       <p:sp>
         <p:nvSpPr>
-          <p:cNvPr id="13" name="文本框 12"/>
+          <p:cNvPr id="22" name="文本框 21">
+            <a:extLst>
+              <a:ext uri="{FF2B5EF4-FFF2-40B4-BE49-F238E27FC236}">
+                <a16:creationId xmlns:a16="http://schemas.microsoft.com/office/drawing/2014/main" id="{0C99CC10-00F0-41E0-8620-AEBD44DD70AD}"/>
+              </a:ext>
+            </a:extLst>
+          </p:cNvPr>
           <p:cNvSpPr txBox="1"/>
           <p:nvPr/>
         </p:nvSpPr>
         <p:spPr>
           <a:xfrm>
-            <a:off x="3122587" y="4487149"/>
-            <a:ext cx="1059906" cy="369332"/>
+            <a:off x="2813519" y="4477339"/>
+            <a:ext cx="982961" cy="338554"/>
           </a:xfrm>
           <a:prstGeom prst="rect">
             <a:avLst/>
@@ -27073,22 +27726,28 @@
           <a:lstStyle/>
           <a:p>
             <a:r>
-              <a:rPr lang="en-US" altLang="zh-CN" dirty="0"/>
-              <a:t>1800mm</a:t>
+              <a:rPr lang="en-US" altLang="zh-CN" sz="1600" dirty="0"/>
+              <a:t>2800mm</a:t>
             </a:r>
           </a:p>
         </p:txBody>
       </p:sp>
       <p:cxnSp>
         <p:nvCxnSpPr>
-          <p:cNvPr id="15" name="直接箭头连接符 14"/>
+          <p:cNvPr id="25" name="直接箭头连接符 24">
+            <a:extLst>
+              <a:ext uri="{FF2B5EF4-FFF2-40B4-BE49-F238E27FC236}">
+                <a16:creationId xmlns:a16="http://schemas.microsoft.com/office/drawing/2014/main" id="{D57CC527-0A16-437E-8EB2-78CC977D1EC7}"/>
+              </a:ext>
+            </a:extLst>
+          </p:cNvPr>
           <p:cNvCxnSpPr/>
           <p:nvPr/>
         </p:nvCxnSpPr>
         <p:spPr>
-          <a:xfrm flipH="1">
-            <a:off x="1575881" y="1386214"/>
-            <a:ext cx="1" cy="3160883"/>
+          <a:xfrm>
+            <a:off x="889208" y="1283870"/>
+            <a:ext cx="0" cy="3256322"/>
           </a:xfrm>
           <a:prstGeom prst="straightConnector1">
             <a:avLst/>
@@ -27115,13 +27774,19 @@
       </p:cxnSp>
       <p:sp>
         <p:nvSpPr>
-          <p:cNvPr id="17" name="文本框 16"/>
+          <p:cNvPr id="26" name="文本框 25">
+            <a:extLst>
+              <a:ext uri="{FF2B5EF4-FFF2-40B4-BE49-F238E27FC236}">
+                <a16:creationId xmlns:a16="http://schemas.microsoft.com/office/drawing/2014/main" id="{499E4070-8F76-452E-A286-45FBCDE444E4}"/>
+              </a:ext>
+            </a:extLst>
+          </p:cNvPr>
           <p:cNvSpPr txBox="1"/>
           <p:nvPr/>
         </p:nvSpPr>
         <p:spPr>
           <a:xfrm rot="16200000">
-            <a:off x="847478" y="2448075"/>
+            <a:off x="648178" y="2557660"/>
             <a:ext cx="1165669" cy="369332"/>
           </a:xfrm>
           <a:prstGeom prst="rect">
@@ -27144,13 +27809,19 @@
       </p:sp>
       <p:cxnSp>
         <p:nvCxnSpPr>
-          <p:cNvPr id="23" name="直接连接符 22"/>
+          <p:cNvPr id="27" name="直接连接符 26">
+            <a:extLst>
+              <a:ext uri="{FF2B5EF4-FFF2-40B4-BE49-F238E27FC236}">
+                <a16:creationId xmlns:a16="http://schemas.microsoft.com/office/drawing/2014/main" id="{22C15FDC-E690-4516-9D68-F3B161336BF7}"/>
+              </a:ext>
+            </a:extLst>
+          </p:cNvPr>
           <p:cNvCxnSpPr/>
           <p:nvPr/>
         </p:nvCxnSpPr>
         <p:spPr>
           <a:xfrm flipH="1">
-            <a:off x="5159087" y="4160349"/>
+            <a:off x="5623399" y="4187989"/>
             <a:ext cx="1" cy="733768"/>
           </a:xfrm>
           <a:prstGeom prst="line">
@@ -27179,13 +27850,19 @@
       </p:cxnSp>
       <p:cxnSp>
         <p:nvCxnSpPr>
-          <p:cNvPr id="24" name="直接连接符 23"/>
+          <p:cNvPr id="28" name="直接连接符 27">
+            <a:extLst>
+              <a:ext uri="{FF2B5EF4-FFF2-40B4-BE49-F238E27FC236}">
+                <a16:creationId xmlns:a16="http://schemas.microsoft.com/office/drawing/2014/main" id="{2D087597-433D-40B7-BD22-C1AE1959A61D}"/>
+              </a:ext>
+            </a:extLst>
+          </p:cNvPr>
           <p:cNvCxnSpPr/>
           <p:nvPr/>
         </p:nvCxnSpPr>
         <p:spPr>
           <a:xfrm>
-            <a:off x="2061389" y="4139092"/>
+            <a:off x="1096396" y="4200860"/>
             <a:ext cx="0" cy="725997"/>
           </a:xfrm>
           <a:prstGeom prst="line">
@@ -27214,13 +27891,19 @@
       </p:cxnSp>
       <p:cxnSp>
         <p:nvCxnSpPr>
-          <p:cNvPr id="6" name="直接连接符 5"/>
+          <p:cNvPr id="29" name="直接连接符 28">
+            <a:extLst>
+              <a:ext uri="{FF2B5EF4-FFF2-40B4-BE49-F238E27FC236}">
+                <a16:creationId xmlns:a16="http://schemas.microsoft.com/office/drawing/2014/main" id="{B88DF846-4F65-4DD7-B118-498A9612198B}"/>
+              </a:ext>
+            </a:extLst>
+          </p:cNvPr>
           <p:cNvCxnSpPr/>
           <p:nvPr/>
         </p:nvCxnSpPr>
         <p:spPr>
           <a:xfrm flipH="1" flipV="1">
-            <a:off x="1468204" y="1386214"/>
+            <a:off x="831528" y="1283870"/>
             <a:ext cx="678982" cy="5980"/>
           </a:xfrm>
           <a:prstGeom prst="line">
@@ -27249,48 +27932,19 @@
       </p:cxnSp>
       <p:cxnSp>
         <p:nvCxnSpPr>
-          <p:cNvPr id="7" name="直接连接符 6"/>
-          <p:cNvCxnSpPr/>
-          <p:nvPr/>
-        </p:nvCxnSpPr>
-        <p:spPr>
-          <a:xfrm flipH="1">
-            <a:off x="1477348" y="4547097"/>
-            <a:ext cx="606425" cy="0"/>
-          </a:xfrm>
-          <a:prstGeom prst="line">
-            <a:avLst/>
-          </a:prstGeom>
-          <a:ln>
-            <a:solidFill>
-              <a:schemeClr val="accent1"/>
-            </a:solidFill>
-          </a:ln>
-        </p:spPr>
-        <p:style>
-          <a:lnRef idx="3">
-            <a:schemeClr val="accent2"/>
-          </a:lnRef>
-          <a:fillRef idx="0">
-            <a:schemeClr val="accent2"/>
-          </a:fillRef>
-          <a:effectRef idx="2">
-            <a:schemeClr val="accent2"/>
-          </a:effectRef>
-          <a:fontRef idx="minor">
-            <a:schemeClr val="tx1"/>
-          </a:fontRef>
-        </p:style>
-      </p:cxnSp>
-      <p:cxnSp>
-        <p:nvCxnSpPr>
-          <p:cNvPr id="30" name="直接连接符 29"/>
+          <p:cNvPr id="35" name="直接连接符 34">
+            <a:extLst>
+              <a:ext uri="{FF2B5EF4-FFF2-40B4-BE49-F238E27FC236}">
+                <a16:creationId xmlns:a16="http://schemas.microsoft.com/office/drawing/2014/main" id="{7CC9AC6B-777A-4D01-8E04-67AD0435A261}"/>
+              </a:ext>
+            </a:extLst>
+          </p:cNvPr>
           <p:cNvCxnSpPr/>
           <p:nvPr/>
         </p:nvCxnSpPr>
         <p:spPr>
           <a:xfrm>
-            <a:off x="6972808" y="4090009"/>
+            <a:off x="8117840" y="4127562"/>
             <a:ext cx="0" cy="719174"/>
           </a:xfrm>
           <a:prstGeom prst="line">
@@ -27319,13 +27973,19 @@
       </p:cxnSp>
       <p:cxnSp>
         <p:nvCxnSpPr>
-          <p:cNvPr id="31" name="直接连接符 30"/>
+          <p:cNvPr id="36" name="直接连接符 35">
+            <a:extLst>
+              <a:ext uri="{FF2B5EF4-FFF2-40B4-BE49-F238E27FC236}">
+                <a16:creationId xmlns:a16="http://schemas.microsoft.com/office/drawing/2014/main" id="{7456ED05-8548-4D27-A49B-5AEA30E1C65F}"/>
+              </a:ext>
+            </a:extLst>
+          </p:cNvPr>
           <p:cNvCxnSpPr/>
           <p:nvPr/>
         </p:nvCxnSpPr>
         <p:spPr>
           <a:xfrm>
-            <a:off x="9929135" y="4026051"/>
+            <a:off x="11074167" y="4009391"/>
             <a:ext cx="0" cy="847090"/>
           </a:xfrm>
           <a:prstGeom prst="line">
@@ -27354,13 +28014,19 @@
       </p:cxnSp>
       <p:cxnSp>
         <p:nvCxnSpPr>
-          <p:cNvPr id="32" name="直接箭头连接符 31"/>
+          <p:cNvPr id="37" name="直接箭头连接符 36">
+            <a:extLst>
+              <a:ext uri="{FF2B5EF4-FFF2-40B4-BE49-F238E27FC236}">
+                <a16:creationId xmlns:a16="http://schemas.microsoft.com/office/drawing/2014/main" id="{A59AB068-857B-462D-A366-7131E89BBF09}"/>
+              </a:ext>
+            </a:extLst>
+          </p:cNvPr>
           <p:cNvCxnSpPr/>
           <p:nvPr/>
         </p:nvCxnSpPr>
         <p:spPr>
           <a:xfrm>
-            <a:off x="6972808" y="4809183"/>
+            <a:off x="8117840" y="4788340"/>
             <a:ext cx="2956327" cy="20843"/>
           </a:xfrm>
           <a:prstGeom prst="straightConnector1">
@@ -27388,14 +28054,20 @@
       </p:cxnSp>
       <p:sp>
         <p:nvSpPr>
-          <p:cNvPr id="33" name="文本框 32"/>
+          <p:cNvPr id="38" name="文本框 37">
+            <a:extLst>
+              <a:ext uri="{FF2B5EF4-FFF2-40B4-BE49-F238E27FC236}">
+                <a16:creationId xmlns:a16="http://schemas.microsoft.com/office/drawing/2014/main" id="{54720863-79B4-4164-A810-5B4A962DA454}"/>
+              </a:ext>
+            </a:extLst>
+          </p:cNvPr>
           <p:cNvSpPr txBox="1"/>
           <p:nvPr/>
         </p:nvSpPr>
         <p:spPr>
           <a:xfrm>
-            <a:off x="8090006" y="4460694"/>
-            <a:ext cx="1059906" cy="369332"/>
+            <a:off x="9116166" y="4460694"/>
+            <a:ext cx="982961" cy="338554"/>
           </a:xfrm>
           <a:prstGeom prst="rect">
             <a:avLst/>
@@ -27409,10 +28081,62 @@
           <a:lstStyle/>
           <a:p>
             <a:r>
-              <a:rPr lang="en-US" altLang="zh-CN" dirty="0"/>
+              <a:rPr lang="en-US" altLang="zh-CN" sz="1600" dirty="0"/>
               <a:t>1800mm</a:t>
             </a:r>
-            <a:endParaRPr lang="zh-CN" altLang="en-US" dirty="0"/>
+            <a:endParaRPr lang="zh-CN" altLang="en-US" sz="1600" dirty="0"/>
+          </a:p>
+        </p:txBody>
+      </p:sp>
+      <p:sp>
+        <p:nvSpPr>
+          <p:cNvPr id="2" name="标题 1"/>
+          <p:cNvSpPr>
+            <a:spLocks noGrp="1"/>
+          </p:cNvSpPr>
+          <p:nvPr>
+            <p:ph type="title"/>
+          </p:nvPr>
+        </p:nvSpPr>
+        <p:spPr>
+          <a:xfrm>
+            <a:off x="460455" y="289779"/>
+            <a:ext cx="9058943" cy="410633"/>
+          </a:xfrm>
+        </p:spPr>
+        <p:txBody>
+          <a:bodyPr>
+            <a:normAutofit/>
+          </a:bodyPr>
+          <a:lstStyle/>
+          <a:p>
+            <a:r>
+              <a:rPr lang="zh-CN" altLang="en-US" sz="2400" spc="100" dirty="0">
+                <a:solidFill>
+                  <a:srgbClr val="043E6F"/>
+                </a:solidFill>
+                <a:cs typeface="Arial" panose="020B0604020202020204" pitchFamily="34" charset="0"/>
+              </a:rPr>
+              <a:t>设计方案</a:t>
+            </a:r>
+            <a:r>
+              <a:rPr lang="en-US" altLang="zh-CN" sz="2400" spc="100" dirty="0">
+                <a:solidFill>
+                  <a:srgbClr val="043E6F"/>
+                </a:solidFill>
+                <a:cs typeface="Arial" panose="020B0604020202020204" pitchFamily="34" charset="0"/>
+              </a:rPr>
+              <a:t>-</a:t>
+            </a:r>
+            <a:r>
+              <a:rPr lang="zh-CN" altLang="en-US" sz="2400" spc="100" dirty="0">
+                <a:solidFill>
+                  <a:srgbClr val="043E6F"/>
+                </a:solidFill>
+                <a:cs typeface="Arial" panose="020B0604020202020204" pitchFamily="34" charset="0"/>
+              </a:rPr>
+              <a:t>机台尺寸</a:t>
+            </a:r>
           </a:p>
         </p:txBody>
       </p:sp>
@@ -27637,7 +28361,7 @@
         </p:blipFill>
         <p:spPr bwMode="auto">
           <a:xfrm>
-            <a:off x="5159087" y="1437651"/>
+            <a:off x="5932715" y="1126604"/>
             <a:ext cx="1794129" cy="1615722"/>
           </a:xfrm>
           <a:prstGeom prst="rect">
@@ -27678,6 +28402,82 @@
           </a:extLst>
         </p:spPr>
       </p:pic>
+      <p:cxnSp>
+        <p:nvCxnSpPr>
+          <p:cNvPr id="39" name="直接连接符 38">
+            <a:extLst>
+              <a:ext uri="{FF2B5EF4-FFF2-40B4-BE49-F238E27FC236}">
+                <a16:creationId xmlns:a16="http://schemas.microsoft.com/office/drawing/2014/main" id="{274B24CD-C872-4FA8-B705-BA52114509A9}"/>
+              </a:ext>
+            </a:extLst>
+          </p:cNvPr>
+          <p:cNvCxnSpPr/>
+          <p:nvPr/>
+        </p:nvCxnSpPr>
+        <p:spPr>
+          <a:xfrm flipH="1">
+            <a:off x="837268" y="4547097"/>
+            <a:ext cx="606425" cy="0"/>
+          </a:xfrm>
+          <a:prstGeom prst="line">
+            <a:avLst/>
+          </a:prstGeom>
+          <a:ln>
+            <a:solidFill>
+              <a:schemeClr val="accent1"/>
+            </a:solidFill>
+          </a:ln>
+        </p:spPr>
+        <p:style>
+          <a:lnRef idx="3">
+            <a:schemeClr val="accent2"/>
+          </a:lnRef>
+          <a:fillRef idx="0">
+            <a:schemeClr val="accent2"/>
+          </a:fillRef>
+          <a:effectRef idx="2">
+            <a:schemeClr val="accent2"/>
+          </a:effectRef>
+          <a:fontRef idx="minor">
+            <a:schemeClr val="tx1"/>
+          </a:fontRef>
+        </p:style>
+      </p:cxnSp>
+      <p:sp>
+        <p:nvSpPr>
+          <p:cNvPr id="41" name="文本框 40">
+            <a:extLst>
+              <a:ext uri="{FF2B5EF4-FFF2-40B4-BE49-F238E27FC236}">
+                <a16:creationId xmlns:a16="http://schemas.microsoft.com/office/drawing/2014/main" id="{8BA2AF7F-A4A9-4BFB-A901-DED5B75F149A}"/>
+              </a:ext>
+            </a:extLst>
+          </p:cNvPr>
+          <p:cNvSpPr txBox="1"/>
+          <p:nvPr/>
+        </p:nvSpPr>
+        <p:spPr>
+          <a:xfrm rot="16200000">
+            <a:off x="150824" y="2745744"/>
+            <a:ext cx="1165669" cy="338554"/>
+          </a:xfrm>
+          <a:prstGeom prst="rect">
+            <a:avLst/>
+          </a:prstGeom>
+          <a:noFill/>
+        </p:spPr>
+        <p:txBody>
+          <a:bodyPr wrap="square" rtlCol="0">
+            <a:spAutoFit/>
+          </a:bodyPr>
+          <a:lstStyle/>
+          <a:p>
+            <a:r>
+              <a:rPr lang="en-US" altLang="zh-CN" sz="1600" dirty="0"/>
+              <a:t>2000mm</a:t>
+            </a:r>
+          </a:p>
+        </p:txBody>
+      </p:sp>
     </p:spTree>
   </p:cSld>
   <p:clrMapOvr>
@@ -27704,9 +28504,65 @@
           <a:chExt cx="0" cy="0"/>
         </a:xfrm>
       </p:grpSpPr>
+      <p:sp>
+        <p:nvSpPr>
+          <p:cNvPr id="2" name="标题 1"/>
+          <p:cNvSpPr>
+            <a:spLocks noGrp="1"/>
+          </p:cNvSpPr>
+          <p:nvPr>
+            <p:ph type="title"/>
+          </p:nvPr>
+        </p:nvSpPr>
+        <p:spPr/>
+        <p:txBody>
+          <a:bodyPr>
+            <a:normAutofit/>
+          </a:bodyPr>
+          <a:lstStyle/>
+          <a:p>
+            <a:r>
+              <a:rPr lang="zh-CN" altLang="en-US" sz="2400" spc="100" dirty="0">
+                <a:solidFill>
+                  <a:srgbClr val="043E6F"/>
+                </a:solidFill>
+                <a:cs typeface="Arial" panose="020B0604020202020204" pitchFamily="34" charset="0"/>
+                <a:sym typeface="+mn-ea"/>
+              </a:rPr>
+              <a:t>设计方案</a:t>
+            </a:r>
+            <a:r>
+              <a:rPr lang="en-US" altLang="zh-CN" sz="2400" spc="100" dirty="0">
+                <a:solidFill>
+                  <a:srgbClr val="043E6F"/>
+                </a:solidFill>
+                <a:cs typeface="Arial" panose="020B0604020202020204" pitchFamily="34" charset="0"/>
+                <a:sym typeface="+mn-ea"/>
+              </a:rPr>
+              <a:t>-</a:t>
+            </a:r>
+            <a:r>
+              <a:rPr lang="zh-CN" altLang="en-US" sz="2400" spc="100" dirty="0">
+                <a:solidFill>
+                  <a:srgbClr val="043E6F"/>
+                </a:solidFill>
+                <a:cs typeface="Arial" panose="020B0604020202020204" pitchFamily="34" charset="0"/>
+                <a:sym typeface="+mn-ea"/>
+              </a:rPr>
+              <a:t>结构示意图</a:t>
+            </a:r>
+          </a:p>
+        </p:txBody>
+      </p:sp>
       <p:pic>
         <p:nvPicPr>
-          <p:cNvPr id="2052" name="Picture 4"/>
+          <p:cNvPr id="9" name="Picture 2">
+            <a:extLst>
+              <a:ext uri="{FF2B5EF4-FFF2-40B4-BE49-F238E27FC236}">
+                <a16:creationId xmlns:a16="http://schemas.microsoft.com/office/drawing/2014/main" id="{FFE06729-4446-4C3E-836E-11BE70FFA8F1}"/>
+              </a:ext>
+            </a:extLst>
+          </p:cNvPr>
           <p:cNvPicPr>
             <a:picLocks noChangeAspect="1" noChangeArrowheads="1"/>
           </p:cNvPicPr>
@@ -27727,8 +28583,8 @@
         </p:blipFill>
         <p:spPr bwMode="auto">
           <a:xfrm>
-            <a:off x="3236214" y="943891"/>
-            <a:ext cx="5816346" cy="5523990"/>
+            <a:off x="2899410" y="992204"/>
+            <a:ext cx="6336030" cy="4794642"/>
           </a:xfrm>
           <a:prstGeom prst="rect">
             <a:avLst/>
@@ -27770,57 +28626,13 @@
       </p:pic>
       <p:sp>
         <p:nvSpPr>
-          <p:cNvPr id="2" name="标题 1"/>
-          <p:cNvSpPr>
-            <a:spLocks noGrp="1"/>
-          </p:cNvSpPr>
-          <p:nvPr>
-            <p:ph type="title"/>
-          </p:nvPr>
-        </p:nvSpPr>
-        <p:spPr/>
-        <p:txBody>
-          <a:bodyPr>
-            <a:normAutofit/>
-          </a:bodyPr>
-          <a:lstStyle/>
-          <a:p>
-            <a:r>
-              <a:rPr lang="zh-CN" altLang="en-US" sz="2400" spc="100" dirty="0">
-                <a:solidFill>
-                  <a:srgbClr val="043E6F"/>
-                </a:solidFill>
-                <a:cs typeface="Arial" panose="020B0604020202020204" pitchFamily="34" charset="0"/>
-                <a:sym typeface="+mn-ea"/>
-              </a:rPr>
-              <a:t>设计方案</a:t>
-            </a:r>
-            <a:r>
-              <a:rPr lang="en-US" altLang="zh-CN" sz="2400" spc="100" dirty="0">
-                <a:solidFill>
-                  <a:srgbClr val="043E6F"/>
-                </a:solidFill>
-                <a:cs typeface="Arial" panose="020B0604020202020204" pitchFamily="34" charset="0"/>
-                <a:sym typeface="+mn-ea"/>
-              </a:rPr>
-              <a:t>-</a:t>
-            </a:r>
-            <a:r>
-              <a:rPr lang="zh-CN" altLang="en-US" sz="2400" spc="100" dirty="0">
-                <a:solidFill>
-                  <a:srgbClr val="043E6F"/>
-                </a:solidFill>
-                <a:cs typeface="Arial" panose="020B0604020202020204" pitchFamily="34" charset="0"/>
-                <a:sym typeface="+mn-ea"/>
-              </a:rPr>
-              <a:t>结构示意图</a:t>
-            </a:r>
-          </a:p>
-        </p:txBody>
-      </p:sp>
-      <p:sp>
-        <p:nvSpPr>
-          <p:cNvPr id="23" name="线形标注 2 22"/>
+          <p:cNvPr id="10" name="线形标注 2 22">
+            <a:extLst>
+              <a:ext uri="{FF2B5EF4-FFF2-40B4-BE49-F238E27FC236}">
+                <a16:creationId xmlns:a16="http://schemas.microsoft.com/office/drawing/2014/main" id="{D4DC4C48-8957-4EBC-A9A3-4269A7BA6C41}"/>
+              </a:ext>
+            </a:extLst>
+          </p:cNvPr>
           <p:cNvSpPr/>
           <p:nvPr/>
         </p:nvSpPr>
@@ -27835,8 +28647,8 @@
               <a:gd name="adj2" fmla="val -333"/>
               <a:gd name="adj3" fmla="val 47109"/>
               <a:gd name="adj4" fmla="val -27667"/>
-              <a:gd name="adj5" fmla="val 283323"/>
-              <a:gd name="adj6" fmla="val -129292"/>
+              <a:gd name="adj5" fmla="val 269475"/>
+              <a:gd name="adj6" fmla="val -111927"/>
             </a:avLst>
           </a:prstGeom>
           <a:noFill/>
@@ -27876,7 +28688,13 @@
       </p:sp>
       <p:sp>
         <p:nvSpPr>
-          <p:cNvPr id="43" name="线形标注 2 42"/>
+          <p:cNvPr id="11" name="线形标注 2 42">
+            <a:extLst>
+              <a:ext uri="{FF2B5EF4-FFF2-40B4-BE49-F238E27FC236}">
+                <a16:creationId xmlns:a16="http://schemas.microsoft.com/office/drawing/2014/main" id="{78FFB554-2EFA-4D5D-84A8-6223CA642A20}"/>
+              </a:ext>
+            </a:extLst>
+          </p:cNvPr>
           <p:cNvSpPr/>
           <p:nvPr/>
         </p:nvSpPr>
@@ -27932,7 +28750,13 @@
       </p:sp>
       <p:sp>
         <p:nvSpPr>
-          <p:cNvPr id="15" name="线形标注 2 14"/>
+          <p:cNvPr id="13" name="线形标注 2 14">
+            <a:extLst>
+              <a:ext uri="{FF2B5EF4-FFF2-40B4-BE49-F238E27FC236}">
+                <a16:creationId xmlns:a16="http://schemas.microsoft.com/office/drawing/2014/main" id="{2F71BABC-08C5-405E-8143-7C962D78944E}"/>
+              </a:ext>
+            </a:extLst>
+          </p:cNvPr>
           <p:cNvSpPr/>
           <p:nvPr/>
         </p:nvSpPr>
@@ -27947,8 +28771,8 @@
               <a:gd name="adj2" fmla="val 100625"/>
               <a:gd name="adj3" fmla="val 52372"/>
               <a:gd name="adj4" fmla="val 123059"/>
-              <a:gd name="adj5" fmla="val -17389"/>
-              <a:gd name="adj6" fmla="val 182755"/>
+              <a:gd name="adj5" fmla="val -101600"/>
+              <a:gd name="adj6" fmla="val 188651"/>
             </a:avLst>
           </a:prstGeom>
           <a:noFill/>
@@ -28001,7 +28825,13 @@
       </p:sp>
       <p:sp>
         <p:nvSpPr>
-          <p:cNvPr id="16" name="线形标注 2 15"/>
+          <p:cNvPr id="14" name="线形标注 2 15">
+            <a:extLst>
+              <a:ext uri="{FF2B5EF4-FFF2-40B4-BE49-F238E27FC236}">
+                <a16:creationId xmlns:a16="http://schemas.microsoft.com/office/drawing/2014/main" id="{6179643E-9D44-4481-8444-C5601CE94D9C}"/>
+              </a:ext>
+            </a:extLst>
+          </p:cNvPr>
           <p:cNvSpPr/>
           <p:nvPr/>
         </p:nvSpPr>
@@ -28016,8 +28846,8 @@
               <a:gd name="adj2" fmla="val 100625"/>
               <a:gd name="adj3" fmla="val 52372"/>
               <a:gd name="adj4" fmla="val 123059"/>
-              <a:gd name="adj5" fmla="val -348969"/>
-              <a:gd name="adj6" fmla="val 277075"/>
+              <a:gd name="adj5" fmla="val -548969"/>
+              <a:gd name="adj6" fmla="val 305376"/>
             </a:avLst>
           </a:prstGeom>
           <a:noFill/>
@@ -28070,13 +28900,19 @@
       </p:sp>
       <p:sp>
         <p:nvSpPr>
-          <p:cNvPr id="12" name="线形标注 2 11"/>
+          <p:cNvPr id="17" name="线形标注 2 11">
+            <a:extLst>
+              <a:ext uri="{FF2B5EF4-FFF2-40B4-BE49-F238E27FC236}">
+                <a16:creationId xmlns:a16="http://schemas.microsoft.com/office/drawing/2014/main" id="{78754917-6B6F-43F5-89F0-3A08B544E774}"/>
+              </a:ext>
+            </a:extLst>
+          </p:cNvPr>
           <p:cNvSpPr/>
           <p:nvPr/>
         </p:nvSpPr>
         <p:spPr>
           <a:xfrm>
-            <a:off x="1591055" y="1515984"/>
+            <a:off x="1591055" y="1350912"/>
             <a:ext cx="1452053" cy="347472"/>
           </a:xfrm>
           <a:prstGeom prst="borderCallout2">
@@ -28085,7 +28921,7 @@
               <a:gd name="adj2" fmla="val 100625"/>
               <a:gd name="adj3" fmla="val 52372"/>
               <a:gd name="adj4" fmla="val 123059"/>
-              <a:gd name="adj5" fmla="val 198399"/>
+              <a:gd name="adj5" fmla="val 253662"/>
               <a:gd name="adj6" fmla="val 304153"/>
             </a:avLst>
           </a:prstGeom>
